--- a/EE439 Discussions.pptx
+++ b/EE439 Discussions.pptx
@@ -5,7 +5,7 @@
     <p:sldMasterId id="2147483648" r:id="rId1"/>
   </p:sldMasterIdLst>
   <p:notesMasterIdLst>
-    <p:notesMasterId r:id="rId24"/>
+    <p:notesMasterId r:id="rId25"/>
   </p:notesMasterIdLst>
   <p:sldIdLst>
     <p:sldId id="256" r:id="rId2"/>
@@ -30,6 +30,7 @@
     <p:sldId id="265" r:id="rId21"/>
     <p:sldId id="270" r:id="rId22"/>
     <p:sldId id="280" r:id="rId23"/>
+    <p:sldId id="281" r:id="rId24"/>
   </p:sldIdLst>
   <p:sldSz cx="12192000" cy="6858000"/>
   <p:notesSz cx="6858000" cy="9144000"/>
@@ -218,7 +219,7 @@
           <a:p>
             <a:fld id="{954A0CA2-DC8A-4D12-9FDC-0445DD61126F}" type="datetimeFigureOut">
               <a:rPr lang="en-GB" smtClean="0"/>
-              <a:t>22/02/2021</a:t>
+              <a:t>23/02/2021</a:t>
             </a:fld>
             <a:endParaRPr lang="en-GB"/>
           </a:p>
@@ -910,7 +911,7 @@
           <a:p>
             <a:fld id="{7B3318C8-8A08-4EC6-8476-6556B53A041F}" type="datetime1">
               <a:rPr lang="en-GB" smtClean="0"/>
-              <a:t>22/02/2021</a:t>
+              <a:t>23/02/2021</a:t>
             </a:fld>
             <a:endParaRPr lang="en-GB" dirty="0"/>
           </a:p>
@@ -1292,7 +1293,7 @@
           <a:p>
             <a:fld id="{299A4855-08A5-4CC7-B893-6188466FB4E0}" type="datetime1">
               <a:rPr lang="en-GB" smtClean="0"/>
-              <a:t>22/02/2021</a:t>
+              <a:t>23/02/2021</a:t>
             </a:fld>
             <a:endParaRPr lang="en-GB"/>
           </a:p>
@@ -1479,7 +1480,7 @@
           <a:p>
             <a:fld id="{B3683CBC-1B77-4849-A87C-D5F1D3B0337E}" type="datetime1">
               <a:rPr lang="en-GB" smtClean="0"/>
-              <a:t>22/02/2021</a:t>
+              <a:t>23/02/2021</a:t>
             </a:fld>
             <a:endParaRPr lang="en-GB"/>
           </a:p>
@@ -1852,7 +1853,7 @@
           <a:p>
             <a:fld id="{C3BE40FE-C9B0-4E62-A310-1530A83782A0}" type="datetime1">
               <a:rPr lang="en-GB" smtClean="0"/>
-              <a:t>22/02/2021</a:t>
+              <a:t>23/02/2021</a:t>
             </a:fld>
             <a:endParaRPr lang="en-GB" dirty="0"/>
           </a:p>
@@ -2582,7 +2583,7 @@
           <a:p>
             <a:fld id="{8F7D5DA4-B0D5-4AAC-95C5-584374F68394}" type="datetime1">
               <a:rPr lang="en-GB" smtClean="0"/>
-              <a:t>22/02/2021</a:t>
+              <a:t>23/02/2021</a:t>
             </a:fld>
             <a:endParaRPr lang="en-GB" dirty="0"/>
           </a:p>
@@ -2816,7 +2817,7 @@
           <a:p>
             <a:fld id="{E6D900CF-704E-46A5-9214-BE4072A67A4F}" type="datetime1">
               <a:rPr lang="en-GB" smtClean="0"/>
-              <a:t>22/02/2021</a:t>
+              <a:t>23/02/2021</a:t>
             </a:fld>
             <a:endParaRPr lang="en-GB"/>
           </a:p>
@@ -3183,7 +3184,7 @@
           <a:p>
             <a:fld id="{16D4B842-27B7-4FB2-A3A1-9C39A5D2DE76}" type="datetime1">
               <a:rPr lang="en-GB" smtClean="0"/>
-              <a:t>22/02/2021</a:t>
+              <a:t>23/02/2021</a:t>
             </a:fld>
             <a:endParaRPr lang="en-GB"/>
           </a:p>
@@ -3301,7 +3302,7 @@
           <a:p>
             <a:fld id="{30BB5148-C437-4D60-B940-8F1F20B4DBAA}" type="datetime1">
               <a:rPr lang="en-GB" smtClean="0"/>
-              <a:t>22/02/2021</a:t>
+              <a:t>23/02/2021</a:t>
             </a:fld>
             <a:endParaRPr lang="en-GB"/>
           </a:p>
@@ -3396,7 +3397,7 @@
           <a:p>
             <a:fld id="{DE2228C7-0BBB-46A5-B7D6-2E739D3436FF}" type="datetime1">
               <a:rPr lang="en-GB" smtClean="0"/>
-              <a:t>22/02/2021</a:t>
+              <a:t>23/02/2021</a:t>
             </a:fld>
             <a:endParaRPr lang="en-GB"/>
           </a:p>
@@ -3673,7 +3674,7 @@
           <a:p>
             <a:fld id="{6D7EB2B0-97C3-4513-90B1-D9988E74A938}" type="datetime1">
               <a:rPr lang="en-GB" smtClean="0"/>
-              <a:t>22/02/2021</a:t>
+              <a:t>23/02/2021</a:t>
             </a:fld>
             <a:endParaRPr lang="en-GB"/>
           </a:p>
@@ -3930,7 +3931,7 @@
           <a:p>
             <a:fld id="{5EE3B9F1-B66E-479D-8A45-7D51CA6177C0}" type="datetime1">
               <a:rPr lang="en-GB" smtClean="0"/>
-              <a:t>22/02/2021</a:t>
+              <a:t>23/02/2021</a:t>
             </a:fld>
             <a:endParaRPr lang="en-GB"/>
           </a:p>
@@ -4329,7 +4330,7 @@
           <a:p>
             <a:fld id="{FE0803FA-6B45-4104-9723-0FA1894CB0D3}" type="datetime1">
               <a:rPr lang="en-GB" smtClean="0"/>
-              <a:t>22/02/2021</a:t>
+              <a:t>23/02/2021</a:t>
             </a:fld>
             <a:endParaRPr lang="en-GB" dirty="0"/>
           </a:p>
@@ -4780,15 +4781,7 @@
             </a:r>
             <a:r>
               <a:rPr lang="en-US" sz="2000" dirty="0" smtClean="0"/>
-              <a:t> </a:t>
-            </a:r>
-            <a:r>
-              <a:rPr lang="en-US" sz="2000" dirty="0" smtClean="0"/>
-              <a:t>(ID: 6004640030</a:t>
-            </a:r>
-            <a:r>
-              <a:rPr lang="en-US" sz="2000" dirty="0" smtClean="0"/>
-              <a:t>)</a:t>
+              <a:t> (ID: 6004640030)</a:t>
             </a:r>
           </a:p>
           <a:p>
@@ -6560,15 +6553,7 @@
             </a:r>
             <a:r>
               <a:rPr lang="en-US" dirty="0" smtClean="0"/>
-              <a:t>                                </a:t>
-            </a:r>
-            <a:r>
-              <a:rPr lang="en-US" dirty="0" smtClean="0"/>
-              <a:t>(</a:t>
-            </a:r>
-            <a:r>
-              <a:rPr lang="en-US" dirty="0" smtClean="0"/>
-              <a:t>false positive &amp; false negative)</a:t>
+              <a:t>                                (false positive &amp; false negative)</a:t>
             </a:r>
             <a:endParaRPr lang="en-GB" dirty="0"/>
           </a:p>
@@ -7298,19 +7283,7 @@
             </a:r>
             <a:r>
               <a:rPr lang="en-US" sz="2400" dirty="0" smtClean="0"/>
-              <a:t>: There is no EPU index for Thailand, so let’s try </a:t>
-            </a:r>
-            <a:r>
-              <a:rPr lang="en-US" sz="2400" dirty="0" smtClean="0"/>
-              <a:t>making</a:t>
-            </a:r>
-            <a:r>
-              <a:rPr lang="en-US" sz="2400" dirty="0" smtClean="0"/>
-              <a:t> </a:t>
-            </a:r>
-            <a:r>
-              <a:rPr lang="en-US" sz="2400" dirty="0" smtClean="0"/>
-              <a:t>one.</a:t>
+              <a:t>: There is no EPU index for Thailand, so let’s try making one.</a:t>
             </a:r>
           </a:p>
           <a:p>
@@ -7770,6 +7743,140 @@
 </p:sld>
 </file>
 
+<file path=ppt/slides/slide23.xml><?xml version="1.0" encoding="utf-8"?>
+<p:sld xmlns:a="http://schemas.openxmlformats.org/drawingml/2006/main" xmlns:r="http://schemas.openxmlformats.org/officeDocument/2006/relationships" xmlns:p="http://schemas.openxmlformats.org/presentationml/2006/main">
+  <p:cSld>
+    <p:spTree>
+      <p:nvGrpSpPr>
+        <p:cNvPr id="1" name=""/>
+        <p:cNvGrpSpPr/>
+        <p:nvPr/>
+      </p:nvGrpSpPr>
+      <p:grpSpPr>
+        <a:xfrm>
+          <a:off x="0" y="0"/>
+          <a:ext cx="0" cy="0"/>
+          <a:chOff x="0" y="0"/>
+          <a:chExt cx="0" cy="0"/>
+        </a:xfrm>
+      </p:grpSpPr>
+      <p:sp>
+        <p:nvSpPr>
+          <p:cNvPr id="2" name="Content Placeholder 1"/>
+          <p:cNvSpPr>
+            <a:spLocks noGrp="1"/>
+          </p:cNvSpPr>
+          <p:nvPr>
+            <p:ph idx="1"/>
+          </p:nvPr>
+        </p:nvSpPr>
+        <p:spPr/>
+        <p:txBody>
+          <a:bodyPr/>
+          <a:lstStyle/>
+          <a:p>
+            <a:endParaRPr lang="en-GB"/>
+          </a:p>
+        </p:txBody>
+      </p:sp>
+      <p:sp>
+        <p:nvSpPr>
+          <p:cNvPr id="3" name="Title 2"/>
+          <p:cNvSpPr>
+            <a:spLocks noGrp="1"/>
+          </p:cNvSpPr>
+          <p:nvPr>
+            <p:ph type="title"/>
+          </p:nvPr>
+        </p:nvSpPr>
+        <p:spPr/>
+        <p:txBody>
+          <a:bodyPr/>
+          <a:lstStyle/>
+          <a:p>
+            <a:r>
+              <a:rPr lang="en-US" dirty="0" smtClean="0"/>
+              <a:t>See you Again!</a:t>
+            </a:r>
+            <a:endParaRPr lang="en-GB" dirty="0"/>
+          </a:p>
+        </p:txBody>
+      </p:sp>
+      <p:pic>
+        <p:nvPicPr>
+          <p:cNvPr id="4" name="Picture 3"/>
+          <p:cNvPicPr>
+            <a:picLocks noChangeAspect="1"/>
+          </p:cNvPicPr>
+          <p:nvPr/>
+        </p:nvPicPr>
+        <p:blipFill>
+          <a:blip r:embed="rId2"/>
+          <a:stretch>
+            <a:fillRect/>
+          </a:stretch>
+        </p:blipFill>
+        <p:spPr>
+          <a:xfrm>
+            <a:off x="627075" y="1162050"/>
+            <a:ext cx="10725150" cy="5448300"/>
+          </a:xfrm>
+          <a:prstGeom prst="rect">
+            <a:avLst/>
+          </a:prstGeom>
+        </p:spPr>
+      </p:pic>
+      <p:sp>
+        <p:nvSpPr>
+          <p:cNvPr id="5" name="TextBox 4"/>
+          <p:cNvSpPr txBox="1"/>
+          <p:nvPr/>
+        </p:nvSpPr>
+        <p:spPr>
+          <a:xfrm>
+            <a:off x="6369626" y="1233697"/>
+            <a:ext cx="3253648" cy="461665"/>
+          </a:xfrm>
+          <a:prstGeom prst="rect">
+            <a:avLst/>
+          </a:prstGeom>
+          <a:noFill/>
+        </p:spPr>
+        <p:txBody>
+          <a:bodyPr wrap="none" rtlCol="0">
+            <a:spAutoFit/>
+          </a:bodyPr>
+          <a:lstStyle/>
+          <a:p>
+            <a:r>
+              <a:rPr lang="en-US" sz="2400" b="1" dirty="0" smtClean="0">
+                <a:solidFill>
+                  <a:srgbClr val="FFFF00"/>
+                </a:solidFill>
+              </a:rPr>
+              <a:t>CONGRATULATION!</a:t>
+            </a:r>
+            <a:endParaRPr lang="en-GB" sz="2400" b="1" dirty="0">
+              <a:solidFill>
+                <a:srgbClr val="FFFF00"/>
+              </a:solidFill>
+            </a:endParaRPr>
+          </a:p>
+        </p:txBody>
+      </p:sp>
+    </p:spTree>
+    <p:extLst>
+      <p:ext uri="{BB962C8B-B14F-4D97-AF65-F5344CB8AC3E}">
+        <p14:creationId xmlns:p14="http://schemas.microsoft.com/office/powerpoint/2010/main" val="2036242238"/>
+      </p:ext>
+    </p:extLst>
+  </p:cSld>
+  <p:clrMapOvr>
+    <a:masterClrMapping/>
+  </p:clrMapOvr>
+</p:sld>
+</file>
+
 <file path=ppt/slides/slide3.xml><?xml version="1.0" encoding="utf-8"?>
 <p:sld xmlns:a="http://schemas.openxmlformats.org/drawingml/2006/main" xmlns:r="http://schemas.openxmlformats.org/officeDocument/2006/relationships" xmlns:p="http://schemas.openxmlformats.org/presentationml/2006/main">
   <p:cSld>
@@ -7804,11 +7911,7 @@
           <a:p>
             <a:r>
               <a:rPr lang="en-US" dirty="0" smtClean="0"/>
-              <a:t>Economic </a:t>
-            </a:r>
-            <a:r>
-              <a:rPr lang="en-US" dirty="0" smtClean="0"/>
-              <a:t>Uncertainty Before and After Covid-19</a:t>
+              <a:t>Economic Uncertainty Before and After Covid-19</a:t>
             </a:r>
           </a:p>
           <a:p>
@@ -7832,11 +7935,7 @@
             </a:pPr>
             <a:r>
               <a:rPr lang="en-US" sz="2400" i="1" dirty="0" smtClean="0"/>
-              <a:t>   Goal: Survey methodology used for estimating the </a:t>
-            </a:r>
-            <a:r>
-              <a:rPr lang="en-US" sz="2400" i="1" dirty="0" smtClean="0"/>
-              <a:t>impact</a:t>
+              <a:t>   Goal: Survey methodology used for estimating the impact</a:t>
             </a:r>
           </a:p>
           <a:p>
@@ -8845,15 +8944,7 @@
           <a:p>
             <a:r>
               <a:rPr lang="en-US" dirty="0" smtClean="0"/>
-              <a:t>VIX </a:t>
-            </a:r>
-            <a:r>
-              <a:rPr lang="en-US" dirty="0" smtClean="0"/>
-              <a:t>Spiked </a:t>
-            </a:r>
-            <a:r>
-              <a:rPr lang="en-US" dirty="0" smtClean="0"/>
-              <a:t>in 2020</a:t>
+              <a:t>VIX Spiked in 2020</a:t>
             </a:r>
             <a:endParaRPr lang="en-GB" dirty="0"/>
           </a:p>
@@ -9038,15 +9129,7 @@
           <a:p>
             <a:r>
               <a:rPr lang="en-US" dirty="0" smtClean="0"/>
-              <a:t>EPU </a:t>
-            </a:r>
-            <a:r>
-              <a:rPr lang="en-US" dirty="0" smtClean="0"/>
-              <a:t>Spiked </a:t>
-            </a:r>
-            <a:r>
-              <a:rPr lang="en-US" dirty="0" smtClean="0"/>
-              <a:t>in 2020</a:t>
+              <a:t>EPU Spiked in 2020</a:t>
             </a:r>
             <a:endParaRPr lang="en-GB" dirty="0"/>
           </a:p>
@@ -9231,11 +9314,7 @@
           <a:p>
             <a:r>
               <a:rPr lang="en-US" dirty="0" smtClean="0"/>
-              <a:t>Survey-Based Measures </a:t>
-            </a:r>
-            <a:r>
-              <a:rPr lang="en-US" dirty="0" smtClean="0"/>
-              <a:t>Spiked in 2020</a:t>
+              <a:t>Survey-Based Measures Spiked in 2020</a:t>
             </a:r>
             <a:endParaRPr lang="en-GB" dirty="0"/>
           </a:p>
@@ -9495,7 +9574,6 @@
               <a:rPr lang="en-US" sz="2400" dirty="0" smtClean="0"/>
               <a:t>              industrial production, employment growth.</a:t>
             </a:r>
-            <a:endParaRPr lang="en-US" sz="2400" dirty="0" smtClean="0"/>
           </a:p>
           <a:p>
             <a:pPr marL="0" indent="0">

--- a/EE439 Discussions.pptx
+++ b/EE439 Discussions.pptx
@@ -7835,7 +7835,7 @@
         <p:spPr>
           <a:xfrm>
             <a:off x="6369626" y="1233697"/>
-            <a:ext cx="3253648" cy="461665"/>
+            <a:ext cx="3425168" cy="461665"/>
           </a:xfrm>
           <a:prstGeom prst="rect">
             <a:avLst/>
@@ -7854,7 +7854,7 @@
                   <a:srgbClr val="FFFF00"/>
                 </a:solidFill>
               </a:rPr>
-              <a:t>CONGRATULATION!</a:t>
+              <a:t>CONGRATULATIONS!</a:t>
             </a:r>
             <a:endParaRPr lang="en-GB" sz="2400" b="1" dirty="0">
               <a:solidFill>

--- a/EE439 Discussions.pptx
+++ b/EE439 Discussions.pptx
@@ -5,32 +5,33 @@
     <p:sldMasterId id="2147483648" r:id="rId1"/>
   </p:sldMasterIdLst>
   <p:notesMasterIdLst>
-    <p:notesMasterId r:id="rId25"/>
+    <p:notesMasterId r:id="rId26"/>
   </p:notesMasterIdLst>
   <p:sldIdLst>
     <p:sldId id="256" r:id="rId2"/>
     <p:sldId id="259" r:id="rId3"/>
-    <p:sldId id="257" r:id="rId4"/>
-    <p:sldId id="266" r:id="rId5"/>
-    <p:sldId id="279" r:id="rId6"/>
-    <p:sldId id="267" r:id="rId7"/>
-    <p:sldId id="268" r:id="rId8"/>
-    <p:sldId id="269" r:id="rId9"/>
-    <p:sldId id="271" r:id="rId10"/>
-    <p:sldId id="275" r:id="rId11"/>
-    <p:sldId id="278" r:id="rId12"/>
-    <p:sldId id="276" r:id="rId13"/>
-    <p:sldId id="273" r:id="rId14"/>
-    <p:sldId id="274" r:id="rId15"/>
-    <p:sldId id="260" r:id="rId16"/>
-    <p:sldId id="263" r:id="rId17"/>
-    <p:sldId id="261" r:id="rId18"/>
-    <p:sldId id="264" r:id="rId19"/>
-    <p:sldId id="262" r:id="rId20"/>
-    <p:sldId id="265" r:id="rId21"/>
-    <p:sldId id="270" r:id="rId22"/>
-    <p:sldId id="280" r:id="rId23"/>
-    <p:sldId id="281" r:id="rId24"/>
+    <p:sldId id="282" r:id="rId4"/>
+    <p:sldId id="257" r:id="rId5"/>
+    <p:sldId id="266" r:id="rId6"/>
+    <p:sldId id="279" r:id="rId7"/>
+    <p:sldId id="267" r:id="rId8"/>
+    <p:sldId id="268" r:id="rId9"/>
+    <p:sldId id="269" r:id="rId10"/>
+    <p:sldId id="271" r:id="rId11"/>
+    <p:sldId id="275" r:id="rId12"/>
+    <p:sldId id="278" r:id="rId13"/>
+    <p:sldId id="276" r:id="rId14"/>
+    <p:sldId id="273" r:id="rId15"/>
+    <p:sldId id="274" r:id="rId16"/>
+    <p:sldId id="260" r:id="rId17"/>
+    <p:sldId id="263" r:id="rId18"/>
+    <p:sldId id="261" r:id="rId19"/>
+    <p:sldId id="264" r:id="rId20"/>
+    <p:sldId id="262" r:id="rId21"/>
+    <p:sldId id="265" r:id="rId22"/>
+    <p:sldId id="270" r:id="rId23"/>
+    <p:sldId id="280" r:id="rId24"/>
+    <p:sldId id="281" r:id="rId25"/>
   </p:sldIdLst>
   <p:sldSz cx="12192000" cy="6858000"/>
   <p:notesSz cx="6858000" cy="9144000"/>
@@ -219,7 +220,7 @@
           <a:p>
             <a:fld id="{954A0CA2-DC8A-4D12-9FDC-0445DD61126F}" type="datetimeFigureOut">
               <a:rPr lang="en-GB" smtClean="0"/>
-              <a:t>23/02/2021</a:t>
+              <a:t>26/02/2021</a:t>
             </a:fld>
             <a:endParaRPr lang="en-GB"/>
           </a:p>
@@ -911,7 +912,7 @@
           <a:p>
             <a:fld id="{7B3318C8-8A08-4EC6-8476-6556B53A041F}" type="datetime1">
               <a:rPr lang="en-GB" smtClean="0"/>
-              <a:t>23/02/2021</a:t>
+              <a:t>26/02/2021</a:t>
             </a:fld>
             <a:endParaRPr lang="en-GB" dirty="0"/>
           </a:p>
@@ -1293,7 +1294,7 @@
           <a:p>
             <a:fld id="{299A4855-08A5-4CC7-B893-6188466FB4E0}" type="datetime1">
               <a:rPr lang="en-GB" smtClean="0"/>
-              <a:t>23/02/2021</a:t>
+              <a:t>26/02/2021</a:t>
             </a:fld>
             <a:endParaRPr lang="en-GB"/>
           </a:p>
@@ -1480,7 +1481,7 @@
           <a:p>
             <a:fld id="{B3683CBC-1B77-4849-A87C-D5F1D3B0337E}" type="datetime1">
               <a:rPr lang="en-GB" smtClean="0"/>
-              <a:t>23/02/2021</a:t>
+              <a:t>26/02/2021</a:t>
             </a:fld>
             <a:endParaRPr lang="en-GB"/>
           </a:p>
@@ -1853,7 +1854,7 @@
           <a:p>
             <a:fld id="{C3BE40FE-C9B0-4E62-A310-1530A83782A0}" type="datetime1">
               <a:rPr lang="en-GB" smtClean="0"/>
-              <a:t>23/02/2021</a:t>
+              <a:t>26/02/2021</a:t>
             </a:fld>
             <a:endParaRPr lang="en-GB" dirty="0"/>
           </a:p>
@@ -2583,7 +2584,7 @@
           <a:p>
             <a:fld id="{8F7D5DA4-B0D5-4AAC-95C5-584374F68394}" type="datetime1">
               <a:rPr lang="en-GB" smtClean="0"/>
-              <a:t>23/02/2021</a:t>
+              <a:t>26/02/2021</a:t>
             </a:fld>
             <a:endParaRPr lang="en-GB" dirty="0"/>
           </a:p>
@@ -2817,7 +2818,7 @@
           <a:p>
             <a:fld id="{E6D900CF-704E-46A5-9214-BE4072A67A4F}" type="datetime1">
               <a:rPr lang="en-GB" smtClean="0"/>
-              <a:t>23/02/2021</a:t>
+              <a:t>26/02/2021</a:t>
             </a:fld>
             <a:endParaRPr lang="en-GB"/>
           </a:p>
@@ -3184,7 +3185,7 @@
           <a:p>
             <a:fld id="{16D4B842-27B7-4FB2-A3A1-9C39A5D2DE76}" type="datetime1">
               <a:rPr lang="en-GB" smtClean="0"/>
-              <a:t>23/02/2021</a:t>
+              <a:t>26/02/2021</a:t>
             </a:fld>
             <a:endParaRPr lang="en-GB"/>
           </a:p>
@@ -3302,7 +3303,7 @@
           <a:p>
             <a:fld id="{30BB5148-C437-4D60-B940-8F1F20B4DBAA}" type="datetime1">
               <a:rPr lang="en-GB" smtClean="0"/>
-              <a:t>23/02/2021</a:t>
+              <a:t>26/02/2021</a:t>
             </a:fld>
             <a:endParaRPr lang="en-GB"/>
           </a:p>
@@ -3397,7 +3398,7 @@
           <a:p>
             <a:fld id="{DE2228C7-0BBB-46A5-B7D6-2E739D3436FF}" type="datetime1">
               <a:rPr lang="en-GB" smtClean="0"/>
-              <a:t>23/02/2021</a:t>
+              <a:t>26/02/2021</a:t>
             </a:fld>
             <a:endParaRPr lang="en-GB"/>
           </a:p>
@@ -3674,7 +3675,7 @@
           <a:p>
             <a:fld id="{6D7EB2B0-97C3-4513-90B1-D9988E74A938}" type="datetime1">
               <a:rPr lang="en-GB" smtClean="0"/>
-              <a:t>23/02/2021</a:t>
+              <a:t>26/02/2021</a:t>
             </a:fld>
             <a:endParaRPr lang="en-GB"/>
           </a:p>
@@ -3931,7 +3932,7 @@
           <a:p>
             <a:fld id="{5EE3B9F1-B66E-479D-8A45-7D51CA6177C0}" type="datetime1">
               <a:rPr lang="en-GB" smtClean="0"/>
-              <a:t>23/02/2021</a:t>
+              <a:t>26/02/2021</a:t>
             </a:fld>
             <a:endParaRPr lang="en-GB"/>
           </a:p>
@@ -4330,7 +4331,7 @@
           <a:p>
             <a:fld id="{FE0803FA-6B45-4104-9723-0FA1894CB0D3}" type="datetime1">
               <a:rPr lang="en-GB" smtClean="0"/>
-              <a:t>23/02/2021</a:t>
+              <a:t>26/02/2021</a:t>
             </a:fld>
             <a:endParaRPr lang="en-GB" dirty="0"/>
           </a:p>
@@ -4857,66 +4858,109 @@
           <a:p>
             <a:pPr marL="0" indent="0">
               <a:lnSpc>
-                <a:spcPct val="150000"/>
+                <a:spcPct val="100000"/>
               </a:lnSpc>
               <a:buNone/>
             </a:pPr>
             <a:r>
-              <a:rPr lang="en-US" sz="2400" b="1" dirty="0" smtClean="0"/>
-              <a:t>Dependent Variable</a:t>
-            </a:r>
-            <a:r>
               <a:rPr lang="en-US" sz="2400" dirty="0" smtClean="0"/>
-              <a:t>: option-implied stock price volatility</a:t>
+              <a:t>The main question is how policy uncertainty affects economic outcomes.</a:t>
             </a:r>
           </a:p>
           <a:p>
             <a:pPr marL="0" indent="0">
               <a:lnSpc>
-                <a:spcPct val="150000"/>
+                <a:spcPct val="100000"/>
               </a:lnSpc>
               <a:buNone/>
             </a:pPr>
             <a:r>
-              <a:rPr lang="en-US" sz="2400" b="1" dirty="0" smtClean="0"/>
-              <a:t>Main independent variables</a:t>
-            </a:r>
-            <a:r>
               <a:rPr lang="en-US" sz="2400" dirty="0" smtClean="0"/>
-              <a:t>: EPU index</a:t>
+              <a:t>Two approaches used by Baker, Bloom and Davis (2016):</a:t>
             </a:r>
           </a:p>
           <a:p>
             <a:pPr marL="0" indent="0">
               <a:lnSpc>
-                <a:spcPct val="150000"/>
+                <a:spcPct val="100000"/>
               </a:lnSpc>
               <a:buNone/>
             </a:pPr>
             <a:r>
-              <a:rPr lang="en-US" sz="2400" b="1" dirty="0" smtClean="0"/>
-              <a:t>Other control variables</a:t>
-            </a:r>
-            <a:r>
               <a:rPr lang="en-US" sz="2400" dirty="0" smtClean="0"/>
-              <a:t>: VIX, Federal purchase per GDP, Exposure to Government purchases</a:t>
+              <a:t>1. Use firm-level data to capture government purchases</a:t>
             </a:r>
           </a:p>
           <a:p>
             <a:pPr marL="0" indent="0">
               <a:lnSpc>
-                <a:spcPct val="150000"/>
+                <a:spcPct val="100000"/>
               </a:lnSpc>
               <a:buNone/>
             </a:pPr>
             <a:r>
               <a:rPr lang="en-US" sz="2400" b="1" dirty="0" smtClean="0"/>
-              <a:t>Approach</a:t>
+              <a:t>Results</a:t>
             </a:r>
             <a:r>
               <a:rPr lang="en-US" sz="2400" dirty="0" smtClean="0"/>
-              <a:t>: Panel-data method, controlling for entity-fixed effect and time-fixed effect</a:t>
-            </a:r>
+              <a:t>: Policy uncertainty affects stock price uncertainty</a:t>
+            </a:r>
+          </a:p>
+          <a:p>
+            <a:pPr marL="0" indent="0">
+              <a:lnSpc>
+                <a:spcPct val="100000"/>
+              </a:lnSpc>
+              <a:buNone/>
+            </a:pPr>
+            <a:r>
+              <a:rPr lang="en-US" sz="2400" dirty="0" smtClean="0"/>
+              <a:t>2. Use macro-level data to capture multiple channels</a:t>
+            </a:r>
+          </a:p>
+          <a:p>
+            <a:pPr marL="0" indent="0">
+              <a:lnSpc>
+                <a:spcPct val="100000"/>
+              </a:lnSpc>
+              <a:buNone/>
+            </a:pPr>
+            <a:r>
+              <a:rPr lang="en-US" sz="2400" b="1" dirty="0" smtClean="0"/>
+              <a:t>Results</a:t>
+            </a:r>
+            <a:r>
+              <a:rPr lang="en-US" sz="2400" dirty="0" smtClean="0"/>
+              <a:t>: Policy uncertainty affects macro-variables such as </a:t>
+            </a:r>
+          </a:p>
+          <a:p>
+            <a:pPr marL="0" indent="0">
+              <a:lnSpc>
+                <a:spcPct val="100000"/>
+              </a:lnSpc>
+              <a:buNone/>
+            </a:pPr>
+            <a:r>
+              <a:rPr lang="en-US" sz="2400" dirty="0"/>
+              <a:t> </a:t>
+            </a:r>
+            <a:r>
+              <a:rPr lang="en-US" sz="2400" dirty="0" smtClean="0"/>
+              <a:t>              industrial production, employment growth.</a:t>
+            </a:r>
+          </a:p>
+          <a:p>
+            <a:pPr marL="0" indent="0">
+              <a:buNone/>
+            </a:pPr>
+            <a:endParaRPr lang="en-US" sz="2400" dirty="0"/>
+          </a:p>
+          <a:p>
+            <a:pPr marL="0" indent="0">
+              <a:buNone/>
+            </a:pPr>
             <a:endParaRPr lang="en-GB" sz="2400" dirty="0"/>
           </a:p>
         </p:txBody>
@@ -4938,7 +4982,7 @@
           <a:p>
             <a:r>
               <a:rPr lang="en-US" dirty="0" smtClean="0"/>
-              <a:t>Firm-Level Data</a:t>
+              <a:t>Effects of Policy Uncertainty on Economy</a:t>
             </a:r>
             <a:endParaRPr lang="en-GB" dirty="0"/>
           </a:p>
@@ -4947,20 +4991,13 @@
     </p:spTree>
     <p:extLst>
       <p:ext uri="{BB962C8B-B14F-4D97-AF65-F5344CB8AC3E}">
-        <p14:creationId xmlns:p14="http://schemas.microsoft.com/office/powerpoint/2010/main" val="32279507"/>
+        <p14:creationId xmlns:p14="http://schemas.microsoft.com/office/powerpoint/2010/main" val="403331339"/>
       </p:ext>
     </p:extLst>
   </p:cSld>
   <p:clrMapOvr>
     <a:masterClrMapping/>
   </p:clrMapOvr>
-  <p:timing>
-    <p:tnLst>
-      <p:par>
-        <p:cTn id="1" dur="indefinite" restart="never" nodeType="tmRoot"/>
-      </p:par>
-    </p:tnLst>
-  </p:timing>
 </p:sld>
 </file>
 
@@ -4991,634 +5028,98 @@
             <p:ph idx="1"/>
           </p:nvPr>
         </p:nvSpPr>
-        <p:spPr>
-          <a:xfrm>
-            <a:off x="626724" y="1746606"/>
-            <a:ext cx="11063049" cy="3904181"/>
-          </a:xfrm>
-        </p:spPr>
+        <p:spPr/>
+        <p:txBody>
+          <a:bodyPr>
+            <a:normAutofit/>
+          </a:bodyPr>
+          <a:lstStyle/>
+          <a:p>
+            <a:pPr marL="0" indent="0">
+              <a:lnSpc>
+                <a:spcPct val="150000"/>
+              </a:lnSpc>
+              <a:buNone/>
+            </a:pPr>
+            <a:r>
+              <a:rPr lang="en-US" sz="2400" b="1" dirty="0" smtClean="0"/>
+              <a:t>Dependent Variable</a:t>
+            </a:r>
+            <a:r>
+              <a:rPr lang="en-US" sz="2400" dirty="0" smtClean="0"/>
+              <a:t>: option-implied stock price volatility</a:t>
+            </a:r>
+          </a:p>
+          <a:p>
+            <a:pPr marL="0" indent="0">
+              <a:lnSpc>
+                <a:spcPct val="150000"/>
+              </a:lnSpc>
+              <a:buNone/>
+            </a:pPr>
+            <a:r>
+              <a:rPr lang="en-US" sz="2400" b="1" dirty="0" smtClean="0"/>
+              <a:t>Main independent variables</a:t>
+            </a:r>
+            <a:r>
+              <a:rPr lang="en-US" sz="2400" dirty="0" smtClean="0"/>
+              <a:t>: EPU index</a:t>
+            </a:r>
+          </a:p>
+          <a:p>
+            <a:pPr marL="0" indent="0">
+              <a:lnSpc>
+                <a:spcPct val="150000"/>
+              </a:lnSpc>
+              <a:buNone/>
+            </a:pPr>
+            <a:r>
+              <a:rPr lang="en-US" sz="2400" b="1" dirty="0" smtClean="0"/>
+              <a:t>Other control variables</a:t>
+            </a:r>
+            <a:r>
+              <a:rPr lang="en-US" sz="2400" dirty="0" smtClean="0"/>
+              <a:t>: VIX, Federal purchase per GDP, Exposure to Government purchases</a:t>
+            </a:r>
+          </a:p>
+          <a:p>
+            <a:pPr marL="0" indent="0">
+              <a:lnSpc>
+                <a:spcPct val="150000"/>
+              </a:lnSpc>
+              <a:buNone/>
+            </a:pPr>
+            <a:r>
+              <a:rPr lang="en-US" sz="2400" b="1" dirty="0" smtClean="0"/>
+              <a:t>Approach</a:t>
+            </a:r>
+            <a:r>
+              <a:rPr lang="en-US" sz="2400" dirty="0" smtClean="0"/>
+              <a:t>: Panel-data method, controlling for entity-fixed effect and time-fixed effect</a:t>
+            </a:r>
+            <a:endParaRPr lang="en-GB" sz="2400" dirty="0"/>
+          </a:p>
+        </p:txBody>
+      </p:sp>
+      <p:sp>
+        <p:nvSpPr>
+          <p:cNvPr id="3" name="Title 2"/>
+          <p:cNvSpPr>
+            <a:spLocks noGrp="1"/>
+          </p:cNvSpPr>
+          <p:nvPr>
+            <p:ph type="title"/>
+          </p:nvPr>
+        </p:nvSpPr>
+        <p:spPr/>
         <p:txBody>
           <a:bodyPr/>
           <a:lstStyle/>
           <a:p>
-            <a:pPr marL="0" indent="0">
-              <a:buNone/>
-            </a:pPr>
-            <a:r>
-              <a:rPr lang="en-US" sz="2400" dirty="0" smtClean="0"/>
-              <a:t>1) </a:t>
-            </a:r>
-            <a:r>
-              <a:rPr lang="en-US" sz="2400" dirty="0" err="1" smtClean="0"/>
-              <a:t>Vol</a:t>
-            </a:r>
-            <a:r>
-              <a:rPr lang="en-US" sz="2400" dirty="0" smtClean="0"/>
-              <a:t> </a:t>
-            </a:r>
-            <a:r>
-              <a:rPr lang="en-US" sz="2400" dirty="0"/>
-              <a:t>= f(log(EPU</a:t>
-            </a:r>
-            <a:r>
-              <a:rPr lang="en-US" sz="2400" dirty="0" smtClean="0"/>
-              <a:t>); </a:t>
-            </a:r>
-            <a:r>
-              <a:rPr lang="en-US" sz="2400" dirty="0"/>
-              <a:t>Fed Purchase/GDP</a:t>
-            </a:r>
-            <a:r>
-              <a:rPr lang="en-US" sz="2400" dirty="0" smtClean="0"/>
-              <a:t>)</a:t>
-            </a:r>
-          </a:p>
-          <a:p>
-            <a:pPr marL="0" indent="0">
-              <a:buNone/>
-            </a:pPr>
-            <a:endParaRPr lang="en-US" sz="2400" dirty="0" smtClean="0"/>
-          </a:p>
-          <a:p>
-            <a:pPr marL="0" indent="0">
-              <a:buNone/>
-            </a:pPr>
-            <a:r>
-              <a:rPr lang="en-US" sz="2400" dirty="0" smtClean="0"/>
-              <a:t>2) </a:t>
-            </a:r>
-            <a:r>
-              <a:rPr lang="en-US" sz="2400" dirty="0" err="1"/>
-              <a:t>Vol</a:t>
-            </a:r>
-            <a:r>
-              <a:rPr lang="en-US" sz="2400" dirty="0"/>
-              <a:t> = f(log(EPU)*</a:t>
-            </a:r>
-            <a:r>
-              <a:rPr lang="en-US" sz="2400" dirty="0" smtClean="0"/>
-              <a:t>intensity; </a:t>
-            </a:r>
-            <a:r>
-              <a:rPr lang="en-US" sz="2400" dirty="0"/>
-              <a:t>(Fed Purchase/GDP)*</a:t>
-            </a:r>
-            <a:r>
-              <a:rPr lang="en-US" sz="2400" dirty="0" smtClean="0"/>
-              <a:t>intensity; </a:t>
-            </a:r>
-            <a:r>
-              <a:rPr lang="en-US" sz="2400" dirty="0" err="1"/>
-              <a:t>i</a:t>
-            </a:r>
-            <a:r>
-              <a:rPr lang="en-US" sz="2400" dirty="0"/>
-              <a:t>, t)</a:t>
-            </a:r>
-          </a:p>
-          <a:p>
-            <a:pPr marL="0" indent="0">
-              <a:buNone/>
-            </a:pPr>
-            <a:endParaRPr lang="en-US" sz="2400" dirty="0" smtClean="0"/>
-          </a:p>
-          <a:p>
-            <a:pPr marL="0" indent="0">
-              <a:buNone/>
-            </a:pPr>
-            <a:r>
-              <a:rPr lang="en-US" sz="2400" dirty="0" smtClean="0"/>
-              <a:t>3) </a:t>
-            </a:r>
-            <a:r>
-              <a:rPr lang="en-US" sz="2400" dirty="0" err="1"/>
-              <a:t>Vol</a:t>
-            </a:r>
-            <a:r>
-              <a:rPr lang="en-US" sz="2400" dirty="0"/>
-              <a:t> = f(log(EPU</a:t>
-            </a:r>
-            <a:r>
-              <a:rPr lang="en-US" sz="2400" dirty="0" smtClean="0"/>
-              <a:t>); </a:t>
-            </a:r>
-            <a:r>
-              <a:rPr lang="en-US" sz="2400" dirty="0"/>
-              <a:t>log(VIX</a:t>
-            </a:r>
-            <a:r>
-              <a:rPr lang="en-US" sz="2400" dirty="0" smtClean="0"/>
-              <a:t>); </a:t>
-            </a:r>
-            <a:r>
-              <a:rPr lang="en-US" sz="2400" dirty="0"/>
-              <a:t>Fed Purchase/GDP)</a:t>
-            </a:r>
-          </a:p>
-          <a:p>
-            <a:pPr marL="0" indent="0">
-              <a:buNone/>
-            </a:pPr>
-            <a:endParaRPr lang="en-US" sz="2400" dirty="0" smtClean="0"/>
-          </a:p>
-          <a:p>
-            <a:pPr marL="0" indent="0">
-              <a:buNone/>
-            </a:pPr>
-            <a:r>
-              <a:rPr lang="en-US" sz="2400" dirty="0" smtClean="0"/>
-              <a:t>4) </a:t>
-            </a:r>
-            <a:r>
-              <a:rPr lang="en-US" sz="2400" dirty="0" err="1"/>
-              <a:t>Vol</a:t>
-            </a:r>
-            <a:r>
-              <a:rPr lang="en-US" sz="2400" dirty="0"/>
-              <a:t> = f(log(EPU)*</a:t>
-            </a:r>
-            <a:r>
-              <a:rPr lang="en-US" sz="2400" dirty="0" smtClean="0"/>
-              <a:t>intensity; </a:t>
-            </a:r>
-            <a:r>
-              <a:rPr lang="en-US" sz="2400" dirty="0"/>
-              <a:t>log(VIX)*</a:t>
-            </a:r>
-            <a:r>
-              <a:rPr lang="en-US" sz="2400" dirty="0" smtClean="0"/>
-              <a:t>intensity; </a:t>
-            </a:r>
-            <a:r>
-              <a:rPr lang="en-US" sz="2400" dirty="0"/>
-              <a:t>(Fed Purchase/GDP)*</a:t>
-            </a:r>
-            <a:r>
-              <a:rPr lang="en-US" sz="2400" dirty="0" smtClean="0"/>
-              <a:t>intensity; </a:t>
-            </a:r>
-            <a:r>
-              <a:rPr lang="en-US" sz="2400" dirty="0" err="1"/>
-              <a:t>i</a:t>
-            </a:r>
-            <a:r>
-              <a:rPr lang="en-US" sz="2400" dirty="0"/>
-              <a:t>, t)</a:t>
-            </a:r>
-          </a:p>
-          <a:p>
-            <a:pPr marL="0" indent="0">
-              <a:buNone/>
-            </a:pPr>
-            <a:endParaRPr lang="en-US" sz="2400" dirty="0"/>
-          </a:p>
-          <a:p>
-            <a:pPr marL="0" indent="0">
-              <a:buNone/>
-            </a:pPr>
-            <a:endParaRPr lang="en-GB" dirty="0"/>
-          </a:p>
-        </p:txBody>
-      </p:sp>
-      <p:sp>
-        <p:nvSpPr>
-          <p:cNvPr id="3" name="Title 2"/>
-          <p:cNvSpPr>
-            <a:spLocks noGrp="1"/>
-          </p:cNvSpPr>
-          <p:nvPr>
-            <p:ph type="title"/>
-          </p:nvPr>
-        </p:nvSpPr>
-        <p:spPr/>
-        <p:txBody>
-          <a:bodyPr/>
-          <a:lstStyle/>
-          <a:p>
             <a:r>
               <a:rPr lang="en-US" dirty="0" smtClean="0"/>
-              <a:t>Models</a:t>
-            </a:r>
-            <a:endParaRPr lang="en-GB" dirty="0"/>
-          </a:p>
-        </p:txBody>
-      </p:sp>
-      <p:sp>
-        <p:nvSpPr>
-          <p:cNvPr id="4" name="TextBox 3"/>
-          <p:cNvSpPr txBox="1"/>
-          <p:nvPr/>
-        </p:nvSpPr>
-        <p:spPr>
-          <a:xfrm>
-            <a:off x="2161310" y="1361208"/>
-            <a:ext cx="418704" cy="584775"/>
-          </a:xfrm>
-          <a:prstGeom prst="rect">
-            <a:avLst/>
-          </a:prstGeom>
-          <a:noFill/>
-        </p:spPr>
-        <p:txBody>
-          <a:bodyPr wrap="none" rtlCol="0">
-            <a:spAutoFit/>
-          </a:bodyPr>
-          <a:lstStyle/>
-          <a:p>
-            <a:r>
-              <a:rPr lang="en-US" sz="3200" b="1" dirty="0" smtClean="0">
-                <a:solidFill>
-                  <a:srgbClr val="00B050"/>
-                </a:solidFill>
-              </a:rPr>
-              <a:t>+</a:t>
-            </a:r>
-            <a:endParaRPr lang="en-GB" sz="3200" b="1" dirty="0">
-              <a:solidFill>
-                <a:srgbClr val="00B050"/>
-              </a:solidFill>
-            </a:endParaRPr>
-          </a:p>
-        </p:txBody>
-      </p:sp>
-      <p:sp>
-        <p:nvSpPr>
-          <p:cNvPr id="5" name="TextBox 4"/>
-          <p:cNvSpPr txBox="1"/>
-          <p:nvPr/>
-        </p:nvSpPr>
-        <p:spPr>
-          <a:xfrm>
-            <a:off x="4065714" y="1361207"/>
-            <a:ext cx="320922" cy="584775"/>
-          </a:xfrm>
-          <a:prstGeom prst="rect">
-            <a:avLst/>
-          </a:prstGeom>
-          <a:noFill/>
-        </p:spPr>
-        <p:txBody>
-          <a:bodyPr wrap="none" rtlCol="0">
-            <a:spAutoFit/>
-          </a:bodyPr>
-          <a:lstStyle/>
-          <a:p>
-            <a:r>
-              <a:rPr lang="en-US" sz="3200" b="1" dirty="0">
-                <a:solidFill>
-                  <a:srgbClr val="FF0000"/>
-                </a:solidFill>
-              </a:rPr>
-              <a:t>-</a:t>
-            </a:r>
-            <a:endParaRPr lang="en-GB" sz="3200" b="1" dirty="0">
-              <a:solidFill>
-                <a:srgbClr val="FF0000"/>
-              </a:solidFill>
-            </a:endParaRPr>
-          </a:p>
-        </p:txBody>
-      </p:sp>
-      <p:sp>
-        <p:nvSpPr>
-          <p:cNvPr id="6" name="TextBox 5"/>
-          <p:cNvSpPr txBox="1"/>
-          <p:nvPr/>
-        </p:nvSpPr>
-        <p:spPr>
-          <a:xfrm>
-            <a:off x="2161310" y="2243641"/>
-            <a:ext cx="418704" cy="584775"/>
-          </a:xfrm>
-          <a:prstGeom prst="rect">
-            <a:avLst/>
-          </a:prstGeom>
-          <a:noFill/>
-        </p:spPr>
-        <p:txBody>
-          <a:bodyPr wrap="none" rtlCol="0">
-            <a:spAutoFit/>
-          </a:bodyPr>
-          <a:lstStyle/>
-          <a:p>
-            <a:r>
-              <a:rPr lang="en-US" sz="3200" b="1" dirty="0" smtClean="0">
-                <a:solidFill>
-                  <a:srgbClr val="00B050"/>
-                </a:solidFill>
-              </a:rPr>
-              <a:t>+</a:t>
-            </a:r>
-            <a:endParaRPr lang="en-GB" sz="3200" b="1" dirty="0">
-              <a:solidFill>
-                <a:srgbClr val="00B050"/>
-              </a:solidFill>
-            </a:endParaRPr>
-          </a:p>
-        </p:txBody>
-      </p:sp>
-      <p:sp>
-        <p:nvSpPr>
-          <p:cNvPr id="7" name="TextBox 6"/>
-          <p:cNvSpPr txBox="1"/>
-          <p:nvPr/>
-        </p:nvSpPr>
-        <p:spPr>
-          <a:xfrm>
-            <a:off x="5989474" y="2286644"/>
-            <a:ext cx="320922" cy="584775"/>
-          </a:xfrm>
-          <a:prstGeom prst="rect">
-            <a:avLst/>
-          </a:prstGeom>
-          <a:noFill/>
-        </p:spPr>
-        <p:txBody>
-          <a:bodyPr wrap="none" rtlCol="0">
-            <a:spAutoFit/>
-          </a:bodyPr>
-          <a:lstStyle/>
-          <a:p>
-            <a:r>
-              <a:rPr lang="en-US" sz="3200" b="1" dirty="0">
-                <a:solidFill>
-                  <a:srgbClr val="FF0000"/>
-                </a:solidFill>
-              </a:rPr>
-              <a:t>-</a:t>
-            </a:r>
-            <a:endParaRPr lang="en-GB" sz="3200" b="1" dirty="0">
-              <a:solidFill>
-                <a:srgbClr val="FF0000"/>
-              </a:solidFill>
-            </a:endParaRPr>
-          </a:p>
-        </p:txBody>
-      </p:sp>
-      <p:sp>
-        <p:nvSpPr>
-          <p:cNvPr id="8" name="TextBox 7"/>
-          <p:cNvSpPr txBox="1"/>
-          <p:nvPr/>
-        </p:nvSpPr>
-        <p:spPr>
-          <a:xfrm>
-            <a:off x="2210201" y="3126074"/>
-            <a:ext cx="320922" cy="584775"/>
-          </a:xfrm>
-          <a:prstGeom prst="rect">
-            <a:avLst/>
-          </a:prstGeom>
-          <a:noFill/>
-        </p:spPr>
-        <p:txBody>
-          <a:bodyPr wrap="none" rtlCol="0">
-            <a:spAutoFit/>
-          </a:bodyPr>
-          <a:lstStyle/>
-          <a:p>
-            <a:r>
-              <a:rPr lang="en-US" sz="3200" b="1" dirty="0">
-                <a:solidFill>
-                  <a:srgbClr val="FF0000"/>
-                </a:solidFill>
-              </a:rPr>
-              <a:t>-</a:t>
-            </a:r>
-            <a:endParaRPr lang="en-GB" sz="3200" b="1" dirty="0">
-              <a:solidFill>
-                <a:srgbClr val="FF0000"/>
-              </a:solidFill>
-            </a:endParaRPr>
-          </a:p>
-        </p:txBody>
-      </p:sp>
-      <p:sp>
-        <p:nvSpPr>
-          <p:cNvPr id="9" name="TextBox 8"/>
-          <p:cNvSpPr txBox="1"/>
-          <p:nvPr/>
-        </p:nvSpPr>
-        <p:spPr>
-          <a:xfrm>
-            <a:off x="3643546" y="3113921"/>
-            <a:ext cx="471054" cy="584775"/>
-          </a:xfrm>
-          <a:prstGeom prst="rect">
-            <a:avLst/>
-          </a:prstGeom>
-          <a:noFill/>
-        </p:spPr>
-        <p:txBody>
-          <a:bodyPr wrap="square" rtlCol="0">
-            <a:spAutoFit/>
-          </a:bodyPr>
-          <a:lstStyle/>
-          <a:p>
-            <a:r>
-              <a:rPr lang="en-US" sz="3200" b="1" dirty="0" smtClean="0">
-                <a:solidFill>
-                  <a:srgbClr val="00B050"/>
-                </a:solidFill>
-              </a:rPr>
-              <a:t>+</a:t>
-            </a:r>
-            <a:endParaRPr lang="en-GB" sz="3200" b="1" dirty="0">
-              <a:solidFill>
-                <a:srgbClr val="00B050"/>
-              </a:solidFill>
-            </a:endParaRPr>
-          </a:p>
-        </p:txBody>
-      </p:sp>
-      <p:sp>
-        <p:nvSpPr>
-          <p:cNvPr id="10" name="TextBox 9"/>
-          <p:cNvSpPr txBox="1"/>
-          <p:nvPr/>
-        </p:nvSpPr>
-        <p:spPr>
-          <a:xfrm>
-            <a:off x="5547945" y="3113921"/>
-            <a:ext cx="320922" cy="584775"/>
-          </a:xfrm>
-          <a:prstGeom prst="rect">
-            <a:avLst/>
-          </a:prstGeom>
-          <a:noFill/>
-        </p:spPr>
-        <p:txBody>
-          <a:bodyPr wrap="none" rtlCol="0">
-            <a:spAutoFit/>
-          </a:bodyPr>
-          <a:lstStyle/>
-          <a:p>
-            <a:r>
-              <a:rPr lang="en-US" sz="3200" b="1" dirty="0">
-                <a:solidFill>
-                  <a:srgbClr val="FF0000"/>
-                </a:solidFill>
-              </a:rPr>
-              <a:t>-</a:t>
-            </a:r>
-            <a:endParaRPr lang="en-GB" sz="3200" b="1" dirty="0">
-              <a:solidFill>
-                <a:srgbClr val="FF0000"/>
-              </a:solidFill>
-            </a:endParaRPr>
-          </a:p>
-        </p:txBody>
-      </p:sp>
-      <p:sp>
-        <p:nvSpPr>
-          <p:cNvPr id="11" name="TextBox 10"/>
-          <p:cNvSpPr txBox="1"/>
-          <p:nvPr/>
-        </p:nvSpPr>
-        <p:spPr>
-          <a:xfrm>
-            <a:off x="2964674" y="3993685"/>
-            <a:ext cx="471054" cy="584775"/>
-          </a:xfrm>
-          <a:prstGeom prst="rect">
-            <a:avLst/>
-          </a:prstGeom>
-          <a:noFill/>
-        </p:spPr>
-        <p:txBody>
-          <a:bodyPr wrap="square" rtlCol="0">
-            <a:spAutoFit/>
-          </a:bodyPr>
-          <a:lstStyle/>
-          <a:p>
-            <a:r>
-              <a:rPr lang="en-US" sz="3200" b="1" dirty="0" smtClean="0">
-                <a:solidFill>
-                  <a:srgbClr val="00B050"/>
-                </a:solidFill>
-              </a:rPr>
-              <a:t>+</a:t>
-            </a:r>
-            <a:endParaRPr lang="en-GB" sz="3200" b="1" dirty="0">
-              <a:solidFill>
-                <a:srgbClr val="00B050"/>
-              </a:solidFill>
-            </a:endParaRPr>
-          </a:p>
-        </p:txBody>
-      </p:sp>
-      <p:sp>
-        <p:nvSpPr>
-          <p:cNvPr id="12" name="TextBox 11"/>
-          <p:cNvSpPr txBox="1"/>
-          <p:nvPr/>
-        </p:nvSpPr>
-        <p:spPr>
-          <a:xfrm>
-            <a:off x="5547945" y="3962364"/>
-            <a:ext cx="320922" cy="584775"/>
-          </a:xfrm>
-          <a:prstGeom prst="rect">
-            <a:avLst/>
-          </a:prstGeom>
-          <a:noFill/>
-        </p:spPr>
-        <p:txBody>
-          <a:bodyPr wrap="none" rtlCol="0">
-            <a:spAutoFit/>
-          </a:bodyPr>
-          <a:lstStyle/>
-          <a:p>
-            <a:r>
-              <a:rPr lang="en-US" sz="3200" b="1" dirty="0">
-                <a:solidFill>
-                  <a:srgbClr val="FF0000"/>
-                </a:solidFill>
-              </a:rPr>
-              <a:t>-</a:t>
-            </a:r>
-            <a:endParaRPr lang="en-GB" sz="3200" b="1" dirty="0">
-              <a:solidFill>
-                <a:srgbClr val="FF0000"/>
-              </a:solidFill>
-            </a:endParaRPr>
-          </a:p>
-        </p:txBody>
-      </p:sp>
-      <p:sp>
-        <p:nvSpPr>
-          <p:cNvPr id="13" name="TextBox 12"/>
-          <p:cNvSpPr txBox="1"/>
-          <p:nvPr/>
-        </p:nvSpPr>
-        <p:spPr>
-          <a:xfrm>
-            <a:off x="8963091" y="3962364"/>
-            <a:ext cx="320922" cy="584775"/>
-          </a:xfrm>
-          <a:prstGeom prst="rect">
-            <a:avLst/>
-          </a:prstGeom>
-          <a:noFill/>
-        </p:spPr>
-        <p:txBody>
-          <a:bodyPr wrap="none" rtlCol="0">
-            <a:spAutoFit/>
-          </a:bodyPr>
-          <a:lstStyle/>
-          <a:p>
-            <a:r>
-              <a:rPr lang="en-US" sz="3200" b="1" dirty="0">
-                <a:solidFill>
-                  <a:srgbClr val="FF0000"/>
-                </a:solidFill>
-              </a:rPr>
-              <a:t>-</a:t>
-            </a:r>
-            <a:endParaRPr lang="en-GB" sz="3200" b="1" dirty="0">
-              <a:solidFill>
-                <a:srgbClr val="FF0000"/>
-              </a:solidFill>
-            </a:endParaRPr>
-          </a:p>
-        </p:txBody>
-      </p:sp>
-      <p:sp>
-        <p:nvSpPr>
-          <p:cNvPr id="14" name="TextBox 13"/>
-          <p:cNvSpPr txBox="1"/>
-          <p:nvPr/>
-        </p:nvSpPr>
-        <p:spPr>
-          <a:xfrm>
-            <a:off x="371542" y="5729160"/>
-            <a:ext cx="11235863" cy="923330"/>
-          </a:xfrm>
-          <a:prstGeom prst="rect">
-            <a:avLst/>
-          </a:prstGeom>
-          <a:noFill/>
-        </p:spPr>
-        <p:txBody>
-          <a:bodyPr wrap="square" rtlCol="0">
-            <a:spAutoFit/>
-          </a:bodyPr>
-          <a:lstStyle/>
-          <a:p>
-            <a:r>
-              <a:rPr lang="en-GB" dirty="0"/>
-              <a:t>Baker, S.R., Bloom, N. and Davis, S.J., 2016. Measuring economic policy uncertainty. </a:t>
-            </a:r>
-            <a:r>
-              <a:rPr lang="en-GB" i="1" dirty="0"/>
-              <a:t>The quarterly journal of economics, 131</a:t>
-            </a:r>
-            <a:r>
-              <a:rPr lang="en-GB" dirty="0"/>
-              <a:t>(4), pp.1593-1636.</a:t>
-            </a:r>
-          </a:p>
-          <a:p>
+              <a:t>Firm-Level Data</a:t>
+            </a:r>
             <a:endParaRPr lang="en-GB" dirty="0"/>
           </a:p>
         </p:txBody>
@@ -5626,7 +5127,7 @@
     </p:spTree>
     <p:extLst>
       <p:ext uri="{BB962C8B-B14F-4D97-AF65-F5344CB8AC3E}">
-        <p14:creationId xmlns:p14="http://schemas.microsoft.com/office/powerpoint/2010/main" val="3668793049"/>
+        <p14:creationId xmlns:p14="http://schemas.microsoft.com/office/powerpoint/2010/main" val="32279507"/>
       </p:ext>
     </p:extLst>
   </p:cSld>
@@ -5670,90 +5171,634 @@
             <p:ph idx="1"/>
           </p:nvPr>
         </p:nvSpPr>
+        <p:spPr>
+          <a:xfrm>
+            <a:off x="626724" y="1746606"/>
+            <a:ext cx="11063049" cy="3904181"/>
+          </a:xfrm>
+        </p:spPr>
+        <p:txBody>
+          <a:bodyPr/>
+          <a:lstStyle/>
+          <a:p>
+            <a:pPr marL="0" indent="0">
+              <a:buNone/>
+            </a:pPr>
+            <a:r>
+              <a:rPr lang="en-US" sz="2400" dirty="0" smtClean="0"/>
+              <a:t>1) </a:t>
+            </a:r>
+            <a:r>
+              <a:rPr lang="en-US" sz="2400" dirty="0" err="1" smtClean="0"/>
+              <a:t>Vol</a:t>
+            </a:r>
+            <a:r>
+              <a:rPr lang="en-US" sz="2400" dirty="0" smtClean="0"/>
+              <a:t> </a:t>
+            </a:r>
+            <a:r>
+              <a:rPr lang="en-US" sz="2400" dirty="0"/>
+              <a:t>= f(log(EPU</a:t>
+            </a:r>
+            <a:r>
+              <a:rPr lang="en-US" sz="2400" dirty="0" smtClean="0"/>
+              <a:t>); </a:t>
+            </a:r>
+            <a:r>
+              <a:rPr lang="en-US" sz="2400" dirty="0"/>
+              <a:t>Fed Purchase/GDP</a:t>
+            </a:r>
+            <a:r>
+              <a:rPr lang="en-US" sz="2400" dirty="0" smtClean="0"/>
+              <a:t>)</a:t>
+            </a:r>
+          </a:p>
+          <a:p>
+            <a:pPr marL="0" indent="0">
+              <a:buNone/>
+            </a:pPr>
+            <a:endParaRPr lang="en-US" sz="2400" dirty="0" smtClean="0"/>
+          </a:p>
+          <a:p>
+            <a:pPr marL="0" indent="0">
+              <a:buNone/>
+            </a:pPr>
+            <a:r>
+              <a:rPr lang="en-US" sz="2400" dirty="0" smtClean="0"/>
+              <a:t>2) </a:t>
+            </a:r>
+            <a:r>
+              <a:rPr lang="en-US" sz="2400" dirty="0" err="1"/>
+              <a:t>Vol</a:t>
+            </a:r>
+            <a:r>
+              <a:rPr lang="en-US" sz="2400" dirty="0"/>
+              <a:t> = f(log(EPU)*</a:t>
+            </a:r>
+            <a:r>
+              <a:rPr lang="en-US" sz="2400" dirty="0" smtClean="0"/>
+              <a:t>intensity; </a:t>
+            </a:r>
+            <a:r>
+              <a:rPr lang="en-US" sz="2400" dirty="0"/>
+              <a:t>(Fed Purchase/GDP)*</a:t>
+            </a:r>
+            <a:r>
+              <a:rPr lang="en-US" sz="2400" dirty="0" smtClean="0"/>
+              <a:t>intensity; </a:t>
+            </a:r>
+            <a:r>
+              <a:rPr lang="en-US" sz="2400" dirty="0" err="1"/>
+              <a:t>i</a:t>
+            </a:r>
+            <a:r>
+              <a:rPr lang="en-US" sz="2400" dirty="0"/>
+              <a:t>, t)</a:t>
+            </a:r>
+          </a:p>
+          <a:p>
+            <a:pPr marL="0" indent="0">
+              <a:buNone/>
+            </a:pPr>
+            <a:endParaRPr lang="en-US" sz="2400" dirty="0" smtClean="0"/>
+          </a:p>
+          <a:p>
+            <a:pPr marL="0" indent="0">
+              <a:buNone/>
+            </a:pPr>
+            <a:r>
+              <a:rPr lang="en-US" sz="2400" dirty="0" smtClean="0"/>
+              <a:t>3) </a:t>
+            </a:r>
+            <a:r>
+              <a:rPr lang="en-US" sz="2400" dirty="0" err="1"/>
+              <a:t>Vol</a:t>
+            </a:r>
+            <a:r>
+              <a:rPr lang="en-US" sz="2400" dirty="0"/>
+              <a:t> = f(log(EPU</a:t>
+            </a:r>
+            <a:r>
+              <a:rPr lang="en-US" sz="2400" dirty="0" smtClean="0"/>
+              <a:t>); </a:t>
+            </a:r>
+            <a:r>
+              <a:rPr lang="en-US" sz="2400" dirty="0"/>
+              <a:t>log(VIX</a:t>
+            </a:r>
+            <a:r>
+              <a:rPr lang="en-US" sz="2400" dirty="0" smtClean="0"/>
+              <a:t>); </a:t>
+            </a:r>
+            <a:r>
+              <a:rPr lang="en-US" sz="2400" dirty="0"/>
+              <a:t>Fed Purchase/GDP)</a:t>
+            </a:r>
+          </a:p>
+          <a:p>
+            <a:pPr marL="0" indent="0">
+              <a:buNone/>
+            </a:pPr>
+            <a:endParaRPr lang="en-US" sz="2400" dirty="0" smtClean="0"/>
+          </a:p>
+          <a:p>
+            <a:pPr marL="0" indent="0">
+              <a:buNone/>
+            </a:pPr>
+            <a:r>
+              <a:rPr lang="en-US" sz="2400" dirty="0" smtClean="0"/>
+              <a:t>4) </a:t>
+            </a:r>
+            <a:r>
+              <a:rPr lang="en-US" sz="2400" dirty="0" err="1"/>
+              <a:t>Vol</a:t>
+            </a:r>
+            <a:r>
+              <a:rPr lang="en-US" sz="2400" dirty="0"/>
+              <a:t> = f(log(EPU)*</a:t>
+            </a:r>
+            <a:r>
+              <a:rPr lang="en-US" sz="2400" dirty="0" smtClean="0"/>
+              <a:t>intensity; </a:t>
+            </a:r>
+            <a:r>
+              <a:rPr lang="en-US" sz="2400" dirty="0"/>
+              <a:t>log(VIX)*</a:t>
+            </a:r>
+            <a:r>
+              <a:rPr lang="en-US" sz="2400" dirty="0" smtClean="0"/>
+              <a:t>intensity; </a:t>
+            </a:r>
+            <a:r>
+              <a:rPr lang="en-US" sz="2400" dirty="0"/>
+              <a:t>(Fed Purchase/GDP)*</a:t>
+            </a:r>
+            <a:r>
+              <a:rPr lang="en-US" sz="2400" dirty="0" smtClean="0"/>
+              <a:t>intensity; </a:t>
+            </a:r>
+            <a:r>
+              <a:rPr lang="en-US" sz="2400" dirty="0" err="1"/>
+              <a:t>i</a:t>
+            </a:r>
+            <a:r>
+              <a:rPr lang="en-US" sz="2400" dirty="0"/>
+              <a:t>, t)</a:t>
+            </a:r>
+          </a:p>
+          <a:p>
+            <a:pPr marL="0" indent="0">
+              <a:buNone/>
+            </a:pPr>
+            <a:endParaRPr lang="en-US" sz="2400" dirty="0"/>
+          </a:p>
+          <a:p>
+            <a:pPr marL="0" indent="0">
+              <a:buNone/>
+            </a:pPr>
+            <a:endParaRPr lang="en-GB" dirty="0"/>
+          </a:p>
+        </p:txBody>
+      </p:sp>
+      <p:sp>
+        <p:nvSpPr>
+          <p:cNvPr id="3" name="Title 2"/>
+          <p:cNvSpPr>
+            <a:spLocks noGrp="1"/>
+          </p:cNvSpPr>
+          <p:nvPr>
+            <p:ph type="title"/>
+          </p:nvPr>
+        </p:nvSpPr>
         <p:spPr/>
         <p:txBody>
-          <a:bodyPr>
-            <a:normAutofit/>
+          <a:bodyPr/>
+          <a:lstStyle/>
+          <a:p>
+            <a:r>
+              <a:rPr lang="en-US" dirty="0" smtClean="0"/>
+              <a:t>Models</a:t>
+            </a:r>
+            <a:endParaRPr lang="en-GB" dirty="0"/>
+          </a:p>
+        </p:txBody>
+      </p:sp>
+      <p:sp>
+        <p:nvSpPr>
+          <p:cNvPr id="4" name="TextBox 3"/>
+          <p:cNvSpPr txBox="1"/>
+          <p:nvPr/>
+        </p:nvSpPr>
+        <p:spPr>
+          <a:xfrm>
+            <a:off x="2161310" y="1361208"/>
+            <a:ext cx="418704" cy="584775"/>
+          </a:xfrm>
+          <a:prstGeom prst="rect">
+            <a:avLst/>
+          </a:prstGeom>
+          <a:noFill/>
+        </p:spPr>
+        <p:txBody>
+          <a:bodyPr wrap="none" rtlCol="0">
+            <a:spAutoFit/>
           </a:bodyPr>
           <a:lstStyle/>
           <a:p>
-            <a:pPr marL="0" indent="0">
-              <a:lnSpc>
-                <a:spcPct val="150000"/>
-              </a:lnSpc>
-              <a:buNone/>
-            </a:pPr>
-            <a:r>
-              <a:rPr lang="en-US" sz="2400" b="1" dirty="0" smtClean="0"/>
-              <a:t>Approach</a:t>
-            </a:r>
-            <a:r>
-              <a:rPr lang="en-US" sz="2400" dirty="0" smtClean="0"/>
-              <a:t>: Use VAR with </a:t>
-            </a:r>
-            <a:r>
-              <a:rPr lang="en-US" sz="2400" dirty="0" err="1" smtClean="0"/>
-              <a:t>Cholesky</a:t>
-            </a:r>
-            <a:r>
-              <a:rPr lang="en-US" sz="2400" dirty="0" smtClean="0"/>
-              <a:t> decomposition</a:t>
-            </a:r>
-          </a:p>
-          <a:p>
-            <a:pPr marL="0" indent="0">
-              <a:lnSpc>
-                <a:spcPct val="150000"/>
-              </a:lnSpc>
-              <a:buNone/>
-            </a:pPr>
-            <a:r>
-              <a:rPr lang="en-US" sz="2400" b="1" dirty="0" smtClean="0"/>
-              <a:t>Variables</a:t>
-            </a:r>
-            <a:r>
-              <a:rPr lang="en-US" sz="2400" dirty="0" smtClean="0"/>
-              <a:t>: EPU index, log(S&amp;P500), federal funds rate, log employment, log industrial production (each for 3 lags)</a:t>
-            </a:r>
-          </a:p>
-          <a:p>
-            <a:pPr marL="0" indent="0">
-              <a:lnSpc>
-                <a:spcPct val="150000"/>
-              </a:lnSpc>
-              <a:buNone/>
-            </a:pPr>
-            <a:r>
-              <a:rPr lang="en-US" sz="2400" b="1" dirty="0" smtClean="0"/>
-              <a:t>Visualization</a:t>
-            </a:r>
-            <a:r>
-              <a:rPr lang="en-US" sz="2400" dirty="0" smtClean="0"/>
-              <a:t>: Impulse response function of industrial production and employment to 90-point EPU innovation</a:t>
-            </a:r>
-            <a:endParaRPr lang="en-GB" sz="2400" dirty="0"/>
-          </a:p>
-        </p:txBody>
-      </p:sp>
-      <p:sp>
-        <p:nvSpPr>
-          <p:cNvPr id="3" name="Title 2"/>
-          <p:cNvSpPr>
-            <a:spLocks noGrp="1"/>
-          </p:cNvSpPr>
-          <p:nvPr>
-            <p:ph type="title"/>
-          </p:nvPr>
-        </p:nvSpPr>
-        <p:spPr/>
-        <p:txBody>
-          <a:bodyPr/>
-          <a:lstStyle/>
-          <a:p>
-            <a:r>
-              <a:rPr lang="en-US" dirty="0" smtClean="0"/>
-              <a:t>Macro-Level Data</a:t>
-            </a:r>
+            <a:r>
+              <a:rPr lang="en-US" sz="3200" b="1" dirty="0" smtClean="0">
+                <a:solidFill>
+                  <a:srgbClr val="00B050"/>
+                </a:solidFill>
+              </a:rPr>
+              <a:t>+</a:t>
+            </a:r>
+            <a:endParaRPr lang="en-GB" sz="3200" b="1" dirty="0">
+              <a:solidFill>
+                <a:srgbClr val="00B050"/>
+              </a:solidFill>
+            </a:endParaRPr>
+          </a:p>
+        </p:txBody>
+      </p:sp>
+      <p:sp>
+        <p:nvSpPr>
+          <p:cNvPr id="5" name="TextBox 4"/>
+          <p:cNvSpPr txBox="1"/>
+          <p:nvPr/>
+        </p:nvSpPr>
+        <p:spPr>
+          <a:xfrm>
+            <a:off x="4065714" y="1361207"/>
+            <a:ext cx="320922" cy="584775"/>
+          </a:xfrm>
+          <a:prstGeom prst="rect">
+            <a:avLst/>
+          </a:prstGeom>
+          <a:noFill/>
+        </p:spPr>
+        <p:txBody>
+          <a:bodyPr wrap="none" rtlCol="0">
+            <a:spAutoFit/>
+          </a:bodyPr>
+          <a:lstStyle/>
+          <a:p>
+            <a:r>
+              <a:rPr lang="en-US" sz="3200" b="1" dirty="0">
+                <a:solidFill>
+                  <a:srgbClr val="FF0000"/>
+                </a:solidFill>
+              </a:rPr>
+              <a:t>-</a:t>
+            </a:r>
+            <a:endParaRPr lang="en-GB" sz="3200" b="1" dirty="0">
+              <a:solidFill>
+                <a:srgbClr val="FF0000"/>
+              </a:solidFill>
+            </a:endParaRPr>
+          </a:p>
+        </p:txBody>
+      </p:sp>
+      <p:sp>
+        <p:nvSpPr>
+          <p:cNvPr id="6" name="TextBox 5"/>
+          <p:cNvSpPr txBox="1"/>
+          <p:nvPr/>
+        </p:nvSpPr>
+        <p:spPr>
+          <a:xfrm>
+            <a:off x="2161310" y="2243641"/>
+            <a:ext cx="418704" cy="584775"/>
+          </a:xfrm>
+          <a:prstGeom prst="rect">
+            <a:avLst/>
+          </a:prstGeom>
+          <a:noFill/>
+        </p:spPr>
+        <p:txBody>
+          <a:bodyPr wrap="none" rtlCol="0">
+            <a:spAutoFit/>
+          </a:bodyPr>
+          <a:lstStyle/>
+          <a:p>
+            <a:r>
+              <a:rPr lang="en-US" sz="3200" b="1" dirty="0" smtClean="0">
+                <a:solidFill>
+                  <a:srgbClr val="00B050"/>
+                </a:solidFill>
+              </a:rPr>
+              <a:t>+</a:t>
+            </a:r>
+            <a:endParaRPr lang="en-GB" sz="3200" b="1" dirty="0">
+              <a:solidFill>
+                <a:srgbClr val="00B050"/>
+              </a:solidFill>
+            </a:endParaRPr>
+          </a:p>
+        </p:txBody>
+      </p:sp>
+      <p:sp>
+        <p:nvSpPr>
+          <p:cNvPr id="7" name="TextBox 6"/>
+          <p:cNvSpPr txBox="1"/>
+          <p:nvPr/>
+        </p:nvSpPr>
+        <p:spPr>
+          <a:xfrm>
+            <a:off x="5989474" y="2286644"/>
+            <a:ext cx="320922" cy="584775"/>
+          </a:xfrm>
+          <a:prstGeom prst="rect">
+            <a:avLst/>
+          </a:prstGeom>
+          <a:noFill/>
+        </p:spPr>
+        <p:txBody>
+          <a:bodyPr wrap="none" rtlCol="0">
+            <a:spAutoFit/>
+          </a:bodyPr>
+          <a:lstStyle/>
+          <a:p>
+            <a:r>
+              <a:rPr lang="en-US" sz="3200" b="1" dirty="0">
+                <a:solidFill>
+                  <a:srgbClr val="FF0000"/>
+                </a:solidFill>
+              </a:rPr>
+              <a:t>-</a:t>
+            </a:r>
+            <a:endParaRPr lang="en-GB" sz="3200" b="1" dirty="0">
+              <a:solidFill>
+                <a:srgbClr val="FF0000"/>
+              </a:solidFill>
+            </a:endParaRPr>
+          </a:p>
+        </p:txBody>
+      </p:sp>
+      <p:sp>
+        <p:nvSpPr>
+          <p:cNvPr id="8" name="TextBox 7"/>
+          <p:cNvSpPr txBox="1"/>
+          <p:nvPr/>
+        </p:nvSpPr>
+        <p:spPr>
+          <a:xfrm>
+            <a:off x="2210201" y="3126074"/>
+            <a:ext cx="320922" cy="584775"/>
+          </a:xfrm>
+          <a:prstGeom prst="rect">
+            <a:avLst/>
+          </a:prstGeom>
+          <a:noFill/>
+        </p:spPr>
+        <p:txBody>
+          <a:bodyPr wrap="none" rtlCol="0">
+            <a:spAutoFit/>
+          </a:bodyPr>
+          <a:lstStyle/>
+          <a:p>
+            <a:r>
+              <a:rPr lang="en-US" sz="3200" b="1" dirty="0">
+                <a:solidFill>
+                  <a:srgbClr val="FF0000"/>
+                </a:solidFill>
+              </a:rPr>
+              <a:t>-</a:t>
+            </a:r>
+            <a:endParaRPr lang="en-GB" sz="3200" b="1" dirty="0">
+              <a:solidFill>
+                <a:srgbClr val="FF0000"/>
+              </a:solidFill>
+            </a:endParaRPr>
+          </a:p>
+        </p:txBody>
+      </p:sp>
+      <p:sp>
+        <p:nvSpPr>
+          <p:cNvPr id="9" name="TextBox 8"/>
+          <p:cNvSpPr txBox="1"/>
+          <p:nvPr/>
+        </p:nvSpPr>
+        <p:spPr>
+          <a:xfrm>
+            <a:off x="3643546" y="3113921"/>
+            <a:ext cx="471054" cy="584775"/>
+          </a:xfrm>
+          <a:prstGeom prst="rect">
+            <a:avLst/>
+          </a:prstGeom>
+          <a:noFill/>
+        </p:spPr>
+        <p:txBody>
+          <a:bodyPr wrap="square" rtlCol="0">
+            <a:spAutoFit/>
+          </a:bodyPr>
+          <a:lstStyle/>
+          <a:p>
+            <a:r>
+              <a:rPr lang="en-US" sz="3200" b="1" dirty="0" smtClean="0">
+                <a:solidFill>
+                  <a:srgbClr val="00B050"/>
+                </a:solidFill>
+              </a:rPr>
+              <a:t>+</a:t>
+            </a:r>
+            <a:endParaRPr lang="en-GB" sz="3200" b="1" dirty="0">
+              <a:solidFill>
+                <a:srgbClr val="00B050"/>
+              </a:solidFill>
+            </a:endParaRPr>
+          </a:p>
+        </p:txBody>
+      </p:sp>
+      <p:sp>
+        <p:nvSpPr>
+          <p:cNvPr id="10" name="TextBox 9"/>
+          <p:cNvSpPr txBox="1"/>
+          <p:nvPr/>
+        </p:nvSpPr>
+        <p:spPr>
+          <a:xfrm>
+            <a:off x="5547945" y="3113921"/>
+            <a:ext cx="320922" cy="584775"/>
+          </a:xfrm>
+          <a:prstGeom prst="rect">
+            <a:avLst/>
+          </a:prstGeom>
+          <a:noFill/>
+        </p:spPr>
+        <p:txBody>
+          <a:bodyPr wrap="none" rtlCol="0">
+            <a:spAutoFit/>
+          </a:bodyPr>
+          <a:lstStyle/>
+          <a:p>
+            <a:r>
+              <a:rPr lang="en-US" sz="3200" b="1" dirty="0">
+                <a:solidFill>
+                  <a:srgbClr val="FF0000"/>
+                </a:solidFill>
+              </a:rPr>
+              <a:t>-</a:t>
+            </a:r>
+            <a:endParaRPr lang="en-GB" sz="3200" b="1" dirty="0">
+              <a:solidFill>
+                <a:srgbClr val="FF0000"/>
+              </a:solidFill>
+            </a:endParaRPr>
+          </a:p>
+        </p:txBody>
+      </p:sp>
+      <p:sp>
+        <p:nvSpPr>
+          <p:cNvPr id="11" name="TextBox 10"/>
+          <p:cNvSpPr txBox="1"/>
+          <p:nvPr/>
+        </p:nvSpPr>
+        <p:spPr>
+          <a:xfrm>
+            <a:off x="2964674" y="3993685"/>
+            <a:ext cx="471054" cy="584775"/>
+          </a:xfrm>
+          <a:prstGeom prst="rect">
+            <a:avLst/>
+          </a:prstGeom>
+          <a:noFill/>
+        </p:spPr>
+        <p:txBody>
+          <a:bodyPr wrap="square" rtlCol="0">
+            <a:spAutoFit/>
+          </a:bodyPr>
+          <a:lstStyle/>
+          <a:p>
+            <a:r>
+              <a:rPr lang="en-US" sz="3200" b="1" dirty="0" smtClean="0">
+                <a:solidFill>
+                  <a:srgbClr val="00B050"/>
+                </a:solidFill>
+              </a:rPr>
+              <a:t>+</a:t>
+            </a:r>
+            <a:endParaRPr lang="en-GB" sz="3200" b="1" dirty="0">
+              <a:solidFill>
+                <a:srgbClr val="00B050"/>
+              </a:solidFill>
+            </a:endParaRPr>
+          </a:p>
+        </p:txBody>
+      </p:sp>
+      <p:sp>
+        <p:nvSpPr>
+          <p:cNvPr id="12" name="TextBox 11"/>
+          <p:cNvSpPr txBox="1"/>
+          <p:nvPr/>
+        </p:nvSpPr>
+        <p:spPr>
+          <a:xfrm>
+            <a:off x="5547945" y="3962364"/>
+            <a:ext cx="320922" cy="584775"/>
+          </a:xfrm>
+          <a:prstGeom prst="rect">
+            <a:avLst/>
+          </a:prstGeom>
+          <a:noFill/>
+        </p:spPr>
+        <p:txBody>
+          <a:bodyPr wrap="none" rtlCol="0">
+            <a:spAutoFit/>
+          </a:bodyPr>
+          <a:lstStyle/>
+          <a:p>
+            <a:r>
+              <a:rPr lang="en-US" sz="3200" b="1" dirty="0">
+                <a:solidFill>
+                  <a:srgbClr val="FF0000"/>
+                </a:solidFill>
+              </a:rPr>
+              <a:t>-</a:t>
+            </a:r>
+            <a:endParaRPr lang="en-GB" sz="3200" b="1" dirty="0">
+              <a:solidFill>
+                <a:srgbClr val="FF0000"/>
+              </a:solidFill>
+            </a:endParaRPr>
+          </a:p>
+        </p:txBody>
+      </p:sp>
+      <p:sp>
+        <p:nvSpPr>
+          <p:cNvPr id="13" name="TextBox 12"/>
+          <p:cNvSpPr txBox="1"/>
+          <p:nvPr/>
+        </p:nvSpPr>
+        <p:spPr>
+          <a:xfrm>
+            <a:off x="8963091" y="3962364"/>
+            <a:ext cx="320922" cy="584775"/>
+          </a:xfrm>
+          <a:prstGeom prst="rect">
+            <a:avLst/>
+          </a:prstGeom>
+          <a:noFill/>
+        </p:spPr>
+        <p:txBody>
+          <a:bodyPr wrap="none" rtlCol="0">
+            <a:spAutoFit/>
+          </a:bodyPr>
+          <a:lstStyle/>
+          <a:p>
+            <a:r>
+              <a:rPr lang="en-US" sz="3200" b="1" dirty="0">
+                <a:solidFill>
+                  <a:srgbClr val="FF0000"/>
+                </a:solidFill>
+              </a:rPr>
+              <a:t>-</a:t>
+            </a:r>
+            <a:endParaRPr lang="en-GB" sz="3200" b="1" dirty="0">
+              <a:solidFill>
+                <a:srgbClr val="FF0000"/>
+              </a:solidFill>
+            </a:endParaRPr>
+          </a:p>
+        </p:txBody>
+      </p:sp>
+      <p:sp>
+        <p:nvSpPr>
+          <p:cNvPr id="14" name="TextBox 13"/>
+          <p:cNvSpPr txBox="1"/>
+          <p:nvPr/>
+        </p:nvSpPr>
+        <p:spPr>
+          <a:xfrm>
+            <a:off x="371542" y="5729160"/>
+            <a:ext cx="11235863" cy="923330"/>
+          </a:xfrm>
+          <a:prstGeom prst="rect">
+            <a:avLst/>
+          </a:prstGeom>
+          <a:noFill/>
+        </p:spPr>
+        <p:txBody>
+          <a:bodyPr wrap="square" rtlCol="0">
+            <a:spAutoFit/>
+          </a:bodyPr>
+          <a:lstStyle/>
+          <a:p>
+            <a:r>
+              <a:rPr lang="en-GB" dirty="0"/>
+              <a:t>Baker, S.R., Bloom, N. and Davis, S.J., 2016. Measuring economic policy uncertainty. </a:t>
+            </a:r>
+            <a:r>
+              <a:rPr lang="en-GB" i="1" dirty="0"/>
+              <a:t>The quarterly journal of economics, 131</a:t>
+            </a:r>
+            <a:r>
+              <a:rPr lang="en-GB" dirty="0"/>
+              <a:t>(4), pp.1593-1636.</a:t>
+            </a:r>
+          </a:p>
+          <a:p>
             <a:endParaRPr lang="en-GB" dirty="0"/>
           </a:p>
         </p:txBody>
@@ -5761,13 +5806,20 @@
     </p:spTree>
     <p:extLst>
       <p:ext uri="{BB962C8B-B14F-4D97-AF65-F5344CB8AC3E}">
-        <p14:creationId xmlns:p14="http://schemas.microsoft.com/office/powerpoint/2010/main" val="841720529"/>
+        <p14:creationId xmlns:p14="http://schemas.microsoft.com/office/powerpoint/2010/main" val="3668793049"/>
       </p:ext>
     </p:extLst>
   </p:cSld>
   <p:clrMapOvr>
     <a:masterClrMapping/>
   </p:clrMapOvr>
+  <p:timing>
+    <p:tnLst>
+      <p:par>
+        <p:cTn id="1" dur="indefinite" restart="never" nodeType="tmRoot"/>
+      </p:par>
+    </p:tnLst>
+  </p:timing>
 </p:sld>
 </file>
 
@@ -5800,161 +5852,88 @@
         </p:nvSpPr>
         <p:spPr/>
         <p:txBody>
+          <a:bodyPr>
+            <a:normAutofit/>
+          </a:bodyPr>
+          <a:lstStyle/>
+          <a:p>
+            <a:pPr marL="0" indent="0">
+              <a:lnSpc>
+                <a:spcPct val="150000"/>
+              </a:lnSpc>
+              <a:buNone/>
+            </a:pPr>
+            <a:r>
+              <a:rPr lang="en-US" sz="2400" b="1" dirty="0" smtClean="0"/>
+              <a:t>Approach</a:t>
+            </a:r>
+            <a:r>
+              <a:rPr lang="en-US" sz="2400" dirty="0" smtClean="0"/>
+              <a:t>: Use VAR with </a:t>
+            </a:r>
+            <a:r>
+              <a:rPr lang="en-US" sz="2400" dirty="0" err="1" smtClean="0"/>
+              <a:t>Cholesky</a:t>
+            </a:r>
+            <a:r>
+              <a:rPr lang="en-US" sz="2400" dirty="0" smtClean="0"/>
+              <a:t> decomposition</a:t>
+            </a:r>
+          </a:p>
+          <a:p>
+            <a:pPr marL="0" indent="0">
+              <a:lnSpc>
+                <a:spcPct val="150000"/>
+              </a:lnSpc>
+              <a:buNone/>
+            </a:pPr>
+            <a:r>
+              <a:rPr lang="en-US" sz="2400" b="1" dirty="0" smtClean="0"/>
+              <a:t>Variables</a:t>
+            </a:r>
+            <a:r>
+              <a:rPr lang="en-US" sz="2400" dirty="0" smtClean="0"/>
+              <a:t>: EPU index, log(S&amp;P500), federal funds rate, log employment, log industrial production (each for 3 lags)</a:t>
+            </a:r>
+          </a:p>
+          <a:p>
+            <a:pPr marL="0" indent="0">
+              <a:lnSpc>
+                <a:spcPct val="150000"/>
+              </a:lnSpc>
+              <a:buNone/>
+            </a:pPr>
+            <a:r>
+              <a:rPr lang="en-US" sz="2400" b="1" dirty="0" smtClean="0"/>
+              <a:t>Visualization</a:t>
+            </a:r>
+            <a:r>
+              <a:rPr lang="en-US" sz="2400" dirty="0" smtClean="0"/>
+              <a:t>: Impulse response function of industrial production and employment to 90-point EPU innovation</a:t>
+            </a:r>
+            <a:endParaRPr lang="en-GB" sz="2400" dirty="0"/>
+          </a:p>
+        </p:txBody>
+      </p:sp>
+      <p:sp>
+        <p:nvSpPr>
+          <p:cNvPr id="3" name="Title 2"/>
+          <p:cNvSpPr>
+            <a:spLocks noGrp="1"/>
+          </p:cNvSpPr>
+          <p:nvPr>
+            <p:ph type="title"/>
+          </p:nvPr>
+        </p:nvSpPr>
+        <p:spPr/>
+        <p:txBody>
           <a:bodyPr/>
           <a:lstStyle/>
           <a:p>
-            <a:endParaRPr lang="en-GB"/>
-          </a:p>
-        </p:txBody>
-      </p:sp>
-      <p:sp>
-        <p:nvSpPr>
-          <p:cNvPr id="3" name="Title 2"/>
-          <p:cNvSpPr>
-            <a:spLocks noGrp="1"/>
-          </p:cNvSpPr>
-          <p:nvPr>
-            <p:ph type="title"/>
-          </p:nvPr>
-        </p:nvSpPr>
-        <p:spPr/>
-        <p:txBody>
-          <a:bodyPr/>
-          <a:lstStyle/>
-          <a:p>
             <a:r>
               <a:rPr lang="en-US" dirty="0" smtClean="0"/>
-              <a:t>IP Response to 90-point EPU Shocks</a:t>
-            </a:r>
-            <a:endParaRPr lang="en-GB" dirty="0"/>
-          </a:p>
-        </p:txBody>
-      </p:sp>
-      <p:pic>
-        <p:nvPicPr>
-          <p:cNvPr id="4" name="Picture 3"/>
-          <p:cNvPicPr>
-            <a:picLocks noChangeAspect="1"/>
-          </p:cNvPicPr>
-          <p:nvPr/>
-        </p:nvPicPr>
-        <p:blipFill>
-          <a:blip r:embed="rId2"/>
-          <a:stretch>
-            <a:fillRect/>
-          </a:stretch>
-        </p:blipFill>
-        <p:spPr>
-          <a:xfrm>
-            <a:off x="2507480" y="1909329"/>
-            <a:ext cx="6781994" cy="2661187"/>
-          </a:xfrm>
-          <a:prstGeom prst="rect">
-            <a:avLst/>
-          </a:prstGeom>
-        </p:spPr>
-      </p:pic>
-      <p:pic>
-        <p:nvPicPr>
-          <p:cNvPr id="5" name="Picture 4"/>
-          <p:cNvPicPr>
-            <a:picLocks noChangeAspect="1"/>
-          </p:cNvPicPr>
-          <p:nvPr/>
-        </p:nvPicPr>
-        <p:blipFill>
-          <a:blip r:embed="rId3"/>
-          <a:stretch>
-            <a:fillRect/>
-          </a:stretch>
-        </p:blipFill>
-        <p:spPr>
-          <a:xfrm>
-            <a:off x="4809192" y="4717271"/>
-            <a:ext cx="2360564" cy="331449"/>
-          </a:xfrm>
-          <a:prstGeom prst="rect">
-            <a:avLst/>
-          </a:prstGeom>
-        </p:spPr>
-      </p:pic>
-      <p:pic>
-        <p:nvPicPr>
-          <p:cNvPr id="1028" name="Picture 4" descr="ผลการค้นหารูปภาพสำหรับ cookie kingdom licorice"/>
-          <p:cNvPicPr>
-            <a:picLocks noChangeAspect="1" noChangeArrowheads="1"/>
-          </p:cNvPicPr>
-          <p:nvPr/>
-        </p:nvPicPr>
-        <p:blipFill>
-          <a:blip r:embed="rId4" cstate="print">
-            <a:extLst>
-              <a:ext uri="{28A0092B-C50C-407E-A947-70E740481C1C}">
-                <a14:useLocalDpi xmlns:a14="http://schemas.microsoft.com/office/drawing/2010/main" val="0"/>
-              </a:ext>
-            </a:extLst>
-          </a:blip>
-          <a:srcRect/>
-          <a:stretch>
-            <a:fillRect/>
-          </a:stretch>
-        </p:blipFill>
-        <p:spPr bwMode="auto">
-          <a:xfrm>
-            <a:off x="626723" y="3143960"/>
-            <a:ext cx="2242309" cy="1739035"/>
-          </a:xfrm>
-          <a:prstGeom prst="rect">
-            <a:avLst/>
-          </a:prstGeom>
-          <a:noFill/>
-          <a:extLst>
-            <a:ext uri="{909E8E84-426E-40DD-AFC4-6F175D3DCCD1}">
-              <a14:hiddenFill xmlns:a14="http://schemas.microsoft.com/office/drawing/2010/main">
-                <a:solidFill>
-                  <a:srgbClr val="FFFFFF"/>
-                </a:solidFill>
-              </a14:hiddenFill>
-            </a:ext>
-          </a:extLst>
-        </p:spPr>
-      </p:pic>
-      <p:sp>
-        <p:nvSpPr>
-          <p:cNvPr id="8" name="TextBox 7"/>
-          <p:cNvSpPr txBox="1"/>
-          <p:nvPr/>
-        </p:nvSpPr>
-        <p:spPr>
-          <a:xfrm>
-            <a:off x="371542" y="5729160"/>
-            <a:ext cx="11235863" cy="923330"/>
-          </a:xfrm>
-          <a:prstGeom prst="rect">
-            <a:avLst/>
-          </a:prstGeom>
-          <a:noFill/>
-        </p:spPr>
-        <p:txBody>
-          <a:bodyPr wrap="square" rtlCol="0">
-            <a:spAutoFit/>
-          </a:bodyPr>
-          <a:lstStyle/>
-          <a:p>
-            <a:r>
-              <a:rPr lang="en-GB" dirty="0"/>
-              <a:t>Baker, S.R., Bloom, N. and Davis, S.J., 2016. Measuring economic policy uncertainty. </a:t>
-            </a:r>
-            <a:r>
-              <a:rPr lang="en-GB" i="1" dirty="0"/>
-              <a:t>The quarterly journal of economics, 131</a:t>
-            </a:r>
-            <a:r>
-              <a:rPr lang="en-GB" dirty="0"/>
-              <a:t>(4), pp.1593-1636.</a:t>
-            </a:r>
-          </a:p>
-          <a:p>
+              <a:t>Macro-Level Data</a:t>
+            </a:r>
             <a:endParaRPr lang="en-GB" dirty="0"/>
           </a:p>
         </p:txBody>
@@ -5962,7 +5941,7 @@
     </p:spTree>
     <p:extLst>
       <p:ext uri="{BB962C8B-B14F-4D97-AF65-F5344CB8AC3E}">
-        <p14:creationId xmlns:p14="http://schemas.microsoft.com/office/powerpoint/2010/main" val="3695651700"/>
+        <p14:creationId xmlns:p14="http://schemas.microsoft.com/office/powerpoint/2010/main" val="841720529"/>
       </p:ext>
     </p:extLst>
   </p:cSld>
@@ -6025,11 +6004,7 @@
           <a:p>
             <a:r>
               <a:rPr lang="en-US" dirty="0" smtClean="0"/>
-              <a:t>Employment </a:t>
-            </a:r>
-            <a:r>
-              <a:rPr lang="en-US" dirty="0"/>
-              <a:t>Response to 90-point EPU Shocks</a:t>
+              <a:t>IP Response to 90-point EPU Shocks</a:t>
             </a:r>
             <a:endParaRPr lang="en-GB" dirty="0"/>
           </a:p>
@@ -6051,8 +6026,8 @@
         </p:blipFill>
         <p:spPr>
           <a:xfrm>
-            <a:off x="2694515" y="1972939"/>
-            <a:ext cx="6283231" cy="2833759"/>
+            <a:off x="2507480" y="1909329"/>
+            <a:ext cx="6781994" cy="2661187"/>
           </a:xfrm>
           <a:prstGeom prst="rect">
             <a:avLst/>
@@ -6061,14 +6036,38 @@
       </p:pic>
       <p:pic>
         <p:nvPicPr>
-          <p:cNvPr id="6" name="Picture 4" descr="ผลการค้นหารูปภาพสำหรับ cookie kingdom licorice"/>
+          <p:cNvPr id="5" name="Picture 4"/>
+          <p:cNvPicPr>
+            <a:picLocks noChangeAspect="1"/>
+          </p:cNvPicPr>
+          <p:nvPr/>
+        </p:nvPicPr>
+        <p:blipFill>
+          <a:blip r:embed="rId3"/>
+          <a:stretch>
+            <a:fillRect/>
+          </a:stretch>
+        </p:blipFill>
+        <p:spPr>
+          <a:xfrm>
+            <a:off x="4809192" y="4717271"/>
+            <a:ext cx="2360564" cy="331449"/>
+          </a:xfrm>
+          <a:prstGeom prst="rect">
+            <a:avLst/>
+          </a:prstGeom>
+        </p:spPr>
+      </p:pic>
+      <p:pic>
+        <p:nvPicPr>
+          <p:cNvPr id="1028" name="Picture 4" descr="ผลการค้นหารูปภาพสำหรับ cookie kingdom licorice"/>
           <p:cNvPicPr>
             <a:picLocks noChangeAspect="1" noChangeArrowheads="1"/>
           </p:cNvPicPr>
           <p:nvPr/>
         </p:nvPicPr>
         <p:blipFill>
-          <a:blip r:embed="rId3" cstate="print">
+          <a:blip r:embed="rId4" cstate="print">
             <a:extLst>
               <a:ext uri="{28A0092B-C50C-407E-A947-70E740481C1C}">
                 <a14:useLocalDpi xmlns:a14="http://schemas.microsoft.com/office/drawing/2010/main" val="0"/>
@@ -6082,7 +6081,7 @@
         </p:blipFill>
         <p:spPr bwMode="auto">
           <a:xfrm>
-            <a:off x="824151" y="3067663"/>
+            <a:off x="626723" y="3143960"/>
             <a:ext cx="2242309" cy="1739035"/>
           </a:xfrm>
           <a:prstGeom prst="rect">
@@ -6102,7 +6101,7 @@
       </p:pic>
       <p:sp>
         <p:nvSpPr>
-          <p:cNvPr id="7" name="TextBox 6"/>
+          <p:cNvPr id="8" name="TextBox 7"/>
           <p:cNvSpPr txBox="1"/>
           <p:nvPr/>
         </p:nvSpPr>
@@ -6143,7 +6142,7 @@
     </p:spTree>
     <p:extLst>
       <p:ext uri="{BB962C8B-B14F-4D97-AF65-F5344CB8AC3E}">
-        <p14:creationId xmlns:p14="http://schemas.microsoft.com/office/powerpoint/2010/main" val="293853337"/>
+        <p14:creationId xmlns:p14="http://schemas.microsoft.com/office/powerpoint/2010/main" val="3695651700"/>
       </p:ext>
     </p:extLst>
   </p:cSld>
@@ -6185,104 +6184,138 @@
           <a:bodyPr/>
           <a:lstStyle/>
           <a:p>
-            <a:pPr marL="0" indent="0">
-              <a:lnSpc>
-                <a:spcPct val="150000"/>
-              </a:lnSpc>
-              <a:buNone/>
-            </a:pPr>
-            <a:r>
-              <a:rPr lang="en-US" b="1" dirty="0" smtClean="0"/>
-              <a:t>Data Source</a:t>
-            </a:r>
+            <a:endParaRPr lang="en-GB"/>
+          </a:p>
+        </p:txBody>
+      </p:sp>
+      <p:sp>
+        <p:nvSpPr>
+          <p:cNvPr id="3" name="Title 2"/>
+          <p:cNvSpPr>
+            <a:spLocks noGrp="1"/>
+          </p:cNvSpPr>
+          <p:nvPr>
+            <p:ph type="title"/>
+          </p:nvPr>
+        </p:nvSpPr>
+        <p:spPr/>
+        <p:txBody>
+          <a:bodyPr/>
+          <a:lstStyle/>
+          <a:p>
             <a:r>
               <a:rPr lang="en-US" dirty="0" smtClean="0"/>
-              <a:t>: Newspaper Articles</a:t>
-            </a:r>
-          </a:p>
-          <a:p>
-            <a:pPr marL="0" indent="0">
-              <a:lnSpc>
-                <a:spcPct val="150000"/>
-              </a:lnSpc>
-              <a:buNone/>
-            </a:pPr>
-            <a:r>
-              <a:rPr lang="en-US" b="1" dirty="0" smtClean="0"/>
-              <a:t>Process</a:t>
-            </a:r>
-            <a:r>
-              <a:rPr lang="en-US" dirty="0" smtClean="0"/>
-              <a:t>: Count the number of articles related to economic policies</a:t>
-            </a:r>
-          </a:p>
-          <a:p>
-            <a:pPr marL="0" indent="0">
-              <a:lnSpc>
-                <a:spcPct val="150000"/>
-              </a:lnSpc>
-              <a:buNone/>
-            </a:pPr>
-            <a:r>
-              <a:rPr lang="en-US" b="1" dirty="0" smtClean="0"/>
-              <a:t>Index</a:t>
-            </a:r>
-            <a:r>
-              <a:rPr lang="en-US" dirty="0" smtClean="0"/>
-              <a:t>: Scale the raw count by the number of newspaper articles</a:t>
-            </a:r>
-          </a:p>
-        </p:txBody>
-      </p:sp>
-      <p:sp>
-        <p:nvSpPr>
-          <p:cNvPr id="3" name="Title 2"/>
-          <p:cNvSpPr>
-            <a:spLocks noGrp="1"/>
-          </p:cNvSpPr>
-          <p:nvPr>
-            <p:ph type="title"/>
-          </p:nvPr>
-        </p:nvSpPr>
-        <p:spPr/>
-        <p:txBody>
-          <a:bodyPr/>
-          <a:lstStyle/>
-          <a:p>
-            <a:r>
-              <a:rPr lang="en-US" dirty="0" smtClean="0"/>
-              <a:t>Economic Policy Uncertainty Index</a:t>
+              <a:t>Employment </a:t>
+            </a:r>
+            <a:r>
+              <a:rPr lang="en-US" dirty="0"/>
+              <a:t>Response to 90-point EPU Shocks</a:t>
             </a:r>
             <a:endParaRPr lang="en-GB" dirty="0"/>
           </a:p>
         </p:txBody>
       </p:sp>
-      <p:sp>
-        <p:nvSpPr>
-          <p:cNvPr id="4" name="TextBox 3"/>
-          <p:cNvSpPr txBox="1"/>
+      <p:pic>
+        <p:nvPicPr>
+          <p:cNvPr id="4" name="Picture 3"/>
+          <p:cNvPicPr>
+            <a:picLocks noChangeAspect="1"/>
+          </p:cNvPicPr>
           <p:nvPr/>
-        </p:nvSpPr>
+        </p:nvPicPr>
+        <p:blipFill>
+          <a:blip r:embed="rId2"/>
+          <a:stretch>
+            <a:fillRect/>
+          </a:stretch>
+        </p:blipFill>
         <p:spPr>
           <a:xfrm>
-            <a:off x="626724" y="5466121"/>
-            <a:ext cx="3944157" cy="369332"/>
+            <a:off x="2694515" y="1972939"/>
+            <a:ext cx="6283231" cy="2833759"/>
+          </a:xfrm>
+          <a:prstGeom prst="rect">
+            <a:avLst/>
+          </a:prstGeom>
+        </p:spPr>
+      </p:pic>
+      <p:pic>
+        <p:nvPicPr>
+          <p:cNvPr id="6" name="Picture 4" descr="ผลการค้นหารูปภาพสำหรับ cookie kingdom licorice"/>
+          <p:cNvPicPr>
+            <a:picLocks noChangeAspect="1" noChangeArrowheads="1"/>
+          </p:cNvPicPr>
+          <p:nvPr/>
+        </p:nvPicPr>
+        <p:blipFill>
+          <a:blip r:embed="rId3" cstate="print">
+            <a:extLst>
+              <a:ext uri="{28A0092B-C50C-407E-A947-70E740481C1C}">
+                <a14:useLocalDpi xmlns:a14="http://schemas.microsoft.com/office/drawing/2010/main" val="0"/>
+              </a:ext>
+            </a:extLst>
+          </a:blip>
+          <a:srcRect/>
+          <a:stretch>
+            <a:fillRect/>
+          </a:stretch>
+        </p:blipFill>
+        <p:spPr bwMode="auto">
+          <a:xfrm>
+            <a:off x="824151" y="3067663"/>
+            <a:ext cx="2242309" cy="1739035"/>
           </a:xfrm>
           <a:prstGeom prst="rect">
             <a:avLst/>
           </a:prstGeom>
           <a:noFill/>
-        </p:spPr>
-        <p:txBody>
-          <a:bodyPr wrap="none" rtlCol="0">
+          <a:extLst>
+            <a:ext uri="{909E8E84-426E-40DD-AFC4-6F175D3DCCD1}">
+              <a14:hiddenFill xmlns:a14="http://schemas.microsoft.com/office/drawing/2010/main">
+                <a:solidFill>
+                  <a:srgbClr val="FFFFFF"/>
+                </a:solidFill>
+              </a14:hiddenFill>
+            </a:ext>
+          </a:extLst>
+        </p:spPr>
+      </p:pic>
+      <p:sp>
+        <p:nvSpPr>
+          <p:cNvPr id="7" name="TextBox 6"/>
+          <p:cNvSpPr txBox="1"/>
+          <p:nvPr/>
+        </p:nvSpPr>
+        <p:spPr>
+          <a:xfrm>
+            <a:off x="371542" y="5729160"/>
+            <a:ext cx="11235863" cy="923330"/>
+          </a:xfrm>
+          <a:prstGeom prst="rect">
+            <a:avLst/>
+          </a:prstGeom>
+          <a:noFill/>
+        </p:spPr>
+        <p:txBody>
+          <a:bodyPr wrap="square" rtlCol="0">
             <a:spAutoFit/>
           </a:bodyPr>
           <a:lstStyle/>
           <a:p>
             <a:r>
-              <a:rPr lang="en-US" dirty="0"/>
-              <a:t>Ref: https://www.policyuncertainty.com/</a:t>
-            </a:r>
+              <a:rPr lang="en-GB" dirty="0"/>
+              <a:t>Baker, S.R., Bloom, N. and Davis, S.J., 2016. Measuring economic policy uncertainty. </a:t>
+            </a:r>
+            <a:r>
+              <a:rPr lang="en-GB" i="1" dirty="0"/>
+              <a:t>The quarterly journal of economics, 131</a:t>
+            </a:r>
+            <a:r>
+              <a:rPr lang="en-GB" dirty="0"/>
+              <a:t>(4), pp.1593-1636.</a:t>
+            </a:r>
+          </a:p>
+          <a:p>
             <a:endParaRPr lang="en-GB" dirty="0"/>
           </a:p>
         </p:txBody>
@@ -6290,7 +6323,7 @@
     </p:spTree>
     <p:extLst>
       <p:ext uri="{BB962C8B-B14F-4D97-AF65-F5344CB8AC3E}">
-        <p14:creationId xmlns:p14="http://schemas.microsoft.com/office/powerpoint/2010/main" val="1717272065"/>
+        <p14:creationId xmlns:p14="http://schemas.microsoft.com/office/powerpoint/2010/main" val="293853337"/>
       </p:ext>
     </p:extLst>
   </p:cSld>
@@ -6333,116 +6366,102 @@
           <a:lstStyle/>
           <a:p>
             <a:pPr marL="0" indent="0">
+              <a:lnSpc>
+                <a:spcPct val="150000"/>
+              </a:lnSpc>
               <a:buNone/>
             </a:pPr>
             <a:r>
+              <a:rPr lang="en-US" b="1" dirty="0" smtClean="0"/>
+              <a:t>Data Source</a:t>
+            </a:r>
+            <a:r>
+              <a:rPr lang="en-US" dirty="0" smtClean="0"/>
+              <a:t>: Newspaper Articles</a:t>
+            </a:r>
+          </a:p>
+          <a:p>
+            <a:pPr marL="0" indent="0">
+              <a:lnSpc>
+                <a:spcPct val="150000"/>
+              </a:lnSpc>
+              <a:buNone/>
+            </a:pPr>
+            <a:r>
+              <a:rPr lang="en-US" b="1" dirty="0" smtClean="0"/>
+              <a:t>Process</a:t>
+            </a:r>
+            <a:r>
+              <a:rPr lang="en-US" dirty="0" smtClean="0"/>
+              <a:t>: Count the number of articles related to economic policies</a:t>
+            </a:r>
+          </a:p>
+          <a:p>
+            <a:pPr marL="0" indent="0">
+              <a:lnSpc>
+                <a:spcPct val="150000"/>
+              </a:lnSpc>
+              <a:buNone/>
+            </a:pPr>
+            <a:r>
+              <a:rPr lang="en-US" b="1" dirty="0" smtClean="0"/>
+              <a:t>Index</a:t>
+            </a:r>
+            <a:r>
+              <a:rPr lang="en-US" dirty="0" smtClean="0"/>
+              <a:t>: Scale the raw count by the number of newspaper articles</a:t>
+            </a:r>
+          </a:p>
+        </p:txBody>
+      </p:sp>
+      <p:sp>
+        <p:nvSpPr>
+          <p:cNvPr id="3" name="Title 2"/>
+          <p:cNvSpPr>
+            <a:spLocks noGrp="1"/>
+          </p:cNvSpPr>
+          <p:nvPr>
+            <p:ph type="title"/>
+          </p:nvPr>
+        </p:nvSpPr>
+        <p:spPr/>
+        <p:txBody>
+          <a:bodyPr/>
+          <a:lstStyle/>
+          <a:p>
+            <a:r>
+              <a:rPr lang="en-US" dirty="0" smtClean="0"/>
+              <a:t>Economic Policy Uncertainty Index</a:t>
+            </a:r>
+            <a:endParaRPr lang="en-GB" dirty="0"/>
+          </a:p>
+        </p:txBody>
+      </p:sp>
+      <p:sp>
+        <p:nvSpPr>
+          <p:cNvPr id="4" name="TextBox 3"/>
+          <p:cNvSpPr txBox="1"/>
+          <p:nvPr/>
+        </p:nvSpPr>
+        <p:spPr>
+          <a:xfrm>
+            <a:off x="626724" y="5466121"/>
+            <a:ext cx="3944157" cy="369332"/>
+          </a:xfrm>
+          <a:prstGeom prst="rect">
+            <a:avLst/>
+          </a:prstGeom>
+          <a:noFill/>
+        </p:spPr>
+        <p:txBody>
+          <a:bodyPr wrap="none" rtlCol="0">
+            <a:spAutoFit/>
+          </a:bodyPr>
+          <a:lstStyle/>
+          <a:p>
+            <a:r>
               <a:rPr lang="en-US" dirty="0"/>
-              <a:t>Three buckets of </a:t>
-            </a:r>
-            <a:r>
-              <a:rPr lang="en-US" dirty="0" smtClean="0"/>
-              <a:t>words contain E-P-U buckets.</a:t>
-            </a:r>
-          </a:p>
-          <a:p>
-            <a:r>
-              <a:rPr lang="en-US" dirty="0" smtClean="0"/>
-              <a:t>U</a:t>
-            </a:r>
-            <a:r>
-              <a:rPr lang="th-TH" dirty="0" smtClean="0"/>
-              <a:t> </a:t>
-            </a:r>
-            <a:r>
-              <a:rPr lang="en-US" dirty="0" smtClean="0"/>
-              <a:t>buckets = </a:t>
-            </a:r>
-            <a:r>
-              <a:rPr lang="en-US" dirty="0"/>
-              <a:t>(uncertainty, </a:t>
-            </a:r>
-            <a:r>
-              <a:rPr lang="en-US" dirty="0" smtClean="0"/>
-              <a:t>uncertain),</a:t>
-            </a:r>
-          </a:p>
-          <a:p>
-            <a:r>
-              <a:rPr lang="en-US" dirty="0" smtClean="0"/>
-              <a:t>E buckets = </a:t>
-            </a:r>
-            <a:r>
-              <a:rPr lang="en-US" dirty="0"/>
-              <a:t>(economic, </a:t>
-            </a:r>
-            <a:r>
-              <a:rPr lang="en-US" dirty="0" smtClean="0"/>
-              <a:t>economy)</a:t>
-            </a:r>
-          </a:p>
-          <a:p>
-            <a:r>
-              <a:rPr lang="en-US" dirty="0" smtClean="0"/>
-              <a:t>P buckets = </a:t>
-            </a:r>
-            <a:r>
-              <a:rPr lang="en-US" dirty="0"/>
-              <a:t>(congress, deficit, Federal Reserve, legislation)</a:t>
-            </a:r>
-          </a:p>
-          <a:p>
-            <a:pPr marL="0" indent="0">
-              <a:buNone/>
-            </a:pPr>
-            <a:endParaRPr lang="en-US" dirty="0" smtClean="0"/>
-          </a:p>
-          <a:p>
-            <a:pPr marL="0" indent="0">
-              <a:buNone/>
-            </a:pPr>
-            <a:r>
-              <a:rPr lang="en-US" dirty="0" smtClean="0"/>
-              <a:t>Note that the </a:t>
-            </a:r>
-            <a:r>
-              <a:rPr lang="en-US" dirty="0"/>
-              <a:t>P words are selected by audit </a:t>
-            </a:r>
-            <a:r>
-              <a:rPr lang="en-US" dirty="0" smtClean="0"/>
-              <a:t> and pilot study</a:t>
-            </a:r>
-            <a:r>
-              <a:rPr lang="en-US" dirty="0"/>
-              <a:t>.</a:t>
-            </a:r>
-          </a:p>
-          <a:p>
-            <a:endParaRPr lang="en-GB" dirty="0"/>
-          </a:p>
-          <a:p>
-            <a:endParaRPr lang="en-GB" dirty="0"/>
-          </a:p>
-        </p:txBody>
-      </p:sp>
-      <p:sp>
-        <p:nvSpPr>
-          <p:cNvPr id="3" name="Title 2"/>
-          <p:cNvSpPr>
-            <a:spLocks noGrp="1"/>
-          </p:cNvSpPr>
-          <p:nvPr>
-            <p:ph type="title"/>
-          </p:nvPr>
-        </p:nvSpPr>
-        <p:spPr/>
-        <p:txBody>
-          <a:bodyPr/>
-          <a:lstStyle/>
-          <a:p>
-            <a:r>
-              <a:rPr lang="en-US" dirty="0" smtClean="0"/>
-              <a:t>EPU Index -&gt; E-P-U</a:t>
+              <a:t>Ref: https://www.policyuncertainty.com/</a:t>
             </a:r>
             <a:endParaRPr lang="en-GB" dirty="0"/>
           </a:p>
@@ -6451,7 +6470,7 @@
     </p:spTree>
     <p:extLst>
       <p:ext uri="{BB962C8B-B14F-4D97-AF65-F5344CB8AC3E}">
-        <p14:creationId xmlns:p14="http://schemas.microsoft.com/office/powerpoint/2010/main" val="3456637981"/>
+        <p14:creationId xmlns:p14="http://schemas.microsoft.com/office/powerpoint/2010/main" val="1717272065"/>
       </p:ext>
     </p:extLst>
   </p:cSld>
@@ -6494,89 +6513,116 @@
           <a:lstStyle/>
           <a:p>
             <a:pPr marL="0" indent="0">
-              <a:lnSpc>
-                <a:spcPct val="150000"/>
-              </a:lnSpc>
               <a:buNone/>
             </a:pPr>
             <a:r>
-              <a:rPr lang="en-US" b="1" dirty="0" smtClean="0"/>
-              <a:t>Audit study</a:t>
+              <a:rPr lang="en-US" dirty="0"/>
+              <a:t>Three buckets of </a:t>
             </a:r>
             <a:r>
               <a:rPr lang="en-US" dirty="0" smtClean="0"/>
-              <a:t>: get labels from human</a:t>
+              <a:t>words contain E-P-U buckets.</a:t>
+            </a:r>
+          </a:p>
+          <a:p>
+            <a:r>
+              <a:rPr lang="en-US" dirty="0" smtClean="0"/>
+              <a:t>U</a:t>
+            </a:r>
+            <a:r>
+              <a:rPr lang="th-TH" dirty="0" smtClean="0"/>
+              <a:t> </a:t>
+            </a:r>
+            <a:r>
+              <a:rPr lang="en-US" dirty="0" smtClean="0"/>
+              <a:t>buckets = </a:t>
+            </a:r>
+            <a:r>
+              <a:rPr lang="en-US" dirty="0"/>
+              <a:t>(uncertainty, </a:t>
+            </a:r>
+            <a:r>
+              <a:rPr lang="en-US" dirty="0" smtClean="0"/>
+              <a:t>uncertain),</a:t>
+            </a:r>
+          </a:p>
+          <a:p>
+            <a:r>
+              <a:rPr lang="en-US" dirty="0" smtClean="0"/>
+              <a:t>E buckets = </a:t>
+            </a:r>
+            <a:r>
+              <a:rPr lang="en-US" dirty="0"/>
+              <a:t>(economic, </a:t>
+            </a:r>
+            <a:r>
+              <a:rPr lang="en-US" dirty="0" smtClean="0"/>
+              <a:t>economy)</a:t>
+            </a:r>
+          </a:p>
+          <a:p>
+            <a:r>
+              <a:rPr lang="en-US" dirty="0" smtClean="0"/>
+              <a:t>P buckets = </a:t>
+            </a:r>
+            <a:r>
+              <a:rPr lang="en-US" dirty="0"/>
+              <a:t>(congress, deficit, Federal Reserve, legislation)</a:t>
             </a:r>
           </a:p>
           <a:p>
             <a:pPr marL="0" indent="0">
-              <a:lnSpc>
-                <a:spcPct val="150000"/>
-              </a:lnSpc>
               <a:buNone/>
             </a:pPr>
-            <a:r>
-              <a:rPr lang="en-US" b="1" dirty="0" smtClean="0"/>
-              <a:t>Pilot study</a:t>
-            </a:r>
+            <a:endParaRPr lang="en-US" dirty="0" smtClean="0"/>
+          </a:p>
+          <a:p>
+            <a:pPr marL="0" indent="0">
+              <a:buNone/>
+            </a:pPr>
             <a:r>
               <a:rPr lang="en-US" dirty="0" smtClean="0"/>
-              <a:t>: refine the training process</a:t>
-            </a:r>
-          </a:p>
-          <a:p>
-            <a:pPr marL="0" indent="0">
-              <a:lnSpc>
-                <a:spcPct val="150000"/>
-              </a:lnSpc>
-              <a:buNone/>
-            </a:pPr>
-            <a:r>
-              <a:rPr lang="en-US" b="1" dirty="0" smtClean="0"/>
-              <a:t>Selecting P term set</a:t>
+              <a:t>Note that the </a:t>
+            </a:r>
+            <a:r>
+              <a:rPr lang="en-US" dirty="0"/>
+              <a:t>P words are selected by audit </a:t>
             </a:r>
             <a:r>
               <a:rPr lang="en-US" dirty="0" smtClean="0"/>
-              <a:t>: obtain classification report </a:t>
-            </a:r>
-          </a:p>
-          <a:p>
-            <a:pPr marL="0" indent="0">
-              <a:lnSpc>
-                <a:spcPct val="150000"/>
-              </a:lnSpc>
-              <a:buNone/>
-            </a:pPr>
+              <a:t> and pilot study</a:t>
+            </a:r>
             <a:r>
               <a:rPr lang="en-US" dirty="0"/>
-              <a:t> </a:t>
-            </a:r>
+              <a:t>.</a:t>
+            </a:r>
+          </a:p>
+          <a:p>
+            <a:endParaRPr lang="en-GB" dirty="0"/>
+          </a:p>
+          <a:p>
+            <a:endParaRPr lang="en-GB" dirty="0"/>
+          </a:p>
+        </p:txBody>
+      </p:sp>
+      <p:sp>
+        <p:nvSpPr>
+          <p:cNvPr id="3" name="Title 2"/>
+          <p:cNvSpPr>
+            <a:spLocks noGrp="1"/>
+          </p:cNvSpPr>
+          <p:nvPr>
+            <p:ph type="title"/>
+          </p:nvPr>
+        </p:nvSpPr>
+        <p:spPr/>
+        <p:txBody>
+          <a:bodyPr/>
+          <a:lstStyle/>
+          <a:p>
             <a:r>
               <a:rPr lang="en-US" dirty="0" smtClean="0"/>
-              <a:t>                                (false positive &amp; false negative)</a:t>
-            </a:r>
-            <a:endParaRPr lang="en-GB" dirty="0"/>
-          </a:p>
-        </p:txBody>
-      </p:sp>
-      <p:sp>
-        <p:nvSpPr>
-          <p:cNvPr id="3" name="Title 2"/>
-          <p:cNvSpPr>
-            <a:spLocks noGrp="1"/>
-          </p:cNvSpPr>
-          <p:nvPr>
-            <p:ph type="title"/>
-          </p:nvPr>
-        </p:nvSpPr>
-        <p:spPr/>
-        <p:txBody>
-          <a:bodyPr/>
-          <a:lstStyle/>
-          <a:p>
-            <a:r>
-              <a:rPr lang="en-US" dirty="0" smtClean="0"/>
-              <a:t>Training Process</a:t>
+              <a:t>EPU Index -&gt; E-P-U</a:t>
             </a:r>
             <a:endParaRPr lang="en-GB" dirty="0"/>
           </a:p>
@@ -6585,20 +6631,13 @@
     </p:spTree>
     <p:extLst>
       <p:ext uri="{BB962C8B-B14F-4D97-AF65-F5344CB8AC3E}">
-        <p14:creationId xmlns:p14="http://schemas.microsoft.com/office/powerpoint/2010/main" val="3497691466"/>
+        <p14:creationId xmlns:p14="http://schemas.microsoft.com/office/powerpoint/2010/main" val="3456637981"/>
       </p:ext>
     </p:extLst>
   </p:cSld>
   <p:clrMapOvr>
     <a:masterClrMapping/>
   </p:clrMapOvr>
-  <p:timing>
-    <p:tnLst>
-      <p:par>
-        <p:cTn id="1" dur="indefinite" restart="never" nodeType="tmRoot"/>
-      </p:par>
-    </p:tnLst>
-  </p:timing>
 </p:sld>
 </file>
 
@@ -6634,6 +6673,68 @@
           <a:bodyPr/>
           <a:lstStyle/>
           <a:p>
+            <a:pPr marL="0" indent="0">
+              <a:lnSpc>
+                <a:spcPct val="150000"/>
+              </a:lnSpc>
+              <a:buNone/>
+            </a:pPr>
+            <a:r>
+              <a:rPr lang="en-US" b="1" dirty="0" smtClean="0"/>
+              <a:t>Audit study</a:t>
+            </a:r>
+            <a:r>
+              <a:rPr lang="en-US" dirty="0" smtClean="0"/>
+              <a:t>: get labels from human</a:t>
+            </a:r>
+          </a:p>
+          <a:p>
+            <a:pPr marL="0" indent="0">
+              <a:lnSpc>
+                <a:spcPct val="150000"/>
+              </a:lnSpc>
+              <a:buNone/>
+            </a:pPr>
+            <a:r>
+              <a:rPr lang="en-US" b="1" dirty="0" smtClean="0"/>
+              <a:t>Pilot study</a:t>
+            </a:r>
+            <a:r>
+              <a:rPr lang="en-US" dirty="0" smtClean="0"/>
+              <a:t>: refine the training process</a:t>
+            </a:r>
+          </a:p>
+          <a:p>
+            <a:pPr marL="0" indent="0">
+              <a:lnSpc>
+                <a:spcPct val="150000"/>
+              </a:lnSpc>
+              <a:buNone/>
+            </a:pPr>
+            <a:r>
+              <a:rPr lang="en-US" b="1" dirty="0" smtClean="0"/>
+              <a:t>Selecting P term set</a:t>
+            </a:r>
+            <a:r>
+              <a:rPr lang="en-US" dirty="0" smtClean="0"/>
+              <a:t>: obtain classification report </a:t>
+            </a:r>
+          </a:p>
+          <a:p>
+            <a:pPr marL="0" indent="0">
+              <a:lnSpc>
+                <a:spcPct val="150000"/>
+              </a:lnSpc>
+              <a:buNone/>
+            </a:pPr>
+            <a:r>
+              <a:rPr lang="en-US" dirty="0"/>
+              <a:t> </a:t>
+            </a:r>
+            <a:r>
+              <a:rPr lang="en-US" dirty="0" smtClean="0"/>
+              <a:t>                                (false positive &amp; false negative)</a:t>
+            </a:r>
             <a:endParaRPr lang="en-GB" dirty="0"/>
           </a:p>
         </p:txBody>
@@ -6655,158 +6756,16 @@
           <a:p>
             <a:r>
               <a:rPr lang="en-US" dirty="0" smtClean="0"/>
-              <a:t>False Positive &amp; False Negative</a:t>
+              <a:t>Training Process</a:t>
             </a:r>
             <a:endParaRPr lang="en-GB" dirty="0"/>
-          </a:p>
-        </p:txBody>
-      </p:sp>
-      <p:pic>
-        <p:nvPicPr>
-          <p:cNvPr id="1028" name="Picture 4" descr="ผลการค้นหารูปภาพสำหรับ cookierun ovenbreak cookiemal"/>
-          <p:cNvPicPr>
-            <a:picLocks noChangeAspect="1" noChangeArrowheads="1"/>
-          </p:cNvPicPr>
-          <p:nvPr/>
-        </p:nvPicPr>
-        <p:blipFill>
-          <a:blip r:embed="rId2" cstate="print">
-            <a:extLst>
-              <a:ext uri="{28A0092B-C50C-407E-A947-70E740481C1C}">
-                <a14:useLocalDpi xmlns:a14="http://schemas.microsoft.com/office/drawing/2010/main" val="0"/>
-              </a:ext>
-            </a:extLst>
-          </a:blip>
-          <a:srcRect/>
-          <a:stretch>
-            <a:fillRect/>
-          </a:stretch>
-        </p:blipFill>
-        <p:spPr bwMode="auto">
-          <a:xfrm>
-            <a:off x="626724" y="1746606"/>
-            <a:ext cx="3155567" cy="1775007"/>
-          </a:xfrm>
-          <a:prstGeom prst="rect">
-            <a:avLst/>
-          </a:prstGeom>
-          <a:noFill/>
-          <a:extLst>
-            <a:ext uri="{909E8E84-426E-40DD-AFC4-6F175D3DCCD1}">
-              <a14:hiddenFill xmlns:a14="http://schemas.microsoft.com/office/drawing/2010/main">
-                <a:solidFill>
-                  <a:srgbClr val="FFFFFF"/>
-                </a:solidFill>
-              </a14:hiddenFill>
-            </a:ext>
-          </a:extLst>
-        </p:spPr>
-      </p:pic>
-      <p:sp>
-        <p:nvSpPr>
-          <p:cNvPr id="4" name="TextBox 3"/>
-          <p:cNvSpPr txBox="1"/>
-          <p:nvPr/>
-        </p:nvSpPr>
-        <p:spPr>
-          <a:xfrm>
-            <a:off x="4821381" y="2341721"/>
-            <a:ext cx="3562770" cy="584775"/>
-          </a:xfrm>
-          <a:prstGeom prst="rect">
-            <a:avLst/>
-          </a:prstGeom>
-          <a:noFill/>
-        </p:spPr>
-        <p:txBody>
-          <a:bodyPr wrap="none" rtlCol="0">
-            <a:spAutoFit/>
-          </a:bodyPr>
-          <a:lstStyle/>
-          <a:p>
-            <a:r>
-              <a:rPr lang="en-US" sz="3200" dirty="0" smtClean="0"/>
-              <a:t>This is NOT cookie!</a:t>
-            </a:r>
-            <a:endParaRPr lang="en-GB" sz="3200" dirty="0"/>
-          </a:p>
-        </p:txBody>
-      </p:sp>
-      <p:pic>
-        <p:nvPicPr>
-          <p:cNvPr id="1032" name="Picture 8" descr="ผลการค้นหารูปภาพสำหรับ space doughnut cookie"/>
-          <p:cNvPicPr>
-            <a:picLocks noChangeAspect="1" noChangeArrowheads="1"/>
-          </p:cNvPicPr>
-          <p:nvPr/>
-        </p:nvPicPr>
-        <p:blipFill>
-          <a:blip r:embed="rId3" cstate="print">
-            <a:extLst>
-              <a:ext uri="{28A0092B-C50C-407E-A947-70E740481C1C}">
-                <a14:useLocalDpi xmlns:a14="http://schemas.microsoft.com/office/drawing/2010/main" val="0"/>
-              </a:ext>
-            </a:extLst>
-          </a:blip>
-          <a:srcRect/>
-          <a:stretch>
-            <a:fillRect/>
-          </a:stretch>
-        </p:blipFill>
-        <p:spPr bwMode="auto">
-          <a:xfrm>
-            <a:off x="626723" y="3999817"/>
-            <a:ext cx="3155567" cy="1775007"/>
-          </a:xfrm>
-          <a:prstGeom prst="rect">
-            <a:avLst/>
-          </a:prstGeom>
-          <a:noFill/>
-          <a:extLst>
-            <a:ext uri="{909E8E84-426E-40DD-AFC4-6F175D3DCCD1}">
-              <a14:hiddenFill xmlns:a14="http://schemas.microsoft.com/office/drawing/2010/main">
-                <a:solidFill>
-                  <a:srgbClr val="FFFFFF"/>
-                </a:solidFill>
-              </a14:hiddenFill>
-            </a:ext>
-          </a:extLst>
-        </p:spPr>
-      </p:pic>
-      <p:sp>
-        <p:nvSpPr>
-          <p:cNvPr id="9" name="TextBox 8"/>
-          <p:cNvSpPr txBox="1"/>
-          <p:nvPr/>
-        </p:nvSpPr>
-        <p:spPr>
-          <a:xfrm>
-            <a:off x="4894118" y="4401500"/>
-            <a:ext cx="2909771" cy="584775"/>
-          </a:xfrm>
-          <a:prstGeom prst="rect">
-            <a:avLst/>
-          </a:prstGeom>
-          <a:noFill/>
-        </p:spPr>
-        <p:txBody>
-          <a:bodyPr wrap="none" rtlCol="0">
-            <a:spAutoFit/>
-          </a:bodyPr>
-          <a:lstStyle/>
-          <a:p>
-            <a:r>
-              <a:rPr lang="en-US" sz="3200" dirty="0" smtClean="0"/>
-              <a:t>This is a cookie!</a:t>
-            </a:r>
-            <a:endParaRPr lang="en-GB" sz="3200" dirty="0"/>
           </a:p>
         </p:txBody>
       </p:sp>
     </p:spTree>
     <p:extLst>
       <p:ext uri="{BB962C8B-B14F-4D97-AF65-F5344CB8AC3E}">
-        <p14:creationId xmlns:p14="http://schemas.microsoft.com/office/powerpoint/2010/main" val="3820116033"/>
+        <p14:creationId xmlns:p14="http://schemas.microsoft.com/office/powerpoint/2010/main" val="3497691466"/>
       </p:ext>
     </p:extLst>
   </p:cSld>
@@ -6876,15 +6835,7 @@
           <a:p>
             <a:r>
               <a:rPr lang="en-US" dirty="0" smtClean="0"/>
-              <a:t>Evaluation: EPU </a:t>
-            </a:r>
-            <a:r>
-              <a:rPr lang="en-US" dirty="0" err="1" smtClean="0"/>
-              <a:t>vs</a:t>
-            </a:r>
-            <a:r>
-              <a:rPr lang="en-US" dirty="0" smtClean="0"/>
-              <a:t> VIX</a:t>
+              <a:t>False Positive &amp; False Negative</a:t>
             </a:r>
             <a:endParaRPr lang="en-GB" dirty="0"/>
           </a:p>
@@ -6892,43 +6843,60 @@
       </p:sp>
       <p:pic>
         <p:nvPicPr>
-          <p:cNvPr id="10" name="Picture 9"/>
+          <p:cNvPr id="1028" name="Picture 4" descr="ผลการค้นหารูปภาพสำหรับ cookierun ovenbreak cookiemal"/>
           <p:cNvPicPr>
-            <a:picLocks noChangeAspect="1"/>
+            <a:picLocks noChangeAspect="1" noChangeArrowheads="1"/>
           </p:cNvPicPr>
           <p:nvPr/>
         </p:nvPicPr>
         <p:blipFill>
-          <a:blip r:embed="rId2"/>
+          <a:blip r:embed="rId2" cstate="print">
+            <a:extLst>
+              <a:ext uri="{28A0092B-C50C-407E-A947-70E740481C1C}">
+                <a14:useLocalDpi xmlns:a14="http://schemas.microsoft.com/office/drawing/2010/main" val="0"/>
+              </a:ext>
+            </a:extLst>
+          </a:blip>
+          <a:srcRect/>
           <a:stretch>
             <a:fillRect/>
           </a:stretch>
         </p:blipFill>
-        <p:spPr>
-          <a:xfrm>
-            <a:off x="626724" y="1529196"/>
-            <a:ext cx="5991225" cy="4610100"/>
-          </a:xfrm>
-          <a:prstGeom prst="rect">
-            <a:avLst/>
-          </a:prstGeom>
-        </p:spPr>
-      </p:pic>
-      <p:sp>
-        <p:nvSpPr>
-          <p:cNvPr id="11" name="TextBox 10"/>
-          <p:cNvSpPr txBox="1"/>
-          <p:nvPr/>
-        </p:nvSpPr>
-        <p:spPr>
-          <a:xfrm>
-            <a:off x="6950058" y="2683033"/>
-            <a:ext cx="4402167" cy="1015663"/>
+        <p:spPr bwMode="auto">
+          <a:xfrm>
+            <a:off x="626724" y="1746606"/>
+            <a:ext cx="3155567" cy="1775007"/>
           </a:xfrm>
           <a:prstGeom prst="rect">
             <a:avLst/>
           </a:prstGeom>
           <a:noFill/>
+          <a:extLst>
+            <a:ext uri="{909E8E84-426E-40DD-AFC4-6F175D3DCCD1}">
+              <a14:hiddenFill xmlns:a14="http://schemas.microsoft.com/office/drawing/2010/main">
+                <a:solidFill>
+                  <a:srgbClr val="FFFFFF"/>
+                </a:solidFill>
+              </a14:hiddenFill>
+            </a:ext>
+          </a:extLst>
+        </p:spPr>
+      </p:pic>
+      <p:sp>
+        <p:nvSpPr>
+          <p:cNvPr id="4" name="TextBox 3"/>
+          <p:cNvSpPr txBox="1"/>
+          <p:nvPr/>
+        </p:nvSpPr>
+        <p:spPr>
+          <a:xfrm>
+            <a:off x="4821381" y="2341721"/>
+            <a:ext cx="3562770" cy="584775"/>
+          </a:xfrm>
+          <a:prstGeom prst="rect">
+            <a:avLst/>
+          </a:prstGeom>
+          <a:noFill/>
         </p:spPr>
         <p:txBody>
           <a:bodyPr wrap="none" rtlCol="0">
@@ -6936,46 +6904,89 @@
           </a:bodyPr>
           <a:lstStyle/>
           <a:p>
-            <a:pPr>
-              <a:lnSpc>
-                <a:spcPct val="150000"/>
-              </a:lnSpc>
-            </a:pPr>
-            <a:r>
-              <a:rPr lang="en-US" sz="2000" dirty="0" smtClean="0">
+            <a:r>
+              <a:rPr lang="en-US" sz="3200" dirty="0" smtClean="0"/>
+              <a:t>This is NOT cookie!</a:t>
+            </a:r>
+            <a:endParaRPr lang="en-GB" sz="3200" dirty="0"/>
+          </a:p>
+        </p:txBody>
+      </p:sp>
+      <p:pic>
+        <p:nvPicPr>
+          <p:cNvPr id="1032" name="Picture 8" descr="ผลการค้นหารูปภาพสำหรับ space doughnut cookie"/>
+          <p:cNvPicPr>
+            <a:picLocks noChangeAspect="1" noChangeArrowheads="1"/>
+          </p:cNvPicPr>
+          <p:nvPr/>
+        </p:nvPicPr>
+        <p:blipFill>
+          <a:blip r:embed="rId3" cstate="print">
+            <a:extLst>
+              <a:ext uri="{28A0092B-C50C-407E-A947-70E740481C1C}">
+                <a14:useLocalDpi xmlns:a14="http://schemas.microsoft.com/office/drawing/2010/main" val="0"/>
+              </a:ext>
+            </a:extLst>
+          </a:blip>
+          <a:srcRect/>
+          <a:stretch>
+            <a:fillRect/>
+          </a:stretch>
+        </p:blipFill>
+        <p:spPr bwMode="auto">
+          <a:xfrm>
+            <a:off x="626723" y="3999817"/>
+            <a:ext cx="3155567" cy="1775007"/>
+          </a:xfrm>
+          <a:prstGeom prst="rect">
+            <a:avLst/>
+          </a:prstGeom>
+          <a:noFill/>
+          <a:extLst>
+            <a:ext uri="{909E8E84-426E-40DD-AFC4-6F175D3DCCD1}">
+              <a14:hiddenFill xmlns:a14="http://schemas.microsoft.com/office/drawing/2010/main">
                 <a:solidFill>
-                  <a:srgbClr val="0070C0"/>
+                  <a:srgbClr val="FFFFFF"/>
                 </a:solidFill>
-              </a:rPr>
-              <a:t>EPU: Policy-focused, no explicit horizon</a:t>
-            </a:r>
-          </a:p>
-          <a:p>
-            <a:pPr>
-              <a:lnSpc>
-                <a:spcPct val="150000"/>
-              </a:lnSpc>
-            </a:pPr>
-            <a:r>
-              <a:rPr lang="en-US" sz="2000" dirty="0" smtClean="0">
-                <a:solidFill>
-                  <a:srgbClr val="FF0000"/>
-                </a:solidFill>
-              </a:rPr>
-              <a:t>VIX: Stock-focused, 30-day horizon</a:t>
-            </a:r>
-            <a:endParaRPr lang="en-GB" sz="2000" dirty="0">
-              <a:solidFill>
-                <a:srgbClr val="FF0000"/>
-              </a:solidFill>
-            </a:endParaRPr>
+              </a14:hiddenFill>
+            </a:ext>
+          </a:extLst>
+        </p:spPr>
+      </p:pic>
+      <p:sp>
+        <p:nvSpPr>
+          <p:cNvPr id="9" name="TextBox 8"/>
+          <p:cNvSpPr txBox="1"/>
+          <p:nvPr/>
+        </p:nvSpPr>
+        <p:spPr>
+          <a:xfrm>
+            <a:off x="4894118" y="4401500"/>
+            <a:ext cx="2909771" cy="584775"/>
+          </a:xfrm>
+          <a:prstGeom prst="rect">
+            <a:avLst/>
+          </a:prstGeom>
+          <a:noFill/>
+        </p:spPr>
+        <p:txBody>
+          <a:bodyPr wrap="none" rtlCol="0">
+            <a:spAutoFit/>
+          </a:bodyPr>
+          <a:lstStyle/>
+          <a:p>
+            <a:r>
+              <a:rPr lang="en-US" sz="3200" dirty="0" smtClean="0"/>
+              <a:t>This is a cookie!</a:t>
+            </a:r>
+            <a:endParaRPr lang="en-GB" sz="3200" dirty="0"/>
           </a:p>
         </p:txBody>
       </p:sp>
     </p:spTree>
     <p:extLst>
       <p:ext uri="{BB962C8B-B14F-4D97-AF65-F5344CB8AC3E}">
-        <p14:creationId xmlns:p14="http://schemas.microsoft.com/office/powerpoint/2010/main" val="1523266543"/>
+        <p14:creationId xmlns:p14="http://schemas.microsoft.com/office/powerpoint/2010/main" val="3820116033"/>
       </p:ext>
     </p:extLst>
   </p:cSld>
@@ -7274,90 +7285,6 @@
           <a:bodyPr/>
           <a:lstStyle/>
           <a:p>
-            <a:pPr marL="0" indent="0">
-              <a:buNone/>
-            </a:pPr>
-            <a:r>
-              <a:rPr lang="en-US" sz="2400" b="1" dirty="0" smtClean="0"/>
-              <a:t>Motivation</a:t>
-            </a:r>
-            <a:r>
-              <a:rPr lang="en-US" sz="2400" dirty="0" smtClean="0"/>
-              <a:t>: There is no EPU index for Thailand, so let’s try making one.</a:t>
-            </a:r>
-          </a:p>
-          <a:p>
-            <a:pPr marL="0" indent="0">
-              <a:buNone/>
-            </a:pPr>
-            <a:r>
-              <a:rPr lang="en-US" sz="2400" b="1" dirty="0" smtClean="0"/>
-              <a:t>Data Source</a:t>
-            </a:r>
-            <a:r>
-              <a:rPr lang="en-US" sz="2400" dirty="0" smtClean="0"/>
-              <a:t>: Internet Articles</a:t>
-            </a:r>
-          </a:p>
-          <a:p>
-            <a:pPr marL="0" indent="0">
-              <a:buNone/>
-            </a:pPr>
-            <a:r>
-              <a:rPr lang="en-US" sz="2400" b="1" dirty="0" smtClean="0"/>
-              <a:t>Buckets</a:t>
-            </a:r>
-            <a:r>
-              <a:rPr lang="en-US" sz="2400" dirty="0" smtClean="0"/>
-              <a:t>: Think about what words should represent Thailand, land of smile!</a:t>
-            </a:r>
-          </a:p>
-          <a:p>
-            <a:pPr marL="0" indent="0">
-              <a:buNone/>
-            </a:pPr>
-            <a:endParaRPr lang="en-US" sz="2400" dirty="0"/>
-          </a:p>
-          <a:p>
-            <a:pPr marL="0" indent="0">
-              <a:buNone/>
-            </a:pPr>
-            <a:r>
-              <a:rPr lang="en-US" sz="2400" dirty="0" smtClean="0"/>
-              <a:t>(USA) Three </a:t>
-            </a:r>
-            <a:r>
-              <a:rPr lang="en-US" sz="2400" dirty="0"/>
-              <a:t>buckets of words contain E-P-U buckets.</a:t>
-            </a:r>
-          </a:p>
-          <a:p>
-            <a:r>
-              <a:rPr lang="en-US" sz="2400" dirty="0"/>
-              <a:t>U</a:t>
-            </a:r>
-            <a:r>
-              <a:rPr lang="th-TH" sz="2400" dirty="0"/>
-              <a:t> </a:t>
-            </a:r>
-            <a:r>
-              <a:rPr lang="en-US" sz="2400" dirty="0"/>
-              <a:t>buckets = (uncertainty, uncertain),</a:t>
-            </a:r>
-          </a:p>
-          <a:p>
-            <a:r>
-              <a:rPr lang="en-US" sz="2400" dirty="0"/>
-              <a:t>E buckets = (economic, economy)</a:t>
-            </a:r>
-          </a:p>
-          <a:p>
-            <a:r>
-              <a:rPr lang="en-US" sz="2400" dirty="0"/>
-              <a:t>P buckets = (congress, deficit, Federal Reserve, legislation)</a:t>
-            </a:r>
-          </a:p>
-          <a:p>
             <a:endParaRPr lang="en-GB" dirty="0"/>
           </a:p>
         </p:txBody>
@@ -7379,7 +7306,15 @@
           <a:p>
             <a:r>
               <a:rPr lang="en-US" dirty="0" smtClean="0"/>
-              <a:t>Activities</a:t>
+              <a:t>Evaluation: EPU </a:t>
+            </a:r>
+            <a:r>
+              <a:rPr lang="en-US" dirty="0" err="1" smtClean="0"/>
+              <a:t>vs</a:t>
+            </a:r>
+            <a:r>
+              <a:rPr lang="en-US" dirty="0" smtClean="0"/>
+              <a:t> VIX</a:t>
             </a:r>
             <a:endParaRPr lang="en-GB" dirty="0"/>
           </a:p>
@@ -7387,7 +7322,7 @@
       </p:sp>
       <p:pic>
         <p:nvPicPr>
-          <p:cNvPr id="5" name="Picture 4"/>
+          <p:cNvPr id="10" name="Picture 9"/>
           <p:cNvPicPr>
             <a:picLocks noChangeAspect="1"/>
           </p:cNvPicPr>
@@ -7401,18 +7336,76 @@
         </p:blipFill>
         <p:spPr>
           <a:xfrm>
-            <a:off x="8932717" y="3366654"/>
-            <a:ext cx="2587337" cy="2587337"/>
+            <a:off x="626724" y="1529196"/>
+            <a:ext cx="5991225" cy="4610100"/>
           </a:xfrm>
           <a:prstGeom prst="rect">
             <a:avLst/>
           </a:prstGeom>
         </p:spPr>
       </p:pic>
+      <p:sp>
+        <p:nvSpPr>
+          <p:cNvPr id="11" name="TextBox 10"/>
+          <p:cNvSpPr txBox="1"/>
+          <p:nvPr/>
+        </p:nvSpPr>
+        <p:spPr>
+          <a:xfrm>
+            <a:off x="6950058" y="2683033"/>
+            <a:ext cx="4402167" cy="1015663"/>
+          </a:xfrm>
+          <a:prstGeom prst="rect">
+            <a:avLst/>
+          </a:prstGeom>
+          <a:noFill/>
+        </p:spPr>
+        <p:txBody>
+          <a:bodyPr wrap="none" rtlCol="0">
+            <a:spAutoFit/>
+          </a:bodyPr>
+          <a:lstStyle/>
+          <a:p>
+            <a:pPr>
+              <a:lnSpc>
+                <a:spcPct val="150000"/>
+              </a:lnSpc>
+            </a:pPr>
+            <a:r>
+              <a:rPr lang="en-US" sz="2000" dirty="0" smtClean="0">
+                <a:solidFill>
+                  <a:srgbClr val="0070C0"/>
+                </a:solidFill>
+              </a:rPr>
+              <a:t>EPU: Policy-focused, no explicit horizon</a:t>
+            </a:r>
+          </a:p>
+          <a:p>
+            <a:pPr>
+              <a:lnSpc>
+                <a:spcPct val="150000"/>
+              </a:lnSpc>
+            </a:pPr>
+            <a:r>
+              <a:rPr lang="en-US" sz="2000" dirty="0" smtClean="0">
+                <a:solidFill>
+                  <a:srgbClr val="FF0000"/>
+                </a:solidFill>
+              </a:rPr>
+              <a:t>VIX: Stock-focused, 30-day horizon</a:t>
+            </a:r>
+            <a:endParaRPr lang="en-GB" sz="2000" dirty="0">
+              <a:solidFill>
+                <a:srgbClr val="FF0000"/>
+              </a:solidFill>
+            </a:endParaRPr>
+          </a:p>
+        </p:txBody>
+      </p:sp>
     </p:spTree>
     <p:extLst>
       <p:ext uri="{BB962C8B-B14F-4D97-AF65-F5344CB8AC3E}">
-        <p14:creationId xmlns:p14="http://schemas.microsoft.com/office/powerpoint/2010/main" val="938812102"/>
+        <p14:creationId xmlns:p14="http://schemas.microsoft.com/office/powerpoint/2010/main" val="1523266543"/>
       </p:ext>
     </p:extLst>
   </p:cSld>
@@ -7458,137 +7451,94 @@
         </p:nvSpPr>
         <p:spPr/>
         <p:txBody>
-          <a:bodyPr>
-            <a:normAutofit/>
-          </a:bodyPr>
+          <a:bodyPr/>
           <a:lstStyle/>
           <a:p>
             <a:pPr marL="0" indent="0">
-              <a:lnSpc>
-                <a:spcPct val="150000"/>
-              </a:lnSpc>
               <a:buNone/>
             </a:pPr>
             <a:r>
-              <a:rPr lang="en-GB" sz="2000" dirty="0" smtClean="0"/>
-              <a:t>- </a:t>
-            </a:r>
-            <a:r>
-              <a:rPr lang="en-GB" sz="2000" dirty="0" err="1" smtClean="0"/>
-              <a:t>Altig</a:t>
-            </a:r>
-            <a:r>
-              <a:rPr lang="en-GB" sz="2000" dirty="0"/>
-              <a:t>, D., Baker, S., </a:t>
-            </a:r>
-            <a:r>
-              <a:rPr lang="en-GB" sz="2000" dirty="0" err="1"/>
-              <a:t>Barrero</a:t>
-            </a:r>
-            <a:r>
-              <a:rPr lang="en-GB" sz="2000" dirty="0"/>
-              <a:t>, J.M., Bloom, N., Bunn, P., Chen, S., Davis, S.J., Leather, J., Meyer, B</a:t>
-            </a:r>
-            <a:r>
-              <a:rPr lang="en-GB" sz="2000" dirty="0" smtClean="0"/>
-              <a:t>., </a:t>
-            </a:r>
-            <a:r>
-              <a:rPr lang="en-GB" sz="2000" dirty="0" err="1" smtClean="0"/>
-              <a:t>Mihaylov</a:t>
-            </a:r>
-            <a:r>
-              <a:rPr lang="en-GB" sz="2000" dirty="0"/>
-              <a:t>, E. and </a:t>
-            </a:r>
-            <a:r>
-              <a:rPr lang="en-GB" sz="2000" dirty="0" err="1"/>
-              <a:t>Mizen</a:t>
-            </a:r>
-            <a:r>
-              <a:rPr lang="en-GB" sz="2000" dirty="0"/>
-              <a:t>, P., 2020. Economic uncertainty before and during the </a:t>
-            </a:r>
-            <a:r>
-              <a:rPr lang="en-GB" sz="2000" dirty="0" smtClean="0"/>
-              <a:t>COVID-19 pandemic</a:t>
-            </a:r>
-            <a:r>
-              <a:rPr lang="en-GB" sz="2000" dirty="0"/>
-              <a:t>. </a:t>
-            </a:r>
-            <a:r>
-              <a:rPr lang="en-GB" sz="2000" i="1" dirty="0"/>
-              <a:t>Journal of Public Economics, 191</a:t>
-            </a:r>
-            <a:r>
-              <a:rPr lang="en-GB" sz="2000" dirty="0"/>
-              <a:t>, p.104274.</a:t>
+              <a:rPr lang="en-US" sz="2400" b="1" dirty="0" smtClean="0"/>
+              <a:t>Motivation</a:t>
+            </a:r>
+            <a:r>
+              <a:rPr lang="en-US" sz="2400" dirty="0" smtClean="0"/>
+              <a:t>: There is no EPU index for Thailand, so let’s try making one.</a:t>
             </a:r>
           </a:p>
           <a:p>
             <a:pPr marL="0" indent="0">
-              <a:lnSpc>
-                <a:spcPct val="150000"/>
-              </a:lnSpc>
               <a:buNone/>
             </a:pPr>
             <a:r>
-              <a:rPr lang="en-GB" sz="2000" dirty="0" smtClean="0"/>
-              <a:t>- Baker</a:t>
-            </a:r>
-            <a:r>
-              <a:rPr lang="en-GB" sz="2000" dirty="0"/>
-              <a:t>, S.R., Bloom, N., Davis, S.J. and Terry, S.J., 2020. </a:t>
-            </a:r>
-            <a:r>
-              <a:rPr lang="en-GB" sz="2000" i="1" dirty="0" err="1"/>
-              <a:t>Covid</a:t>
-            </a:r>
-            <a:r>
-              <a:rPr lang="en-GB" sz="2000" i="1" dirty="0"/>
-              <a:t>-induced economic uncertainty</a:t>
-            </a:r>
-            <a:r>
-              <a:rPr lang="en-GB" sz="2000" dirty="0"/>
-              <a:t> (</a:t>
-            </a:r>
-            <a:r>
-              <a:rPr lang="en-GB" sz="2000" dirty="0" smtClean="0"/>
-              <a:t>No. w26983</a:t>
-            </a:r>
-            <a:r>
-              <a:rPr lang="en-GB" sz="2000" dirty="0"/>
-              <a:t>). National Bureau of Economic Research.</a:t>
+              <a:rPr lang="en-US" sz="2400" b="1" dirty="0" smtClean="0"/>
+              <a:t>Data Source</a:t>
+            </a:r>
+            <a:r>
+              <a:rPr lang="en-US" sz="2400" dirty="0" smtClean="0"/>
+              <a:t>: Internet Articles</a:t>
             </a:r>
           </a:p>
           <a:p>
             <a:pPr marL="0" indent="0">
-              <a:lnSpc>
-                <a:spcPct val="150000"/>
-              </a:lnSpc>
               <a:buNone/>
             </a:pPr>
             <a:r>
-              <a:rPr lang="en-GB" sz="2000" dirty="0" smtClean="0"/>
-              <a:t>- Baker</a:t>
-            </a:r>
-            <a:r>
-              <a:rPr lang="en-GB" sz="2000" dirty="0"/>
-              <a:t>, S.R., Bloom, N. and Davis, S.J., 2016. Measuring economic policy uncertainty. </a:t>
-            </a:r>
-            <a:r>
-              <a:rPr lang="en-GB" sz="2000" i="1" dirty="0" smtClean="0"/>
-              <a:t>The quarterly </a:t>
-            </a:r>
-            <a:r>
-              <a:rPr lang="en-GB" sz="2000" i="1" dirty="0"/>
-              <a:t>journal of economics, 131</a:t>
-            </a:r>
-            <a:r>
-              <a:rPr lang="en-GB" sz="2000" dirty="0"/>
-              <a:t>(4), pp.1593-1636.</a:t>
-            </a:r>
+              <a:rPr lang="en-US" sz="2400" b="1" dirty="0" smtClean="0"/>
+              <a:t>Buckets</a:t>
+            </a:r>
+            <a:r>
+              <a:rPr lang="en-US" sz="2400" dirty="0" smtClean="0"/>
+              <a:t>: Think about what words should represent Thailand, land of smile!</a:t>
+            </a:r>
+          </a:p>
+          <a:p>
+            <a:pPr marL="0" indent="0">
+              <a:buNone/>
+            </a:pPr>
+            <a:endParaRPr lang="en-US" sz="2400" dirty="0"/>
+          </a:p>
+          <a:p>
+            <a:pPr marL="0" indent="0">
+              <a:buNone/>
+            </a:pPr>
+            <a:r>
+              <a:rPr lang="en-US" sz="2400" dirty="0" smtClean="0"/>
+              <a:t>(USA) Three </a:t>
+            </a:r>
+            <a:r>
+              <a:rPr lang="en-US" sz="2400" dirty="0"/>
+              <a:t>buckets of words contain E-P-U buckets.</a:t>
+            </a:r>
+          </a:p>
+          <a:p>
+            <a:r>
+              <a:rPr lang="en-US" sz="2400" dirty="0"/>
+              <a:t>U</a:t>
+            </a:r>
+            <a:r>
+              <a:rPr lang="th-TH" sz="2400" dirty="0"/>
+              <a:t> </a:t>
+            </a:r>
+            <a:r>
+              <a:rPr lang="en-US" sz="2400" dirty="0"/>
+              <a:t>buckets = (uncertainty, uncertain),</a:t>
+            </a:r>
+          </a:p>
+          <a:p>
+            <a:r>
+              <a:rPr lang="en-US" sz="2400" dirty="0"/>
+              <a:t>E buckets = (economic, economy)</a:t>
+            </a:r>
+          </a:p>
+          <a:p>
+            <a:r>
+              <a:rPr lang="en-US" sz="2400" dirty="0"/>
+              <a:t>P buckets = (congress, deficit, Federal Reserve, legislation)</a:t>
+            </a:r>
+          </a:p>
+          <a:p>
+            <a:endParaRPr lang="en-GB" dirty="0"/>
           </a:p>
         </p:txBody>
       </p:sp>
@@ -7609,16 +7559,40 @@
           <a:p>
             <a:r>
               <a:rPr lang="en-US" dirty="0" smtClean="0"/>
-              <a:t>References</a:t>
+              <a:t>Activities</a:t>
             </a:r>
             <a:endParaRPr lang="en-GB" dirty="0"/>
           </a:p>
         </p:txBody>
       </p:sp>
+      <p:pic>
+        <p:nvPicPr>
+          <p:cNvPr id="5" name="Picture 4"/>
+          <p:cNvPicPr>
+            <a:picLocks noChangeAspect="1"/>
+          </p:cNvPicPr>
+          <p:nvPr/>
+        </p:nvPicPr>
+        <p:blipFill>
+          <a:blip r:embed="rId2"/>
+          <a:stretch>
+            <a:fillRect/>
+          </a:stretch>
+        </p:blipFill>
+        <p:spPr>
+          <a:xfrm>
+            <a:off x="8932717" y="3366654"/>
+            <a:ext cx="2587337" cy="2587337"/>
+          </a:xfrm>
+          <a:prstGeom prst="rect">
+            <a:avLst/>
+          </a:prstGeom>
+        </p:spPr>
+      </p:pic>
     </p:spTree>
     <p:extLst>
       <p:ext uri="{BB962C8B-B14F-4D97-AF65-F5344CB8AC3E}">
-        <p14:creationId xmlns:p14="http://schemas.microsoft.com/office/powerpoint/2010/main" val="3203043342"/>
+        <p14:creationId xmlns:p14="http://schemas.microsoft.com/office/powerpoint/2010/main" val="938812102"/>
       </p:ext>
     </p:extLst>
   </p:cSld>
@@ -7664,6 +7638,212 @@
         </p:nvSpPr>
         <p:spPr/>
         <p:txBody>
+          <a:bodyPr>
+            <a:normAutofit/>
+          </a:bodyPr>
+          <a:lstStyle/>
+          <a:p>
+            <a:pPr marL="0" indent="0">
+              <a:lnSpc>
+                <a:spcPct val="150000"/>
+              </a:lnSpc>
+              <a:buNone/>
+            </a:pPr>
+            <a:r>
+              <a:rPr lang="en-GB" sz="2000" dirty="0" smtClean="0"/>
+              <a:t>- </a:t>
+            </a:r>
+            <a:r>
+              <a:rPr lang="en-GB" sz="2000" dirty="0" err="1" smtClean="0"/>
+              <a:t>Altig</a:t>
+            </a:r>
+            <a:r>
+              <a:rPr lang="en-GB" sz="2000" dirty="0"/>
+              <a:t>, D., Baker, S., </a:t>
+            </a:r>
+            <a:r>
+              <a:rPr lang="en-GB" sz="2000" dirty="0" err="1"/>
+              <a:t>Barrero</a:t>
+            </a:r>
+            <a:r>
+              <a:rPr lang="en-GB" sz="2000" dirty="0"/>
+              <a:t>, J.M., Bloom, N., Bunn, P., Chen, S., Davis, S.J., Leather, J., Meyer, B</a:t>
+            </a:r>
+            <a:r>
+              <a:rPr lang="en-GB" sz="2000" dirty="0" smtClean="0"/>
+              <a:t>., </a:t>
+            </a:r>
+            <a:r>
+              <a:rPr lang="en-GB" sz="2000" dirty="0" err="1" smtClean="0"/>
+              <a:t>Mihaylov</a:t>
+            </a:r>
+            <a:r>
+              <a:rPr lang="en-GB" sz="2000" dirty="0"/>
+              <a:t>, E. and </a:t>
+            </a:r>
+            <a:r>
+              <a:rPr lang="en-GB" sz="2000" dirty="0" err="1"/>
+              <a:t>Mizen</a:t>
+            </a:r>
+            <a:r>
+              <a:rPr lang="en-GB" sz="2000" dirty="0"/>
+              <a:t>, P., 2020. Economic uncertainty before and during the </a:t>
+            </a:r>
+            <a:r>
+              <a:rPr lang="en-GB" sz="2000" dirty="0" smtClean="0"/>
+              <a:t>COVID-19 pandemic</a:t>
+            </a:r>
+            <a:r>
+              <a:rPr lang="en-GB" sz="2000" dirty="0"/>
+              <a:t>. </a:t>
+            </a:r>
+            <a:r>
+              <a:rPr lang="en-GB" sz="2000" i="1" dirty="0"/>
+              <a:t>Journal of Public Economics, 191</a:t>
+            </a:r>
+            <a:r>
+              <a:rPr lang="en-GB" sz="2000" dirty="0"/>
+              <a:t>, p.104274.</a:t>
+            </a:r>
+          </a:p>
+          <a:p>
+            <a:pPr marL="0" indent="0">
+              <a:lnSpc>
+                <a:spcPct val="150000"/>
+              </a:lnSpc>
+              <a:buNone/>
+            </a:pPr>
+            <a:r>
+              <a:rPr lang="en-GB" sz="2000" dirty="0" smtClean="0"/>
+              <a:t>- Baker</a:t>
+            </a:r>
+            <a:r>
+              <a:rPr lang="en-GB" sz="2000" dirty="0"/>
+              <a:t>, S.R., Bloom, N., Davis, S.J. and Terry, S.J., 2020. </a:t>
+            </a:r>
+            <a:r>
+              <a:rPr lang="en-GB" sz="2000" i="1" dirty="0" err="1"/>
+              <a:t>Covid</a:t>
+            </a:r>
+            <a:r>
+              <a:rPr lang="en-GB" sz="2000" i="1" dirty="0"/>
+              <a:t>-induced economic uncertainty</a:t>
+            </a:r>
+            <a:r>
+              <a:rPr lang="en-GB" sz="2000" dirty="0"/>
+              <a:t> (</a:t>
+            </a:r>
+            <a:r>
+              <a:rPr lang="en-GB" sz="2000" dirty="0" smtClean="0"/>
+              <a:t>No. w26983</a:t>
+            </a:r>
+            <a:r>
+              <a:rPr lang="en-GB" sz="2000" dirty="0"/>
+              <a:t>). National Bureau of Economic Research.</a:t>
+            </a:r>
+          </a:p>
+          <a:p>
+            <a:pPr marL="0" indent="0">
+              <a:lnSpc>
+                <a:spcPct val="150000"/>
+              </a:lnSpc>
+              <a:buNone/>
+            </a:pPr>
+            <a:r>
+              <a:rPr lang="en-GB" sz="2000" dirty="0" smtClean="0"/>
+              <a:t>- Baker</a:t>
+            </a:r>
+            <a:r>
+              <a:rPr lang="en-GB" sz="2000" dirty="0"/>
+              <a:t>, S.R., Bloom, N. and Davis, S.J., 2016. Measuring economic policy uncertainty. </a:t>
+            </a:r>
+            <a:r>
+              <a:rPr lang="en-GB" sz="2000" i="1" dirty="0" smtClean="0"/>
+              <a:t>The quarterly </a:t>
+            </a:r>
+            <a:r>
+              <a:rPr lang="en-GB" sz="2000" i="1" dirty="0"/>
+              <a:t>journal of economics, 131</a:t>
+            </a:r>
+            <a:r>
+              <a:rPr lang="en-GB" sz="2000" dirty="0"/>
+              <a:t>(4), pp.1593-1636.</a:t>
+            </a:r>
+          </a:p>
+        </p:txBody>
+      </p:sp>
+      <p:sp>
+        <p:nvSpPr>
+          <p:cNvPr id="3" name="Title 2"/>
+          <p:cNvSpPr>
+            <a:spLocks noGrp="1"/>
+          </p:cNvSpPr>
+          <p:nvPr>
+            <p:ph type="title"/>
+          </p:nvPr>
+        </p:nvSpPr>
+        <p:spPr/>
+        <p:txBody>
+          <a:bodyPr/>
+          <a:lstStyle/>
+          <a:p>
+            <a:r>
+              <a:rPr lang="en-US" dirty="0" smtClean="0"/>
+              <a:t>References</a:t>
+            </a:r>
+            <a:endParaRPr lang="en-GB" dirty="0"/>
+          </a:p>
+        </p:txBody>
+      </p:sp>
+    </p:spTree>
+    <p:extLst>
+      <p:ext uri="{BB962C8B-B14F-4D97-AF65-F5344CB8AC3E}">
+        <p14:creationId xmlns:p14="http://schemas.microsoft.com/office/powerpoint/2010/main" val="3203043342"/>
+      </p:ext>
+    </p:extLst>
+  </p:cSld>
+  <p:clrMapOvr>
+    <a:masterClrMapping/>
+  </p:clrMapOvr>
+  <p:timing>
+    <p:tnLst>
+      <p:par>
+        <p:cTn id="1" dur="indefinite" restart="never" nodeType="tmRoot"/>
+      </p:par>
+    </p:tnLst>
+  </p:timing>
+</p:sld>
+</file>
+
+<file path=ppt/slides/slide23.xml><?xml version="1.0" encoding="utf-8"?>
+<p:sld xmlns:a="http://schemas.openxmlformats.org/drawingml/2006/main" xmlns:r="http://schemas.openxmlformats.org/officeDocument/2006/relationships" xmlns:p="http://schemas.openxmlformats.org/presentationml/2006/main">
+  <p:cSld>
+    <p:spTree>
+      <p:nvGrpSpPr>
+        <p:cNvPr id="1" name=""/>
+        <p:cNvGrpSpPr/>
+        <p:nvPr/>
+      </p:nvGrpSpPr>
+      <p:grpSpPr>
+        <a:xfrm>
+          <a:off x="0" y="0"/>
+          <a:ext cx="0" cy="0"/>
+          <a:chOff x="0" y="0"/>
+          <a:chExt cx="0" cy="0"/>
+        </a:xfrm>
+      </p:grpSpPr>
+      <p:sp>
+        <p:nvSpPr>
+          <p:cNvPr id="2" name="Content Placeholder 1"/>
+          <p:cNvSpPr>
+            <a:spLocks noGrp="1"/>
+          </p:cNvSpPr>
+          <p:nvPr>
+            <p:ph idx="1"/>
+          </p:nvPr>
+        </p:nvSpPr>
+        <p:spPr/>
+        <p:txBody>
           <a:bodyPr/>
           <a:lstStyle/>
           <a:p>
@@ -7743,7 +7923,7 @@
 </p:sld>
 </file>
 
-<file path=ppt/slides/slide23.xml><?xml version="1.0" encoding="utf-8"?>
+<file path=ppt/slides/slide24.xml><?xml version="1.0" encoding="utf-8"?>
 <p:sld xmlns:a="http://schemas.openxmlformats.org/drawingml/2006/main" xmlns:r="http://schemas.openxmlformats.org/officeDocument/2006/relationships" xmlns:p="http://schemas.openxmlformats.org/presentationml/2006/main">
   <p:cSld>
     <p:spTree>
@@ -7909,80 +8089,28 @@
           <a:bodyPr/>
           <a:lstStyle/>
           <a:p>
+            <a:endParaRPr lang="en-GB" dirty="0"/>
+          </a:p>
+        </p:txBody>
+      </p:sp>
+      <p:sp>
+        <p:nvSpPr>
+          <p:cNvPr id="3" name="Title 2"/>
+          <p:cNvSpPr>
+            <a:spLocks noGrp="1"/>
+          </p:cNvSpPr>
+          <p:nvPr>
+            <p:ph type="title"/>
+          </p:nvPr>
+        </p:nvSpPr>
+        <p:spPr/>
+        <p:txBody>
+          <a:bodyPr/>
+          <a:lstStyle/>
+          <a:p>
             <a:r>
               <a:rPr lang="en-US" dirty="0" smtClean="0"/>
-              <a:t>Economic Uncertainty Before and After Covid-19</a:t>
-            </a:r>
-          </a:p>
-          <a:p>
-            <a:pPr marL="0" indent="0">
-              <a:buNone/>
-            </a:pPr>
-            <a:r>
-              <a:rPr lang="en-US" sz="2400" i="1" dirty="0" smtClean="0"/>
-              <a:t>   Goal: Look at uncertainty measures before and after Covid-19</a:t>
-            </a:r>
-          </a:p>
-          <a:p>
-            <a:r>
-              <a:rPr lang="en-US" dirty="0" smtClean="0"/>
-              <a:t>Impact of Policy Uncertainty on Economy</a:t>
-            </a:r>
-          </a:p>
-          <a:p>
-            <a:pPr marL="0" indent="0">
-              <a:buNone/>
-            </a:pPr>
-            <a:r>
-              <a:rPr lang="en-US" sz="2400" i="1" dirty="0" smtClean="0"/>
-              <a:t>   Goal: Survey methodology used for estimating the impact</a:t>
-            </a:r>
-          </a:p>
-          <a:p>
-            <a:r>
-              <a:rPr lang="en-US" sz="2400" dirty="0"/>
-              <a:t>Economic Policy Uncertainty (EPU) Index</a:t>
-            </a:r>
-          </a:p>
-          <a:p>
-            <a:pPr marL="0" indent="0">
-              <a:buNone/>
-            </a:pPr>
-            <a:r>
-              <a:rPr lang="en-US" sz="2000" i="1" dirty="0"/>
-              <a:t>   </a:t>
-            </a:r>
-            <a:r>
-              <a:rPr lang="en-US" sz="2400" i="1" dirty="0"/>
-              <a:t>Goal: Construct a toy example on EPU</a:t>
-            </a:r>
-          </a:p>
-          <a:p>
-            <a:pPr marL="0" indent="0">
-              <a:buNone/>
-            </a:pPr>
-            <a:endParaRPr lang="en-GB" sz="2400" i="1" dirty="0"/>
-          </a:p>
-        </p:txBody>
-      </p:sp>
-      <p:sp>
-        <p:nvSpPr>
-          <p:cNvPr id="3" name="Title 2"/>
-          <p:cNvSpPr>
-            <a:spLocks noGrp="1"/>
-          </p:cNvSpPr>
-          <p:nvPr>
-            <p:ph type="title"/>
-          </p:nvPr>
-        </p:nvSpPr>
-        <p:spPr/>
-        <p:txBody>
-          <a:bodyPr/>
-          <a:lstStyle/>
-          <a:p>
-            <a:r>
-              <a:rPr lang="en-US" dirty="0" smtClean="0"/>
-              <a:t>How do Uncertainty Impact Economic Activity?</a:t>
+              <a:t>When Cookies Saw My Slides Last Night, …</a:t>
             </a:r>
             <a:endParaRPr lang="en-GB" dirty="0"/>
           </a:p>
@@ -7990,49 +8118,226 @@
       </p:sp>
       <p:pic>
         <p:nvPicPr>
-          <p:cNvPr id="7170" name="Picture 2" descr="ผลการค้นหารูปภาพสำหรับ cookiemal cookierun sprite"/>
+          <p:cNvPr id="6" name="Picture 5"/>
           <p:cNvPicPr>
-            <a:picLocks noChangeAspect="1" noChangeArrowheads="1"/>
+            <a:picLocks noChangeAspect="1"/>
           </p:cNvPicPr>
           <p:nvPr/>
         </p:nvPicPr>
         <p:blipFill>
-          <a:blip r:embed="rId2">
-            <a:extLst>
-              <a:ext uri="{28A0092B-C50C-407E-A947-70E740481C1C}">
-                <a14:useLocalDpi xmlns:a14="http://schemas.microsoft.com/office/drawing/2010/main" val="0"/>
-              </a:ext>
-            </a:extLst>
-          </a:blip>
-          <a:srcRect/>
+          <a:blip r:embed="rId2"/>
           <a:stretch>
             <a:fillRect/>
           </a:stretch>
         </p:blipFill>
-        <p:spPr bwMode="auto">
-          <a:xfrm>
-            <a:off x="9122929" y="3480956"/>
-            <a:ext cx="2057689" cy="2057689"/>
+        <p:spPr>
+          <a:xfrm>
+            <a:off x="2971403" y="2350626"/>
+            <a:ext cx="2332339" cy="2090304"/>
+          </a:xfrm>
+          <a:prstGeom prst="rect">
+            <a:avLst/>
+          </a:prstGeom>
+        </p:spPr>
+      </p:pic>
+      <p:pic>
+        <p:nvPicPr>
+          <p:cNvPr id="7" name="Picture 6"/>
+          <p:cNvPicPr>
+            <a:picLocks noChangeAspect="1"/>
+          </p:cNvPicPr>
+          <p:nvPr/>
+        </p:nvPicPr>
+        <p:blipFill>
+          <a:blip r:embed="rId3"/>
+          <a:stretch>
+            <a:fillRect/>
+          </a:stretch>
+        </p:blipFill>
+        <p:spPr>
+          <a:xfrm>
+            <a:off x="626724" y="2350626"/>
+            <a:ext cx="2344680" cy="2090304"/>
+          </a:xfrm>
+          <a:prstGeom prst="rect">
+            <a:avLst/>
+          </a:prstGeom>
+        </p:spPr>
+      </p:pic>
+      <p:sp>
+        <p:nvSpPr>
+          <p:cNvPr id="8" name="TextBox 7"/>
+          <p:cNvSpPr txBox="1"/>
+          <p:nvPr/>
+        </p:nvSpPr>
+        <p:spPr>
+          <a:xfrm>
+            <a:off x="1134341" y="5044949"/>
+            <a:ext cx="3655681" cy="461665"/>
           </a:xfrm>
           <a:prstGeom prst="rect">
             <a:avLst/>
           </a:prstGeom>
           <a:noFill/>
-          <a:extLst>
-            <a:ext uri="{909E8E84-426E-40DD-AFC4-6F175D3DCCD1}">
-              <a14:hiddenFill xmlns:a14="http://schemas.microsoft.com/office/drawing/2010/main">
+        </p:spPr>
+        <p:txBody>
+          <a:bodyPr wrap="none" rtlCol="0">
+            <a:spAutoFit/>
+          </a:bodyPr>
+          <a:lstStyle/>
+          <a:p>
+            <a:r>
+              <a:rPr lang="en-US" sz="2400" dirty="0" smtClean="0">
                 <a:solidFill>
-                  <a:srgbClr val="FFFFFF"/>
+                  <a:srgbClr val="7030A0"/>
                 </a:solidFill>
-              </a14:hiddenFill>
-            </a:ext>
-          </a:extLst>
+              </a:rPr>
+              <a:t>Writing a Paper (Last week)</a:t>
+            </a:r>
+            <a:endParaRPr lang="en-GB" sz="2400" dirty="0">
+              <a:solidFill>
+                <a:srgbClr val="7030A0"/>
+              </a:solidFill>
+            </a:endParaRPr>
+          </a:p>
+        </p:txBody>
+      </p:sp>
+      <p:pic>
+        <p:nvPicPr>
+          <p:cNvPr id="9" name="Picture 8"/>
+          <p:cNvPicPr>
+            <a:picLocks noChangeAspect="1"/>
+          </p:cNvPicPr>
+          <p:nvPr/>
+        </p:nvPicPr>
+        <p:blipFill rotWithShape="1">
+          <a:blip r:embed="rId4"/>
+          <a:srcRect b="52740"/>
+          <a:stretch/>
+        </p:blipFill>
+        <p:spPr>
+          <a:xfrm>
+            <a:off x="8782051" y="2451456"/>
+            <a:ext cx="2084580" cy="1951210"/>
+          </a:xfrm>
+          <a:prstGeom prst="rect">
+            <a:avLst/>
+          </a:prstGeom>
+        </p:spPr>
+      </p:pic>
+      <p:pic>
+        <p:nvPicPr>
+          <p:cNvPr id="10" name="Picture 9"/>
+          <p:cNvPicPr>
+            <a:picLocks noChangeAspect="1"/>
+          </p:cNvPicPr>
+          <p:nvPr/>
+        </p:nvPicPr>
+        <p:blipFill rotWithShape="1">
+          <a:blip r:embed="rId5"/>
+          <a:srcRect r="3469" b="53696"/>
+          <a:stretch/>
+        </p:blipFill>
+        <p:spPr>
+          <a:xfrm>
+            <a:off x="6520717" y="2451456"/>
+            <a:ext cx="2278740" cy="1951210"/>
+          </a:xfrm>
+          <a:prstGeom prst="rect">
+            <a:avLst/>
+          </a:prstGeom>
+        </p:spPr>
+      </p:pic>
+      <p:sp>
+        <p:nvSpPr>
+          <p:cNvPr id="13" name="TextBox 12"/>
+          <p:cNvSpPr txBox="1"/>
+          <p:nvPr/>
+        </p:nvSpPr>
+        <p:spPr>
+          <a:xfrm>
+            <a:off x="6914392" y="5044948"/>
+            <a:ext cx="3735318" cy="461665"/>
+          </a:xfrm>
+          <a:prstGeom prst="rect">
+            <a:avLst/>
+          </a:prstGeom>
+          <a:noFill/>
+        </p:spPr>
+        <p:txBody>
+          <a:bodyPr wrap="none" rtlCol="0">
+            <a:spAutoFit/>
+          </a:bodyPr>
+          <a:lstStyle/>
+          <a:p>
+            <a:r>
+              <a:rPr lang="en-US" sz="2400" dirty="0" smtClean="0">
+                <a:solidFill>
+                  <a:srgbClr val="FF0000"/>
+                </a:solidFill>
+              </a:rPr>
+              <a:t>Listening to my talk! (today)</a:t>
+            </a:r>
+            <a:endParaRPr lang="en-GB" sz="2400" dirty="0">
+              <a:solidFill>
+                <a:srgbClr val="FF0000"/>
+              </a:solidFill>
+            </a:endParaRPr>
+          </a:p>
+        </p:txBody>
+      </p:sp>
+      <p:pic>
+        <p:nvPicPr>
+          <p:cNvPr id="14" name="Picture 13"/>
+          <p:cNvPicPr>
+            <a:picLocks noChangeAspect="1"/>
+          </p:cNvPicPr>
+          <p:nvPr/>
+        </p:nvPicPr>
+        <p:blipFill>
+          <a:blip r:embed="rId6"/>
+          <a:stretch>
+            <a:fillRect/>
+          </a:stretch>
+        </p:blipFill>
+        <p:spPr>
+          <a:xfrm>
+            <a:off x="10171306" y="3697816"/>
+            <a:ext cx="695325" cy="704850"/>
+          </a:xfrm>
+          <a:prstGeom prst="rect">
+            <a:avLst/>
+          </a:prstGeom>
+        </p:spPr>
+      </p:pic>
+      <p:pic>
+        <p:nvPicPr>
+          <p:cNvPr id="15" name="Picture 14"/>
+          <p:cNvPicPr>
+            <a:picLocks noChangeAspect="1"/>
+          </p:cNvPicPr>
+          <p:nvPr/>
+        </p:nvPicPr>
+        <p:blipFill>
+          <a:blip r:embed="rId7"/>
+          <a:stretch>
+            <a:fillRect/>
+          </a:stretch>
+        </p:blipFill>
+        <p:spPr>
+          <a:xfrm>
+            <a:off x="8142049" y="3725785"/>
+            <a:ext cx="695325" cy="723900"/>
+          </a:xfrm>
+          <a:prstGeom prst="rect">
+            <a:avLst/>
+          </a:prstGeom>
         </p:spPr>
       </p:pic>
     </p:spTree>
     <p:extLst>
       <p:ext uri="{BB962C8B-B14F-4D97-AF65-F5344CB8AC3E}">
-        <p14:creationId xmlns:p14="http://schemas.microsoft.com/office/powerpoint/2010/main" val="1216161053"/>
+        <p14:creationId xmlns:p14="http://schemas.microsoft.com/office/powerpoint/2010/main" val="205311493"/>
       </p:ext>
     </p:extLst>
   </p:cSld>
@@ -8078,110 +8383,62 @@
         </p:nvSpPr>
         <p:spPr/>
         <p:txBody>
-          <a:bodyPr>
-            <a:normAutofit/>
-          </a:bodyPr>
-          <a:lstStyle/>
+          <a:bodyPr/>
+          <a:lstStyle/>
+          <a:p>
+            <a:r>
+              <a:rPr lang="en-US" dirty="0" smtClean="0"/>
+              <a:t>Economic Uncertainty Before and After Covid-19</a:t>
+            </a:r>
+          </a:p>
           <a:p>
             <a:pPr marL="0" indent="0">
-              <a:lnSpc>
-                <a:spcPct val="150000"/>
-              </a:lnSpc>
               <a:buNone/>
             </a:pPr>
             <a:r>
-              <a:rPr lang="en-US" sz="2400" dirty="0" smtClean="0"/>
-              <a:t>1. </a:t>
-            </a:r>
-            <a:r>
-              <a:rPr lang="en-US" sz="2400" b="1" dirty="0" smtClean="0"/>
-              <a:t>VIX</a:t>
-            </a:r>
-            <a:r>
-              <a:rPr lang="en-US" sz="2400" dirty="0" smtClean="0"/>
-              <a:t>: forward-looking volatility using options on S&amp;P500 </a:t>
+              <a:rPr lang="en-US" sz="2400" i="1" dirty="0" smtClean="0"/>
+              <a:t>   Goal: Look at uncertainty measures before and after Covid-19</a:t>
+            </a:r>
+          </a:p>
+          <a:p>
+            <a:r>
+              <a:rPr lang="en-US" dirty="0" smtClean="0"/>
+              <a:t>Impact of Policy Uncertainty on Economy</a:t>
             </a:r>
           </a:p>
           <a:p>
             <a:pPr marL="0" indent="0">
-              <a:lnSpc>
-                <a:spcPct val="150000"/>
-              </a:lnSpc>
               <a:buNone/>
             </a:pPr>
             <a:r>
-              <a:rPr lang="en-US" sz="2400" dirty="0" smtClean="0"/>
-              <a:t>2. </a:t>
-            </a:r>
-            <a:r>
-              <a:rPr lang="en-US" sz="2400" b="1" dirty="0" smtClean="0"/>
-              <a:t>Newspaper-Based (EPU): </a:t>
-            </a:r>
-            <a:r>
-              <a:rPr lang="en-US" sz="2400" dirty="0" smtClean="0"/>
-              <a:t>reflect uncertainty perceived by journalists</a:t>
+              <a:rPr lang="en-US" sz="2400" i="1" dirty="0" smtClean="0"/>
+              <a:t>   Goal: Survey methodology used for estimating the impact</a:t>
+            </a:r>
+          </a:p>
+          <a:p>
+            <a:r>
+              <a:rPr lang="en-US" sz="2400" dirty="0"/>
+              <a:t>Economic Policy Uncertainty (EPU) Index</a:t>
             </a:r>
           </a:p>
           <a:p>
             <a:pPr marL="0" indent="0">
-              <a:lnSpc>
-                <a:spcPct val="150000"/>
-              </a:lnSpc>
               <a:buNone/>
             </a:pPr>
             <a:r>
-              <a:rPr lang="en-US" sz="2400" dirty="0" smtClean="0"/>
-              <a:t>3.  </a:t>
-            </a:r>
-            <a:r>
-              <a:rPr lang="en-US" sz="2400" b="1" dirty="0" smtClean="0"/>
-              <a:t>Business-Expectation Surveys: </a:t>
-            </a:r>
-            <a:r>
-              <a:rPr lang="en-US" sz="2400" dirty="0" smtClean="0"/>
-              <a:t>subjective opinions on sales growth</a:t>
+              <a:rPr lang="en-US" sz="2000" i="1" dirty="0"/>
+              <a:t>   </a:t>
+            </a:r>
+            <a:r>
+              <a:rPr lang="en-US" sz="2400" i="1" dirty="0"/>
+              <a:t>Goal: Construct a toy example on EPU</a:t>
             </a:r>
           </a:p>
           <a:p>
             <a:pPr marL="0" indent="0">
-              <a:lnSpc>
-                <a:spcPct val="150000"/>
-              </a:lnSpc>
               <a:buNone/>
             </a:pPr>
-            <a:r>
-              <a:rPr lang="en-US" sz="2400" dirty="0" smtClean="0"/>
-              <a:t>4. </a:t>
-            </a:r>
-            <a:r>
-              <a:rPr lang="en-US" sz="2400" b="1" dirty="0" smtClean="0"/>
-              <a:t>Forecaster Disagreement: </a:t>
-            </a:r>
-            <a:r>
-              <a:rPr lang="en-US" sz="2400" dirty="0" smtClean="0"/>
-              <a:t>use disagreement in surveys</a:t>
-            </a:r>
-          </a:p>
-          <a:p>
-            <a:pPr marL="0" indent="0">
-              <a:lnSpc>
-                <a:spcPct val="150000"/>
-              </a:lnSpc>
-              <a:buNone/>
-            </a:pPr>
-            <a:r>
-              <a:rPr lang="en-US" sz="2400" dirty="0" smtClean="0"/>
-              <a:t>5. </a:t>
-            </a:r>
-            <a:r>
-              <a:rPr lang="en-US" sz="2400" b="1" dirty="0" smtClean="0"/>
-              <a:t>Time-Series Model: </a:t>
-            </a:r>
-            <a:r>
-              <a:rPr lang="en-US" sz="2400" dirty="0" smtClean="0"/>
-              <a:t>GARCH Model</a:t>
-            </a:r>
-            <a:endParaRPr lang="en-GB" sz="2400" dirty="0"/>
+            <a:endParaRPr lang="en-GB" sz="2400" i="1" dirty="0"/>
           </a:p>
         </p:txBody>
       </p:sp>
@@ -8202,7 +8459,7 @@
           <a:p>
             <a:r>
               <a:rPr lang="en-US" dirty="0" smtClean="0"/>
-              <a:t>Measures Used to Characterize Uncertainty</a:t>
+              <a:t>How do Uncertainty Impact Economic Activity?</a:t>
             </a:r>
             <a:endParaRPr lang="en-GB" dirty="0"/>
           </a:p>
@@ -8210,14 +8467,14 @@
       </p:sp>
       <p:pic>
         <p:nvPicPr>
-          <p:cNvPr id="3080" name="Picture 8" descr="ผลการค้นหารูปภาพสำหรับ magic candy in cookie run"/>
+          <p:cNvPr id="7170" name="Picture 2" descr="ผลการค้นหารูปภาพสำหรับ cookiemal cookierun sprite"/>
           <p:cNvPicPr>
             <a:picLocks noChangeAspect="1" noChangeArrowheads="1"/>
           </p:cNvPicPr>
           <p:nvPr/>
         </p:nvPicPr>
         <p:blipFill>
-          <a:blip r:embed="rId2" cstate="print">
+          <a:blip r:embed="rId2">
             <a:extLst>
               <a:ext uri="{28A0092B-C50C-407E-A947-70E740481C1C}">
                 <a14:useLocalDpi xmlns:a14="http://schemas.microsoft.com/office/drawing/2010/main" val="0"/>
@@ -8231,8 +8488,8 @@
         </p:blipFill>
         <p:spPr bwMode="auto">
           <a:xfrm>
-            <a:off x="8189559" y="1819342"/>
-            <a:ext cx="497307" cy="557954"/>
+            <a:off x="9122929" y="3480956"/>
+            <a:ext cx="2057689" cy="2057689"/>
           </a:xfrm>
           <a:prstGeom prst="rect">
             <a:avLst/>
@@ -8251,418 +8508,32 @@
       </p:pic>
       <p:pic>
         <p:nvPicPr>
-          <p:cNvPr id="14" name="Picture 8" descr="ผลการค้นหารูปภาพสำหรับ magic candy in cookie run"/>
+          <p:cNvPr id="4" name="Picture 3"/>
           <p:cNvPicPr>
-            <a:picLocks noChangeAspect="1" noChangeArrowheads="1"/>
+            <a:picLocks noChangeAspect="1"/>
           </p:cNvPicPr>
           <p:nvPr/>
         </p:nvPicPr>
         <p:blipFill>
-          <a:blip r:embed="rId2" cstate="print">
-            <a:extLst>
-              <a:ext uri="{28A0092B-C50C-407E-A947-70E740481C1C}">
-                <a14:useLocalDpi xmlns:a14="http://schemas.microsoft.com/office/drawing/2010/main" val="0"/>
-              </a:ext>
-            </a:extLst>
-          </a:blip>
-          <a:srcRect/>
+          <a:blip r:embed="rId3"/>
           <a:stretch>
             <a:fillRect/>
           </a:stretch>
         </p:blipFill>
-        <p:spPr bwMode="auto">
-          <a:xfrm>
-            <a:off x="8718105" y="1819342"/>
-            <a:ext cx="497307" cy="557954"/>
+        <p:spPr>
+          <a:xfrm>
+            <a:off x="8384885" y="3368814"/>
+            <a:ext cx="3533775" cy="771525"/>
           </a:xfrm>
           <a:prstGeom prst="rect">
             <a:avLst/>
           </a:prstGeom>
-          <a:noFill/>
-          <a:extLst>
-            <a:ext uri="{909E8E84-426E-40DD-AFC4-6F175D3DCCD1}">
-              <a14:hiddenFill xmlns:a14="http://schemas.microsoft.com/office/drawing/2010/main">
-                <a:solidFill>
-                  <a:srgbClr val="FFFFFF"/>
-                </a:solidFill>
-              </a14:hiddenFill>
-            </a:ext>
-          </a:extLst>
-        </p:spPr>
-      </p:pic>
-      <p:pic>
-        <p:nvPicPr>
-          <p:cNvPr id="15" name="Picture 8" descr="ผลการค้นหารูปภาพสำหรับ magic candy in cookie run"/>
-          <p:cNvPicPr>
-            <a:picLocks noChangeAspect="1" noChangeArrowheads="1"/>
-          </p:cNvPicPr>
-          <p:nvPr/>
-        </p:nvPicPr>
-        <p:blipFill>
-          <a:blip r:embed="rId2" cstate="print">
-            <a:extLst>
-              <a:ext uri="{28A0092B-C50C-407E-A947-70E740481C1C}">
-                <a14:useLocalDpi xmlns:a14="http://schemas.microsoft.com/office/drawing/2010/main" val="0"/>
-              </a:ext>
-            </a:extLst>
-          </a:blip>
-          <a:srcRect/>
-          <a:stretch>
-            <a:fillRect/>
-          </a:stretch>
-        </p:blipFill>
-        <p:spPr bwMode="auto">
-          <a:xfrm>
-            <a:off x="9246651" y="1819342"/>
-            <a:ext cx="497307" cy="557954"/>
-          </a:xfrm>
-          <a:prstGeom prst="rect">
-            <a:avLst/>
-          </a:prstGeom>
-          <a:noFill/>
-          <a:extLst>
-            <a:ext uri="{909E8E84-426E-40DD-AFC4-6F175D3DCCD1}">
-              <a14:hiddenFill xmlns:a14="http://schemas.microsoft.com/office/drawing/2010/main">
-                <a:solidFill>
-                  <a:srgbClr val="FFFFFF"/>
-                </a:solidFill>
-              </a14:hiddenFill>
-            </a:ext>
-          </a:extLst>
-        </p:spPr>
-      </p:pic>
-      <p:pic>
-        <p:nvPicPr>
-          <p:cNvPr id="16" name="Picture 8" descr="ผลการค้นหารูปภาพสำหรับ magic candy in cookie run"/>
-          <p:cNvPicPr>
-            <a:picLocks noChangeAspect="1" noChangeArrowheads="1"/>
-          </p:cNvPicPr>
-          <p:nvPr/>
-        </p:nvPicPr>
-        <p:blipFill>
-          <a:blip r:embed="rId2" cstate="print">
-            <a:extLst>
-              <a:ext uri="{28A0092B-C50C-407E-A947-70E740481C1C}">
-                <a14:useLocalDpi xmlns:a14="http://schemas.microsoft.com/office/drawing/2010/main" val="0"/>
-              </a:ext>
-            </a:extLst>
-          </a:blip>
-          <a:srcRect/>
-          <a:stretch>
-            <a:fillRect/>
-          </a:stretch>
-        </p:blipFill>
-        <p:spPr bwMode="auto">
-          <a:xfrm>
-            <a:off x="9743958" y="2499987"/>
-            <a:ext cx="497307" cy="557954"/>
-          </a:xfrm>
-          <a:prstGeom prst="rect">
-            <a:avLst/>
-          </a:prstGeom>
-          <a:noFill/>
-          <a:extLst>
-            <a:ext uri="{909E8E84-426E-40DD-AFC4-6F175D3DCCD1}">
-              <a14:hiddenFill xmlns:a14="http://schemas.microsoft.com/office/drawing/2010/main">
-                <a:solidFill>
-                  <a:srgbClr val="FFFFFF"/>
-                </a:solidFill>
-              </a14:hiddenFill>
-            </a:ext>
-          </a:extLst>
-        </p:spPr>
-      </p:pic>
-      <p:pic>
-        <p:nvPicPr>
-          <p:cNvPr id="17" name="Picture 8" descr="ผลการค้นหารูปภาพสำหรับ magic candy in cookie run"/>
-          <p:cNvPicPr>
-            <a:picLocks noChangeAspect="1" noChangeArrowheads="1"/>
-          </p:cNvPicPr>
-          <p:nvPr/>
-        </p:nvPicPr>
-        <p:blipFill>
-          <a:blip r:embed="rId2" cstate="print">
-            <a:extLst>
-              <a:ext uri="{28A0092B-C50C-407E-A947-70E740481C1C}">
-                <a14:useLocalDpi xmlns:a14="http://schemas.microsoft.com/office/drawing/2010/main" val="0"/>
-              </a:ext>
-            </a:extLst>
-          </a:blip>
-          <a:srcRect/>
-          <a:stretch>
-            <a:fillRect/>
-          </a:stretch>
-        </p:blipFill>
-        <p:spPr bwMode="auto">
-          <a:xfrm>
-            <a:off x="10272504" y="2499987"/>
-            <a:ext cx="497307" cy="557954"/>
-          </a:xfrm>
-          <a:prstGeom prst="rect">
-            <a:avLst/>
-          </a:prstGeom>
-          <a:noFill/>
-          <a:extLst>
-            <a:ext uri="{909E8E84-426E-40DD-AFC4-6F175D3DCCD1}">
-              <a14:hiddenFill xmlns:a14="http://schemas.microsoft.com/office/drawing/2010/main">
-                <a:solidFill>
-                  <a:srgbClr val="FFFFFF"/>
-                </a:solidFill>
-              </a14:hiddenFill>
-            </a:ext>
-          </a:extLst>
-        </p:spPr>
-      </p:pic>
-      <p:pic>
-        <p:nvPicPr>
-          <p:cNvPr id="18" name="Picture 8" descr="ผลการค้นหารูปภาพสำหรับ magic candy in cookie run"/>
-          <p:cNvPicPr>
-            <a:picLocks noChangeAspect="1" noChangeArrowheads="1"/>
-          </p:cNvPicPr>
-          <p:nvPr/>
-        </p:nvPicPr>
-        <p:blipFill>
-          <a:blip r:embed="rId2" cstate="print">
-            <a:extLst>
-              <a:ext uri="{28A0092B-C50C-407E-A947-70E740481C1C}">
-                <a14:useLocalDpi xmlns:a14="http://schemas.microsoft.com/office/drawing/2010/main" val="0"/>
-              </a:ext>
-            </a:extLst>
-          </a:blip>
-          <a:srcRect/>
-          <a:stretch>
-            <a:fillRect/>
-          </a:stretch>
-        </p:blipFill>
-        <p:spPr bwMode="auto">
-          <a:xfrm>
-            <a:off x="10761289" y="2499987"/>
-            <a:ext cx="497307" cy="557954"/>
-          </a:xfrm>
-          <a:prstGeom prst="rect">
-            <a:avLst/>
-          </a:prstGeom>
-          <a:noFill/>
-          <a:extLst>
-            <a:ext uri="{909E8E84-426E-40DD-AFC4-6F175D3DCCD1}">
-              <a14:hiddenFill xmlns:a14="http://schemas.microsoft.com/office/drawing/2010/main">
-                <a:solidFill>
-                  <a:srgbClr val="FFFFFF"/>
-                </a:solidFill>
-              </a14:hiddenFill>
-            </a:ext>
-          </a:extLst>
-        </p:spPr>
-      </p:pic>
-      <p:pic>
-        <p:nvPicPr>
-          <p:cNvPr id="19" name="Picture 8" descr="ผลการค้นหารูปภาพสำหรับ magic candy in cookie run"/>
-          <p:cNvPicPr>
-            <a:picLocks noChangeAspect="1" noChangeArrowheads="1"/>
-          </p:cNvPicPr>
-          <p:nvPr/>
-        </p:nvPicPr>
-        <p:blipFill>
-          <a:blip r:embed="rId2" cstate="print">
-            <a:extLst>
-              <a:ext uri="{28A0092B-C50C-407E-A947-70E740481C1C}">
-                <a14:useLocalDpi xmlns:a14="http://schemas.microsoft.com/office/drawing/2010/main" val="0"/>
-              </a:ext>
-            </a:extLst>
-          </a:blip>
-          <a:srcRect/>
-          <a:stretch>
-            <a:fillRect/>
-          </a:stretch>
-        </p:blipFill>
-        <p:spPr bwMode="auto">
-          <a:xfrm>
-            <a:off x="10703070" y="3146000"/>
-            <a:ext cx="497307" cy="557954"/>
-          </a:xfrm>
-          <a:prstGeom prst="rect">
-            <a:avLst/>
-          </a:prstGeom>
-          <a:noFill/>
-          <a:extLst>
-            <a:ext uri="{909E8E84-426E-40DD-AFC4-6F175D3DCCD1}">
-              <a14:hiddenFill xmlns:a14="http://schemas.microsoft.com/office/drawing/2010/main">
-                <a:solidFill>
-                  <a:srgbClr val="FFFFFF"/>
-                </a:solidFill>
-              </a14:hiddenFill>
-            </a:ext>
-          </a:extLst>
-        </p:spPr>
-      </p:pic>
-      <p:pic>
-        <p:nvPicPr>
-          <p:cNvPr id="20" name="Picture 8" descr="ผลการค้นหารูปภาพสำหรับ magic candy in cookie run"/>
-          <p:cNvPicPr>
-            <a:picLocks noChangeAspect="1" noChangeArrowheads="1"/>
-          </p:cNvPicPr>
-          <p:nvPr/>
-        </p:nvPicPr>
-        <p:blipFill>
-          <a:blip r:embed="rId2" cstate="print">
-            <a:extLst>
-              <a:ext uri="{28A0092B-C50C-407E-A947-70E740481C1C}">
-                <a14:useLocalDpi xmlns:a14="http://schemas.microsoft.com/office/drawing/2010/main" val="0"/>
-              </a:ext>
-            </a:extLst>
-          </a:blip>
-          <a:srcRect/>
-          <a:stretch>
-            <a:fillRect/>
-          </a:stretch>
-        </p:blipFill>
-        <p:spPr bwMode="auto">
-          <a:xfrm>
-            <a:off x="9588934" y="3166740"/>
-            <a:ext cx="497307" cy="557954"/>
-          </a:xfrm>
-          <a:prstGeom prst="rect">
-            <a:avLst/>
-          </a:prstGeom>
-          <a:noFill/>
-          <a:extLst>
-            <a:ext uri="{909E8E84-426E-40DD-AFC4-6F175D3DCCD1}">
-              <a14:hiddenFill xmlns:a14="http://schemas.microsoft.com/office/drawing/2010/main">
-                <a:solidFill>
-                  <a:srgbClr val="FFFFFF"/>
-                </a:solidFill>
-              </a14:hiddenFill>
-            </a:ext>
-          </a:extLst>
-        </p:spPr>
-      </p:pic>
-      <p:pic>
-        <p:nvPicPr>
-          <p:cNvPr id="21" name="Picture 8" descr="ผลการค้นหารูปภาพสำหรับ magic candy in cookie run"/>
-          <p:cNvPicPr>
-            <a:picLocks noChangeAspect="1" noChangeArrowheads="1"/>
-          </p:cNvPicPr>
-          <p:nvPr/>
-        </p:nvPicPr>
-        <p:blipFill>
-          <a:blip r:embed="rId2" cstate="print">
-            <a:extLst>
-              <a:ext uri="{28A0092B-C50C-407E-A947-70E740481C1C}">
-                <a14:useLocalDpi xmlns:a14="http://schemas.microsoft.com/office/drawing/2010/main" val="0"/>
-              </a:ext>
-            </a:extLst>
-          </a:blip>
-          <a:srcRect/>
-          <a:stretch>
-            <a:fillRect/>
-          </a:stretch>
-        </p:blipFill>
-        <p:spPr bwMode="auto">
-          <a:xfrm>
-            <a:off x="10117480" y="3166740"/>
-            <a:ext cx="497307" cy="557954"/>
-          </a:xfrm>
-          <a:prstGeom prst="rect">
-            <a:avLst/>
-          </a:prstGeom>
-          <a:noFill/>
-          <a:extLst>
-            <a:ext uri="{909E8E84-426E-40DD-AFC4-6F175D3DCCD1}">
-              <a14:hiddenFill xmlns:a14="http://schemas.microsoft.com/office/drawing/2010/main">
-                <a:solidFill>
-                  <a:srgbClr val="FFFFFF"/>
-                </a:solidFill>
-              </a14:hiddenFill>
-            </a:ext>
-          </a:extLst>
-        </p:spPr>
-      </p:pic>
-      <p:pic>
-        <p:nvPicPr>
-          <p:cNvPr id="22" name="Picture 8" descr="ผลการค้นหารูปภาพสำหรับ magic candy in cookie run"/>
-          <p:cNvPicPr>
-            <a:picLocks noChangeAspect="1" noChangeArrowheads="1"/>
-          </p:cNvPicPr>
-          <p:nvPr/>
-        </p:nvPicPr>
-        <p:blipFill>
-          <a:blip r:embed="rId2" cstate="print">
-            <a:extLst>
-              <a:ext uri="{28A0092B-C50C-407E-A947-70E740481C1C}">
-                <a14:useLocalDpi xmlns:a14="http://schemas.microsoft.com/office/drawing/2010/main" val="0"/>
-              </a:ext>
-            </a:extLst>
-          </a:blip>
-          <a:srcRect/>
-          <a:stretch>
-            <a:fillRect/>
-          </a:stretch>
-        </p:blipFill>
-        <p:spPr bwMode="auto">
-          <a:xfrm>
-            <a:off x="7940905" y="3831715"/>
-            <a:ext cx="497307" cy="557954"/>
-          </a:xfrm>
-          <a:prstGeom prst="rect">
-            <a:avLst/>
-          </a:prstGeom>
-          <a:noFill/>
-          <a:extLst>
-            <a:ext uri="{909E8E84-426E-40DD-AFC4-6F175D3DCCD1}">
-              <a14:hiddenFill xmlns:a14="http://schemas.microsoft.com/office/drawing/2010/main">
-                <a:solidFill>
-                  <a:srgbClr val="FFFFFF"/>
-                </a:solidFill>
-              </a14:hiddenFill>
-            </a:ext>
-          </a:extLst>
-        </p:spPr>
-      </p:pic>
-      <p:pic>
-        <p:nvPicPr>
-          <p:cNvPr id="23" name="Picture 8" descr="ผลการค้นหารูปภาพสำหรับ magic candy in cookie run"/>
-          <p:cNvPicPr>
-            <a:picLocks noChangeAspect="1" noChangeArrowheads="1"/>
-          </p:cNvPicPr>
-          <p:nvPr/>
-        </p:nvPicPr>
-        <p:blipFill>
-          <a:blip r:embed="rId2" cstate="print">
-            <a:extLst>
-              <a:ext uri="{28A0092B-C50C-407E-A947-70E740481C1C}">
-                <a14:useLocalDpi xmlns:a14="http://schemas.microsoft.com/office/drawing/2010/main" val="0"/>
-              </a:ext>
-            </a:extLst>
-          </a:blip>
-          <a:srcRect/>
-          <a:stretch>
-            <a:fillRect/>
-          </a:stretch>
-        </p:blipFill>
-        <p:spPr bwMode="auto">
-          <a:xfrm>
-            <a:off x="5740820" y="4507124"/>
-            <a:ext cx="497307" cy="557954"/>
-          </a:xfrm>
-          <a:prstGeom prst="rect">
-            <a:avLst/>
-          </a:prstGeom>
-          <a:noFill/>
-          <a:extLst>
-            <a:ext uri="{909E8E84-426E-40DD-AFC4-6F175D3DCCD1}">
-              <a14:hiddenFill xmlns:a14="http://schemas.microsoft.com/office/drawing/2010/main">
-                <a:solidFill>
-                  <a:srgbClr val="FFFFFF"/>
-                </a:solidFill>
-              </a14:hiddenFill>
-            </a:ext>
-          </a:extLst>
         </p:spPr>
       </p:pic>
     </p:spTree>
     <p:extLst>
       <p:ext uri="{BB962C8B-B14F-4D97-AF65-F5344CB8AC3E}">
-        <p14:creationId xmlns:p14="http://schemas.microsoft.com/office/powerpoint/2010/main" val="3806032829"/>
+        <p14:creationId xmlns:p14="http://schemas.microsoft.com/office/powerpoint/2010/main" val="1216161053"/>
       </p:ext>
     </p:extLst>
   </p:cSld>
@@ -8708,6 +8579,636 @@
         </p:nvSpPr>
         <p:spPr/>
         <p:txBody>
+          <a:bodyPr>
+            <a:normAutofit/>
+          </a:bodyPr>
+          <a:lstStyle/>
+          <a:p>
+            <a:pPr marL="0" indent="0">
+              <a:lnSpc>
+                <a:spcPct val="150000"/>
+              </a:lnSpc>
+              <a:buNone/>
+            </a:pPr>
+            <a:r>
+              <a:rPr lang="en-US" sz="2400" dirty="0" smtClean="0"/>
+              <a:t>1. </a:t>
+            </a:r>
+            <a:r>
+              <a:rPr lang="en-US" sz="2400" b="1" dirty="0" smtClean="0"/>
+              <a:t>VIX</a:t>
+            </a:r>
+            <a:r>
+              <a:rPr lang="en-US" sz="2400" dirty="0" smtClean="0"/>
+              <a:t>: forward-looking volatility using options on S&amp;P500 </a:t>
+            </a:r>
+          </a:p>
+          <a:p>
+            <a:pPr marL="0" indent="0">
+              <a:lnSpc>
+                <a:spcPct val="150000"/>
+              </a:lnSpc>
+              <a:buNone/>
+            </a:pPr>
+            <a:r>
+              <a:rPr lang="en-US" sz="2400" dirty="0" smtClean="0"/>
+              <a:t>2. </a:t>
+            </a:r>
+            <a:r>
+              <a:rPr lang="en-US" sz="2400" b="1" dirty="0" smtClean="0"/>
+              <a:t>Newspaper-Based (EPU): </a:t>
+            </a:r>
+            <a:r>
+              <a:rPr lang="en-US" sz="2400" dirty="0" smtClean="0"/>
+              <a:t>reflect uncertainty perceived by journalists</a:t>
+            </a:r>
+          </a:p>
+          <a:p>
+            <a:pPr marL="0" indent="0">
+              <a:lnSpc>
+                <a:spcPct val="150000"/>
+              </a:lnSpc>
+              <a:buNone/>
+            </a:pPr>
+            <a:r>
+              <a:rPr lang="en-US" sz="2400" dirty="0" smtClean="0"/>
+              <a:t>3.  </a:t>
+            </a:r>
+            <a:r>
+              <a:rPr lang="en-US" sz="2400" b="1" dirty="0" smtClean="0"/>
+              <a:t>Business-Expectation Surveys: </a:t>
+            </a:r>
+            <a:r>
+              <a:rPr lang="en-US" sz="2400" dirty="0" smtClean="0"/>
+              <a:t>subjective opinions on sales growth</a:t>
+            </a:r>
+          </a:p>
+          <a:p>
+            <a:pPr marL="0" indent="0">
+              <a:lnSpc>
+                <a:spcPct val="150000"/>
+              </a:lnSpc>
+              <a:buNone/>
+            </a:pPr>
+            <a:r>
+              <a:rPr lang="en-US" sz="2400" dirty="0" smtClean="0"/>
+              <a:t>4. </a:t>
+            </a:r>
+            <a:r>
+              <a:rPr lang="en-US" sz="2400" b="1" dirty="0" smtClean="0"/>
+              <a:t>Forecaster Disagreement: </a:t>
+            </a:r>
+            <a:r>
+              <a:rPr lang="en-US" sz="2400" dirty="0" smtClean="0"/>
+              <a:t>use disagreement in surveys</a:t>
+            </a:r>
+          </a:p>
+          <a:p>
+            <a:pPr marL="0" indent="0">
+              <a:lnSpc>
+                <a:spcPct val="150000"/>
+              </a:lnSpc>
+              <a:buNone/>
+            </a:pPr>
+            <a:r>
+              <a:rPr lang="en-US" sz="2400" dirty="0" smtClean="0"/>
+              <a:t>5. </a:t>
+            </a:r>
+            <a:r>
+              <a:rPr lang="en-US" sz="2400" b="1" dirty="0" smtClean="0"/>
+              <a:t>Time-Series Model: </a:t>
+            </a:r>
+            <a:r>
+              <a:rPr lang="en-US" sz="2400" dirty="0" smtClean="0"/>
+              <a:t>GARCH Model</a:t>
+            </a:r>
+            <a:endParaRPr lang="en-GB" sz="2400" dirty="0"/>
+          </a:p>
+        </p:txBody>
+      </p:sp>
+      <p:sp>
+        <p:nvSpPr>
+          <p:cNvPr id="3" name="Title 2"/>
+          <p:cNvSpPr>
+            <a:spLocks noGrp="1"/>
+          </p:cNvSpPr>
+          <p:nvPr>
+            <p:ph type="title"/>
+          </p:nvPr>
+        </p:nvSpPr>
+        <p:spPr/>
+        <p:txBody>
+          <a:bodyPr/>
+          <a:lstStyle/>
+          <a:p>
+            <a:r>
+              <a:rPr lang="en-US" dirty="0" smtClean="0"/>
+              <a:t>Measures Used to Characterize Uncertainty</a:t>
+            </a:r>
+            <a:endParaRPr lang="en-GB" dirty="0"/>
+          </a:p>
+        </p:txBody>
+      </p:sp>
+      <p:pic>
+        <p:nvPicPr>
+          <p:cNvPr id="3080" name="Picture 8" descr="ผลการค้นหารูปภาพสำหรับ magic candy in cookie run"/>
+          <p:cNvPicPr>
+            <a:picLocks noChangeAspect="1" noChangeArrowheads="1"/>
+          </p:cNvPicPr>
+          <p:nvPr/>
+        </p:nvPicPr>
+        <p:blipFill>
+          <a:blip r:embed="rId2" cstate="print">
+            <a:extLst>
+              <a:ext uri="{28A0092B-C50C-407E-A947-70E740481C1C}">
+                <a14:useLocalDpi xmlns:a14="http://schemas.microsoft.com/office/drawing/2010/main" val="0"/>
+              </a:ext>
+            </a:extLst>
+          </a:blip>
+          <a:srcRect/>
+          <a:stretch>
+            <a:fillRect/>
+          </a:stretch>
+        </p:blipFill>
+        <p:spPr bwMode="auto">
+          <a:xfrm>
+            <a:off x="8189559" y="1819342"/>
+            <a:ext cx="497307" cy="557954"/>
+          </a:xfrm>
+          <a:prstGeom prst="rect">
+            <a:avLst/>
+          </a:prstGeom>
+          <a:noFill/>
+          <a:extLst>
+            <a:ext uri="{909E8E84-426E-40DD-AFC4-6F175D3DCCD1}">
+              <a14:hiddenFill xmlns:a14="http://schemas.microsoft.com/office/drawing/2010/main">
+                <a:solidFill>
+                  <a:srgbClr val="FFFFFF"/>
+                </a:solidFill>
+              </a14:hiddenFill>
+            </a:ext>
+          </a:extLst>
+        </p:spPr>
+      </p:pic>
+      <p:pic>
+        <p:nvPicPr>
+          <p:cNvPr id="14" name="Picture 8" descr="ผลการค้นหารูปภาพสำหรับ magic candy in cookie run"/>
+          <p:cNvPicPr>
+            <a:picLocks noChangeAspect="1" noChangeArrowheads="1"/>
+          </p:cNvPicPr>
+          <p:nvPr/>
+        </p:nvPicPr>
+        <p:blipFill>
+          <a:blip r:embed="rId2" cstate="print">
+            <a:extLst>
+              <a:ext uri="{28A0092B-C50C-407E-A947-70E740481C1C}">
+                <a14:useLocalDpi xmlns:a14="http://schemas.microsoft.com/office/drawing/2010/main" val="0"/>
+              </a:ext>
+            </a:extLst>
+          </a:blip>
+          <a:srcRect/>
+          <a:stretch>
+            <a:fillRect/>
+          </a:stretch>
+        </p:blipFill>
+        <p:spPr bwMode="auto">
+          <a:xfrm>
+            <a:off x="8718105" y="1819342"/>
+            <a:ext cx="497307" cy="557954"/>
+          </a:xfrm>
+          <a:prstGeom prst="rect">
+            <a:avLst/>
+          </a:prstGeom>
+          <a:noFill/>
+          <a:extLst>
+            <a:ext uri="{909E8E84-426E-40DD-AFC4-6F175D3DCCD1}">
+              <a14:hiddenFill xmlns:a14="http://schemas.microsoft.com/office/drawing/2010/main">
+                <a:solidFill>
+                  <a:srgbClr val="FFFFFF"/>
+                </a:solidFill>
+              </a14:hiddenFill>
+            </a:ext>
+          </a:extLst>
+        </p:spPr>
+      </p:pic>
+      <p:pic>
+        <p:nvPicPr>
+          <p:cNvPr id="15" name="Picture 8" descr="ผลการค้นหารูปภาพสำหรับ magic candy in cookie run"/>
+          <p:cNvPicPr>
+            <a:picLocks noChangeAspect="1" noChangeArrowheads="1"/>
+          </p:cNvPicPr>
+          <p:nvPr/>
+        </p:nvPicPr>
+        <p:blipFill>
+          <a:blip r:embed="rId2" cstate="print">
+            <a:extLst>
+              <a:ext uri="{28A0092B-C50C-407E-A947-70E740481C1C}">
+                <a14:useLocalDpi xmlns:a14="http://schemas.microsoft.com/office/drawing/2010/main" val="0"/>
+              </a:ext>
+            </a:extLst>
+          </a:blip>
+          <a:srcRect/>
+          <a:stretch>
+            <a:fillRect/>
+          </a:stretch>
+        </p:blipFill>
+        <p:spPr bwMode="auto">
+          <a:xfrm>
+            <a:off x="9246651" y="1819342"/>
+            <a:ext cx="497307" cy="557954"/>
+          </a:xfrm>
+          <a:prstGeom prst="rect">
+            <a:avLst/>
+          </a:prstGeom>
+          <a:noFill/>
+          <a:extLst>
+            <a:ext uri="{909E8E84-426E-40DD-AFC4-6F175D3DCCD1}">
+              <a14:hiddenFill xmlns:a14="http://schemas.microsoft.com/office/drawing/2010/main">
+                <a:solidFill>
+                  <a:srgbClr val="FFFFFF"/>
+                </a:solidFill>
+              </a14:hiddenFill>
+            </a:ext>
+          </a:extLst>
+        </p:spPr>
+      </p:pic>
+      <p:pic>
+        <p:nvPicPr>
+          <p:cNvPr id="16" name="Picture 8" descr="ผลการค้นหารูปภาพสำหรับ magic candy in cookie run"/>
+          <p:cNvPicPr>
+            <a:picLocks noChangeAspect="1" noChangeArrowheads="1"/>
+          </p:cNvPicPr>
+          <p:nvPr/>
+        </p:nvPicPr>
+        <p:blipFill>
+          <a:blip r:embed="rId2" cstate="print">
+            <a:extLst>
+              <a:ext uri="{28A0092B-C50C-407E-A947-70E740481C1C}">
+                <a14:useLocalDpi xmlns:a14="http://schemas.microsoft.com/office/drawing/2010/main" val="0"/>
+              </a:ext>
+            </a:extLst>
+          </a:blip>
+          <a:srcRect/>
+          <a:stretch>
+            <a:fillRect/>
+          </a:stretch>
+        </p:blipFill>
+        <p:spPr bwMode="auto">
+          <a:xfrm>
+            <a:off x="9743958" y="2499987"/>
+            <a:ext cx="497307" cy="557954"/>
+          </a:xfrm>
+          <a:prstGeom prst="rect">
+            <a:avLst/>
+          </a:prstGeom>
+          <a:noFill/>
+          <a:extLst>
+            <a:ext uri="{909E8E84-426E-40DD-AFC4-6F175D3DCCD1}">
+              <a14:hiddenFill xmlns:a14="http://schemas.microsoft.com/office/drawing/2010/main">
+                <a:solidFill>
+                  <a:srgbClr val="FFFFFF"/>
+                </a:solidFill>
+              </a14:hiddenFill>
+            </a:ext>
+          </a:extLst>
+        </p:spPr>
+      </p:pic>
+      <p:pic>
+        <p:nvPicPr>
+          <p:cNvPr id="17" name="Picture 8" descr="ผลการค้นหารูปภาพสำหรับ magic candy in cookie run"/>
+          <p:cNvPicPr>
+            <a:picLocks noChangeAspect="1" noChangeArrowheads="1"/>
+          </p:cNvPicPr>
+          <p:nvPr/>
+        </p:nvPicPr>
+        <p:blipFill>
+          <a:blip r:embed="rId2" cstate="print">
+            <a:extLst>
+              <a:ext uri="{28A0092B-C50C-407E-A947-70E740481C1C}">
+                <a14:useLocalDpi xmlns:a14="http://schemas.microsoft.com/office/drawing/2010/main" val="0"/>
+              </a:ext>
+            </a:extLst>
+          </a:blip>
+          <a:srcRect/>
+          <a:stretch>
+            <a:fillRect/>
+          </a:stretch>
+        </p:blipFill>
+        <p:spPr bwMode="auto">
+          <a:xfrm>
+            <a:off x="10272504" y="2499987"/>
+            <a:ext cx="497307" cy="557954"/>
+          </a:xfrm>
+          <a:prstGeom prst="rect">
+            <a:avLst/>
+          </a:prstGeom>
+          <a:noFill/>
+          <a:extLst>
+            <a:ext uri="{909E8E84-426E-40DD-AFC4-6F175D3DCCD1}">
+              <a14:hiddenFill xmlns:a14="http://schemas.microsoft.com/office/drawing/2010/main">
+                <a:solidFill>
+                  <a:srgbClr val="FFFFFF"/>
+                </a:solidFill>
+              </a14:hiddenFill>
+            </a:ext>
+          </a:extLst>
+        </p:spPr>
+      </p:pic>
+      <p:pic>
+        <p:nvPicPr>
+          <p:cNvPr id="18" name="Picture 8" descr="ผลการค้นหารูปภาพสำหรับ magic candy in cookie run"/>
+          <p:cNvPicPr>
+            <a:picLocks noChangeAspect="1" noChangeArrowheads="1"/>
+          </p:cNvPicPr>
+          <p:nvPr/>
+        </p:nvPicPr>
+        <p:blipFill>
+          <a:blip r:embed="rId2" cstate="print">
+            <a:extLst>
+              <a:ext uri="{28A0092B-C50C-407E-A947-70E740481C1C}">
+                <a14:useLocalDpi xmlns:a14="http://schemas.microsoft.com/office/drawing/2010/main" val="0"/>
+              </a:ext>
+            </a:extLst>
+          </a:blip>
+          <a:srcRect/>
+          <a:stretch>
+            <a:fillRect/>
+          </a:stretch>
+        </p:blipFill>
+        <p:spPr bwMode="auto">
+          <a:xfrm>
+            <a:off x="10761289" y="2499987"/>
+            <a:ext cx="497307" cy="557954"/>
+          </a:xfrm>
+          <a:prstGeom prst="rect">
+            <a:avLst/>
+          </a:prstGeom>
+          <a:noFill/>
+          <a:extLst>
+            <a:ext uri="{909E8E84-426E-40DD-AFC4-6F175D3DCCD1}">
+              <a14:hiddenFill xmlns:a14="http://schemas.microsoft.com/office/drawing/2010/main">
+                <a:solidFill>
+                  <a:srgbClr val="FFFFFF"/>
+                </a:solidFill>
+              </a14:hiddenFill>
+            </a:ext>
+          </a:extLst>
+        </p:spPr>
+      </p:pic>
+      <p:pic>
+        <p:nvPicPr>
+          <p:cNvPr id="19" name="Picture 8" descr="ผลการค้นหารูปภาพสำหรับ magic candy in cookie run"/>
+          <p:cNvPicPr>
+            <a:picLocks noChangeAspect="1" noChangeArrowheads="1"/>
+          </p:cNvPicPr>
+          <p:nvPr/>
+        </p:nvPicPr>
+        <p:blipFill>
+          <a:blip r:embed="rId2" cstate="print">
+            <a:extLst>
+              <a:ext uri="{28A0092B-C50C-407E-A947-70E740481C1C}">
+                <a14:useLocalDpi xmlns:a14="http://schemas.microsoft.com/office/drawing/2010/main" val="0"/>
+              </a:ext>
+            </a:extLst>
+          </a:blip>
+          <a:srcRect/>
+          <a:stretch>
+            <a:fillRect/>
+          </a:stretch>
+        </p:blipFill>
+        <p:spPr bwMode="auto">
+          <a:xfrm>
+            <a:off x="10703070" y="3146000"/>
+            <a:ext cx="497307" cy="557954"/>
+          </a:xfrm>
+          <a:prstGeom prst="rect">
+            <a:avLst/>
+          </a:prstGeom>
+          <a:noFill/>
+          <a:extLst>
+            <a:ext uri="{909E8E84-426E-40DD-AFC4-6F175D3DCCD1}">
+              <a14:hiddenFill xmlns:a14="http://schemas.microsoft.com/office/drawing/2010/main">
+                <a:solidFill>
+                  <a:srgbClr val="FFFFFF"/>
+                </a:solidFill>
+              </a14:hiddenFill>
+            </a:ext>
+          </a:extLst>
+        </p:spPr>
+      </p:pic>
+      <p:pic>
+        <p:nvPicPr>
+          <p:cNvPr id="20" name="Picture 8" descr="ผลการค้นหารูปภาพสำหรับ magic candy in cookie run"/>
+          <p:cNvPicPr>
+            <a:picLocks noChangeAspect="1" noChangeArrowheads="1"/>
+          </p:cNvPicPr>
+          <p:nvPr/>
+        </p:nvPicPr>
+        <p:blipFill>
+          <a:blip r:embed="rId2" cstate="print">
+            <a:extLst>
+              <a:ext uri="{28A0092B-C50C-407E-A947-70E740481C1C}">
+                <a14:useLocalDpi xmlns:a14="http://schemas.microsoft.com/office/drawing/2010/main" val="0"/>
+              </a:ext>
+            </a:extLst>
+          </a:blip>
+          <a:srcRect/>
+          <a:stretch>
+            <a:fillRect/>
+          </a:stretch>
+        </p:blipFill>
+        <p:spPr bwMode="auto">
+          <a:xfrm>
+            <a:off x="9588934" y="3166740"/>
+            <a:ext cx="497307" cy="557954"/>
+          </a:xfrm>
+          <a:prstGeom prst="rect">
+            <a:avLst/>
+          </a:prstGeom>
+          <a:noFill/>
+          <a:extLst>
+            <a:ext uri="{909E8E84-426E-40DD-AFC4-6F175D3DCCD1}">
+              <a14:hiddenFill xmlns:a14="http://schemas.microsoft.com/office/drawing/2010/main">
+                <a:solidFill>
+                  <a:srgbClr val="FFFFFF"/>
+                </a:solidFill>
+              </a14:hiddenFill>
+            </a:ext>
+          </a:extLst>
+        </p:spPr>
+      </p:pic>
+      <p:pic>
+        <p:nvPicPr>
+          <p:cNvPr id="21" name="Picture 8" descr="ผลการค้นหารูปภาพสำหรับ magic candy in cookie run"/>
+          <p:cNvPicPr>
+            <a:picLocks noChangeAspect="1" noChangeArrowheads="1"/>
+          </p:cNvPicPr>
+          <p:nvPr/>
+        </p:nvPicPr>
+        <p:blipFill>
+          <a:blip r:embed="rId2" cstate="print">
+            <a:extLst>
+              <a:ext uri="{28A0092B-C50C-407E-A947-70E740481C1C}">
+                <a14:useLocalDpi xmlns:a14="http://schemas.microsoft.com/office/drawing/2010/main" val="0"/>
+              </a:ext>
+            </a:extLst>
+          </a:blip>
+          <a:srcRect/>
+          <a:stretch>
+            <a:fillRect/>
+          </a:stretch>
+        </p:blipFill>
+        <p:spPr bwMode="auto">
+          <a:xfrm>
+            <a:off x="10117480" y="3166740"/>
+            <a:ext cx="497307" cy="557954"/>
+          </a:xfrm>
+          <a:prstGeom prst="rect">
+            <a:avLst/>
+          </a:prstGeom>
+          <a:noFill/>
+          <a:extLst>
+            <a:ext uri="{909E8E84-426E-40DD-AFC4-6F175D3DCCD1}">
+              <a14:hiddenFill xmlns:a14="http://schemas.microsoft.com/office/drawing/2010/main">
+                <a:solidFill>
+                  <a:srgbClr val="FFFFFF"/>
+                </a:solidFill>
+              </a14:hiddenFill>
+            </a:ext>
+          </a:extLst>
+        </p:spPr>
+      </p:pic>
+      <p:pic>
+        <p:nvPicPr>
+          <p:cNvPr id="22" name="Picture 8" descr="ผลการค้นหารูปภาพสำหรับ magic candy in cookie run"/>
+          <p:cNvPicPr>
+            <a:picLocks noChangeAspect="1" noChangeArrowheads="1"/>
+          </p:cNvPicPr>
+          <p:nvPr/>
+        </p:nvPicPr>
+        <p:blipFill>
+          <a:blip r:embed="rId2" cstate="print">
+            <a:extLst>
+              <a:ext uri="{28A0092B-C50C-407E-A947-70E740481C1C}">
+                <a14:useLocalDpi xmlns:a14="http://schemas.microsoft.com/office/drawing/2010/main" val="0"/>
+              </a:ext>
+            </a:extLst>
+          </a:blip>
+          <a:srcRect/>
+          <a:stretch>
+            <a:fillRect/>
+          </a:stretch>
+        </p:blipFill>
+        <p:spPr bwMode="auto">
+          <a:xfrm>
+            <a:off x="7940905" y="3831715"/>
+            <a:ext cx="497307" cy="557954"/>
+          </a:xfrm>
+          <a:prstGeom prst="rect">
+            <a:avLst/>
+          </a:prstGeom>
+          <a:noFill/>
+          <a:extLst>
+            <a:ext uri="{909E8E84-426E-40DD-AFC4-6F175D3DCCD1}">
+              <a14:hiddenFill xmlns:a14="http://schemas.microsoft.com/office/drawing/2010/main">
+                <a:solidFill>
+                  <a:srgbClr val="FFFFFF"/>
+                </a:solidFill>
+              </a14:hiddenFill>
+            </a:ext>
+          </a:extLst>
+        </p:spPr>
+      </p:pic>
+      <p:pic>
+        <p:nvPicPr>
+          <p:cNvPr id="23" name="Picture 8" descr="ผลการค้นหารูปภาพสำหรับ magic candy in cookie run"/>
+          <p:cNvPicPr>
+            <a:picLocks noChangeAspect="1" noChangeArrowheads="1"/>
+          </p:cNvPicPr>
+          <p:nvPr/>
+        </p:nvPicPr>
+        <p:blipFill>
+          <a:blip r:embed="rId2" cstate="print">
+            <a:extLst>
+              <a:ext uri="{28A0092B-C50C-407E-A947-70E740481C1C}">
+                <a14:useLocalDpi xmlns:a14="http://schemas.microsoft.com/office/drawing/2010/main" val="0"/>
+              </a:ext>
+            </a:extLst>
+          </a:blip>
+          <a:srcRect/>
+          <a:stretch>
+            <a:fillRect/>
+          </a:stretch>
+        </p:blipFill>
+        <p:spPr bwMode="auto">
+          <a:xfrm>
+            <a:off x="5740820" y="4507124"/>
+            <a:ext cx="497307" cy="557954"/>
+          </a:xfrm>
+          <a:prstGeom prst="rect">
+            <a:avLst/>
+          </a:prstGeom>
+          <a:noFill/>
+          <a:extLst>
+            <a:ext uri="{909E8E84-426E-40DD-AFC4-6F175D3DCCD1}">
+              <a14:hiddenFill xmlns:a14="http://schemas.microsoft.com/office/drawing/2010/main">
+                <a:solidFill>
+                  <a:srgbClr val="FFFFFF"/>
+                </a:solidFill>
+              </a14:hiddenFill>
+            </a:ext>
+          </a:extLst>
+        </p:spPr>
+      </p:pic>
+    </p:spTree>
+    <p:extLst>
+      <p:ext uri="{BB962C8B-B14F-4D97-AF65-F5344CB8AC3E}">
+        <p14:creationId xmlns:p14="http://schemas.microsoft.com/office/powerpoint/2010/main" val="3806032829"/>
+      </p:ext>
+    </p:extLst>
+  </p:cSld>
+  <p:clrMapOvr>
+    <a:masterClrMapping/>
+  </p:clrMapOvr>
+  <p:timing>
+    <p:tnLst>
+      <p:par>
+        <p:cTn id="1" dur="indefinite" restart="never" nodeType="tmRoot"/>
+      </p:par>
+    </p:tnLst>
+  </p:timing>
+</p:sld>
+</file>
+
+<file path=ppt/slides/slide6.xml><?xml version="1.0" encoding="utf-8"?>
+<p:sld xmlns:a="http://schemas.openxmlformats.org/drawingml/2006/main" xmlns:r="http://schemas.openxmlformats.org/officeDocument/2006/relationships" xmlns:p="http://schemas.openxmlformats.org/presentationml/2006/main">
+  <p:cSld>
+    <p:spTree>
+      <p:nvGrpSpPr>
+        <p:cNvPr id="1" name=""/>
+        <p:cNvGrpSpPr/>
+        <p:nvPr/>
+      </p:nvGrpSpPr>
+      <p:grpSpPr>
+        <a:xfrm>
+          <a:off x="0" y="0"/>
+          <a:ext cx="0" cy="0"/>
+          <a:chOff x="0" y="0"/>
+          <a:chExt cx="0" cy="0"/>
+        </a:xfrm>
+      </p:grpSpPr>
+      <p:sp>
+        <p:nvSpPr>
+          <p:cNvPr id="2" name="Content Placeholder 1"/>
+          <p:cNvSpPr>
+            <a:spLocks noGrp="1"/>
+          </p:cNvSpPr>
+          <p:nvPr>
+            <p:ph idx="1"/>
+          </p:nvPr>
+        </p:nvSpPr>
+        <p:spPr/>
+        <p:txBody>
           <a:bodyPr/>
           <a:lstStyle/>
           <a:p>
@@ -8891,7 +9392,7 @@
 </p:sld>
 </file>
 
-<file path=ppt/slides/slide6.xml><?xml version="1.0" encoding="utf-8"?>
+<file path=ppt/slides/slide7.xml><?xml version="1.0" encoding="utf-8"?>
 <p:sld xmlns:a="http://schemas.openxmlformats.org/drawingml/2006/main" xmlns:r="http://schemas.openxmlformats.org/officeDocument/2006/relationships" xmlns:p="http://schemas.openxmlformats.org/presentationml/2006/main">
   <p:cSld>
     <p:spTree>
@@ -9076,7 +9577,7 @@
 </p:sld>
 </file>
 
-<file path=ppt/slides/slide7.xml><?xml version="1.0" encoding="utf-8"?>
+<file path=ppt/slides/slide8.xml><?xml version="1.0" encoding="utf-8"?>
 <p:sld xmlns:a="http://schemas.openxmlformats.org/drawingml/2006/main" xmlns:r="http://schemas.openxmlformats.org/officeDocument/2006/relationships" xmlns:p="http://schemas.openxmlformats.org/presentationml/2006/main">
   <p:cSld>
     <p:spTree>
@@ -9261,7 +9762,7 @@
 </p:sld>
 </file>
 
-<file path=ppt/slides/slide8.xml><?xml version="1.0" encoding="utf-8"?>
+<file path=ppt/slides/slide9.xml><?xml version="1.0" encoding="utf-8"?>
 <p:sld xmlns:a="http://schemas.openxmlformats.org/drawingml/2006/main" xmlns:r="http://schemas.openxmlformats.org/officeDocument/2006/relationships" xmlns:p="http://schemas.openxmlformats.org/presentationml/2006/main">
   <p:cSld>
     <p:spTree>
@@ -9437,185 +9938,6 @@
     <p:extLst>
       <p:ext uri="{BB962C8B-B14F-4D97-AF65-F5344CB8AC3E}">
         <p14:creationId xmlns:p14="http://schemas.microsoft.com/office/powerpoint/2010/main" val="2283676731"/>
-      </p:ext>
-    </p:extLst>
-  </p:cSld>
-  <p:clrMapOvr>
-    <a:masterClrMapping/>
-  </p:clrMapOvr>
-</p:sld>
-</file>
-
-<file path=ppt/slides/slide9.xml><?xml version="1.0" encoding="utf-8"?>
-<p:sld xmlns:a="http://schemas.openxmlformats.org/drawingml/2006/main" xmlns:r="http://schemas.openxmlformats.org/officeDocument/2006/relationships" xmlns:p="http://schemas.openxmlformats.org/presentationml/2006/main">
-  <p:cSld>
-    <p:spTree>
-      <p:nvGrpSpPr>
-        <p:cNvPr id="1" name=""/>
-        <p:cNvGrpSpPr/>
-        <p:nvPr/>
-      </p:nvGrpSpPr>
-      <p:grpSpPr>
-        <a:xfrm>
-          <a:off x="0" y="0"/>
-          <a:ext cx="0" cy="0"/>
-          <a:chOff x="0" y="0"/>
-          <a:chExt cx="0" cy="0"/>
-        </a:xfrm>
-      </p:grpSpPr>
-      <p:sp>
-        <p:nvSpPr>
-          <p:cNvPr id="2" name="Content Placeholder 1"/>
-          <p:cNvSpPr>
-            <a:spLocks noGrp="1"/>
-          </p:cNvSpPr>
-          <p:nvPr>
-            <p:ph idx="1"/>
-          </p:nvPr>
-        </p:nvSpPr>
-        <p:spPr/>
-        <p:txBody>
-          <a:bodyPr>
-            <a:normAutofit/>
-          </a:bodyPr>
-          <a:lstStyle/>
-          <a:p>
-            <a:pPr marL="0" indent="0">
-              <a:lnSpc>
-                <a:spcPct val="100000"/>
-              </a:lnSpc>
-              <a:buNone/>
-            </a:pPr>
-            <a:r>
-              <a:rPr lang="en-US" sz="2400" dirty="0" smtClean="0"/>
-              <a:t>The main question is how policy uncertainty affects economic outcomes.</a:t>
-            </a:r>
-          </a:p>
-          <a:p>
-            <a:pPr marL="0" indent="0">
-              <a:lnSpc>
-                <a:spcPct val="100000"/>
-              </a:lnSpc>
-              <a:buNone/>
-            </a:pPr>
-            <a:r>
-              <a:rPr lang="en-US" sz="2400" dirty="0" smtClean="0"/>
-              <a:t>Two approaches used by Baker, Bloom and Davis (2016):</a:t>
-            </a:r>
-          </a:p>
-          <a:p>
-            <a:pPr marL="0" indent="0">
-              <a:lnSpc>
-                <a:spcPct val="100000"/>
-              </a:lnSpc>
-              <a:buNone/>
-            </a:pPr>
-            <a:r>
-              <a:rPr lang="en-US" sz="2400" dirty="0" smtClean="0"/>
-              <a:t>1. Use firm-level data to capture government purchases</a:t>
-            </a:r>
-          </a:p>
-          <a:p>
-            <a:pPr marL="0" indent="0">
-              <a:lnSpc>
-                <a:spcPct val="100000"/>
-              </a:lnSpc>
-              <a:buNone/>
-            </a:pPr>
-            <a:r>
-              <a:rPr lang="en-US" sz="2400" b="1" dirty="0" smtClean="0"/>
-              <a:t>Results</a:t>
-            </a:r>
-            <a:r>
-              <a:rPr lang="en-US" sz="2400" dirty="0" smtClean="0"/>
-              <a:t>: Policy uncertainty affects stock price uncertainty</a:t>
-            </a:r>
-          </a:p>
-          <a:p>
-            <a:pPr marL="0" indent="0">
-              <a:lnSpc>
-                <a:spcPct val="100000"/>
-              </a:lnSpc>
-              <a:buNone/>
-            </a:pPr>
-            <a:r>
-              <a:rPr lang="en-US" sz="2400" dirty="0" smtClean="0"/>
-              <a:t>2. Use macro-level data to capture multiple channels</a:t>
-            </a:r>
-          </a:p>
-          <a:p>
-            <a:pPr marL="0" indent="0">
-              <a:lnSpc>
-                <a:spcPct val="100000"/>
-              </a:lnSpc>
-              <a:buNone/>
-            </a:pPr>
-            <a:r>
-              <a:rPr lang="en-US" sz="2400" b="1" dirty="0" smtClean="0"/>
-              <a:t>Results</a:t>
-            </a:r>
-            <a:r>
-              <a:rPr lang="en-US" sz="2400" dirty="0" smtClean="0"/>
-              <a:t>: Policy uncertainty affects macro-variables such as </a:t>
-            </a:r>
-          </a:p>
-          <a:p>
-            <a:pPr marL="0" indent="0">
-              <a:lnSpc>
-                <a:spcPct val="100000"/>
-              </a:lnSpc>
-              <a:buNone/>
-            </a:pPr>
-            <a:r>
-              <a:rPr lang="en-US" sz="2400" dirty="0"/>
-              <a:t> </a:t>
-            </a:r>
-            <a:r>
-              <a:rPr lang="en-US" sz="2400" dirty="0" smtClean="0"/>
-              <a:t>              industrial production, employment growth.</a:t>
-            </a:r>
-          </a:p>
-          <a:p>
-            <a:pPr marL="0" indent="0">
-              <a:buNone/>
-            </a:pPr>
-            <a:endParaRPr lang="en-US" sz="2400" dirty="0"/>
-          </a:p>
-          <a:p>
-            <a:pPr marL="0" indent="0">
-              <a:buNone/>
-            </a:pPr>
-            <a:endParaRPr lang="en-GB" sz="2400" dirty="0"/>
-          </a:p>
-        </p:txBody>
-      </p:sp>
-      <p:sp>
-        <p:nvSpPr>
-          <p:cNvPr id="3" name="Title 2"/>
-          <p:cNvSpPr>
-            <a:spLocks noGrp="1"/>
-          </p:cNvSpPr>
-          <p:nvPr>
-            <p:ph type="title"/>
-          </p:nvPr>
-        </p:nvSpPr>
-        <p:spPr/>
-        <p:txBody>
-          <a:bodyPr/>
-          <a:lstStyle/>
-          <a:p>
-            <a:r>
-              <a:rPr lang="en-US" dirty="0" smtClean="0"/>
-              <a:t>Effects of Policy Uncertainty on Economy</a:t>
-            </a:r>
-            <a:endParaRPr lang="en-GB" dirty="0"/>
-          </a:p>
-        </p:txBody>
-      </p:sp>
-    </p:spTree>
-    <p:extLst>
-      <p:ext uri="{BB962C8B-B14F-4D97-AF65-F5344CB8AC3E}">
-        <p14:creationId xmlns:p14="http://schemas.microsoft.com/office/powerpoint/2010/main" val="403331339"/>
       </p:ext>
     </p:extLst>
   </p:cSld>
